--- a/Colloquium.pptx
+++ b/Colloquium.pptx
@@ -4,21 +4,26 @@
   <p:sldMasterIdLst>
     <p:sldMasterId id="2147483648" r:id="rId1"/>
   </p:sldMasterIdLst>
+  <p:notesMasterIdLst>
+    <p:notesMasterId r:id="rId18"/>
+  </p:notesMasterIdLst>
   <p:sldIdLst>
     <p:sldId id="256" r:id="rId2"/>
     <p:sldId id="257" r:id="rId3"/>
     <p:sldId id="258" r:id="rId4"/>
     <p:sldId id="265" r:id="rId5"/>
-    <p:sldId id="259" r:id="rId6"/>
-    <p:sldId id="260" r:id="rId7"/>
-    <p:sldId id="261" r:id="rId8"/>
-    <p:sldId id="269" r:id="rId9"/>
-    <p:sldId id="262" r:id="rId10"/>
-    <p:sldId id="263" r:id="rId11"/>
-    <p:sldId id="264" r:id="rId12"/>
-    <p:sldId id="266" r:id="rId13"/>
-    <p:sldId id="267" r:id="rId14"/>
-    <p:sldId id="268" r:id="rId15"/>
+    <p:sldId id="270" r:id="rId6"/>
+    <p:sldId id="271" r:id="rId7"/>
+    <p:sldId id="259" r:id="rId8"/>
+    <p:sldId id="260" r:id="rId9"/>
+    <p:sldId id="261" r:id="rId10"/>
+    <p:sldId id="269" r:id="rId11"/>
+    <p:sldId id="262" r:id="rId12"/>
+    <p:sldId id="263" r:id="rId13"/>
+    <p:sldId id="264" r:id="rId14"/>
+    <p:sldId id="266" r:id="rId15"/>
+    <p:sldId id="267" r:id="rId16"/>
+    <p:sldId id="268" r:id="rId17"/>
   </p:sldIdLst>
   <p:sldSz cx="12192000" cy="6858000"/>
   <p:notesSz cx="6858000" cy="9144000"/>
@@ -123,6 +128,475 @@
     </p:ext>
   </p:extLst>
 </p:presentation>
+</file>
+
+<file path=ppt/notesMasters/notesMaster1.xml><?xml version="1.0" encoding="utf-8"?>
+<p:notesMaster xmlns:a="http://schemas.openxmlformats.org/drawingml/2006/main" xmlns:r="http://schemas.openxmlformats.org/officeDocument/2006/relationships" xmlns:p="http://schemas.openxmlformats.org/presentationml/2006/main">
+  <p:cSld>
+    <p:bg>
+      <p:bgRef idx="1001">
+        <a:schemeClr val="bg1"/>
+      </p:bgRef>
+    </p:bg>
+    <p:spTree>
+      <p:nvGrpSpPr>
+        <p:cNvPr id="1" name=""/>
+        <p:cNvGrpSpPr/>
+        <p:nvPr/>
+      </p:nvGrpSpPr>
+      <p:grpSpPr>
+        <a:xfrm>
+          <a:off x="0" y="0"/>
+          <a:ext cx="0" cy="0"/>
+          <a:chOff x="0" y="0"/>
+          <a:chExt cx="0" cy="0"/>
+        </a:xfrm>
+      </p:grpSpPr>
+      <p:sp>
+        <p:nvSpPr>
+          <p:cNvPr id="2" name="Header Placeholder 1"/>
+          <p:cNvSpPr>
+            <a:spLocks noGrp="1"/>
+          </p:cNvSpPr>
+          <p:nvPr>
+            <p:ph type="hdr" sz="quarter"/>
+          </p:nvPr>
+        </p:nvSpPr>
+        <p:spPr>
+          <a:xfrm>
+            <a:off x="0" y="0"/>
+            <a:ext cx="2971800" cy="458788"/>
+          </a:xfrm>
+          <a:prstGeom prst="rect">
+            <a:avLst/>
+          </a:prstGeom>
+        </p:spPr>
+        <p:txBody>
+          <a:bodyPr vert="horz" lIns="91440" tIns="45720" rIns="91440" bIns="45720" rtlCol="0"/>
+          <a:lstStyle>
+            <a:lvl1pPr algn="l">
+              <a:defRPr sz="1200"/>
+            </a:lvl1pPr>
+          </a:lstStyle>
+          <a:p>
+            <a:endParaRPr lang="en-GB"/>
+          </a:p>
+        </p:txBody>
+      </p:sp>
+      <p:sp>
+        <p:nvSpPr>
+          <p:cNvPr id="3" name="Date Placeholder 2"/>
+          <p:cNvSpPr>
+            <a:spLocks noGrp="1"/>
+          </p:cNvSpPr>
+          <p:nvPr>
+            <p:ph type="dt" idx="1"/>
+          </p:nvPr>
+        </p:nvSpPr>
+        <p:spPr>
+          <a:xfrm>
+            <a:off x="3884613" y="0"/>
+            <a:ext cx="2971800" cy="458788"/>
+          </a:xfrm>
+          <a:prstGeom prst="rect">
+            <a:avLst/>
+          </a:prstGeom>
+        </p:spPr>
+        <p:txBody>
+          <a:bodyPr vert="horz" lIns="91440" tIns="45720" rIns="91440" bIns="45720" rtlCol="0"/>
+          <a:lstStyle>
+            <a:lvl1pPr algn="r">
+              <a:defRPr sz="1200"/>
+            </a:lvl1pPr>
+          </a:lstStyle>
+          <a:p>
+            <a:fld id="{F88B68F8-21B4-4B34-80C5-14D8D6E67E5F}" type="datetimeFigureOut">
+              <a:rPr lang="en-GB" smtClean="0"/>
+              <a:t>05/06/2024</a:t>
+            </a:fld>
+            <a:endParaRPr lang="en-GB"/>
+          </a:p>
+        </p:txBody>
+      </p:sp>
+      <p:sp>
+        <p:nvSpPr>
+          <p:cNvPr id="4" name="Slide Image Placeholder 3"/>
+          <p:cNvSpPr>
+            <a:spLocks noGrp="1" noRot="1" noChangeAspect="1"/>
+          </p:cNvSpPr>
+          <p:nvPr>
+            <p:ph type="sldImg" idx="2"/>
+          </p:nvPr>
+        </p:nvSpPr>
+        <p:spPr>
+          <a:xfrm>
+            <a:off x="685800" y="1143000"/>
+            <a:ext cx="5486400" cy="3086100"/>
+          </a:xfrm>
+          <a:prstGeom prst="rect">
+            <a:avLst/>
+          </a:prstGeom>
+          <a:noFill/>
+          <a:ln w="12700">
+            <a:solidFill>
+              <a:prstClr val="black"/>
+            </a:solidFill>
+          </a:ln>
+        </p:spPr>
+        <p:txBody>
+          <a:bodyPr vert="horz" lIns="91440" tIns="45720" rIns="91440" bIns="45720" rtlCol="0" anchor="ctr"/>
+          <a:lstStyle/>
+          <a:p>
+            <a:endParaRPr lang="en-GB"/>
+          </a:p>
+        </p:txBody>
+      </p:sp>
+      <p:sp>
+        <p:nvSpPr>
+          <p:cNvPr id="5" name="Notes Placeholder 4"/>
+          <p:cNvSpPr>
+            <a:spLocks noGrp="1"/>
+          </p:cNvSpPr>
+          <p:nvPr>
+            <p:ph type="body" sz="quarter" idx="3"/>
+          </p:nvPr>
+        </p:nvSpPr>
+        <p:spPr>
+          <a:xfrm>
+            <a:off x="685800" y="4400550"/>
+            <a:ext cx="5486400" cy="3600450"/>
+          </a:xfrm>
+          <a:prstGeom prst="rect">
+            <a:avLst/>
+          </a:prstGeom>
+        </p:spPr>
+        <p:txBody>
+          <a:bodyPr vert="horz" lIns="91440" tIns="45720" rIns="91440" bIns="45720" rtlCol="0"/>
+          <a:lstStyle/>
+          <a:p>
+            <a:pPr lvl="0"/>
+            <a:r>
+              <a:rPr lang="en-GB"/>
+              <a:t>Click to edit Master text styles</a:t>
+            </a:r>
+          </a:p>
+          <a:p>
+            <a:pPr lvl="1"/>
+            <a:r>
+              <a:rPr lang="en-GB"/>
+              <a:t>Second level</a:t>
+            </a:r>
+          </a:p>
+          <a:p>
+            <a:pPr lvl="2"/>
+            <a:r>
+              <a:rPr lang="en-GB"/>
+              <a:t>Third level</a:t>
+            </a:r>
+          </a:p>
+          <a:p>
+            <a:pPr lvl="3"/>
+            <a:r>
+              <a:rPr lang="en-GB"/>
+              <a:t>Fourth level</a:t>
+            </a:r>
+          </a:p>
+          <a:p>
+            <a:pPr lvl="4"/>
+            <a:r>
+              <a:rPr lang="en-GB"/>
+              <a:t>Fifth level</a:t>
+            </a:r>
+          </a:p>
+        </p:txBody>
+      </p:sp>
+      <p:sp>
+        <p:nvSpPr>
+          <p:cNvPr id="6" name="Footer Placeholder 5"/>
+          <p:cNvSpPr>
+            <a:spLocks noGrp="1"/>
+          </p:cNvSpPr>
+          <p:nvPr>
+            <p:ph type="ftr" sz="quarter" idx="4"/>
+          </p:nvPr>
+        </p:nvSpPr>
+        <p:spPr>
+          <a:xfrm>
+            <a:off x="0" y="8685213"/>
+            <a:ext cx="2971800" cy="458787"/>
+          </a:xfrm>
+          <a:prstGeom prst="rect">
+            <a:avLst/>
+          </a:prstGeom>
+        </p:spPr>
+        <p:txBody>
+          <a:bodyPr vert="horz" lIns="91440" tIns="45720" rIns="91440" bIns="45720" rtlCol="0" anchor="b"/>
+          <a:lstStyle>
+            <a:lvl1pPr algn="l">
+              <a:defRPr sz="1200"/>
+            </a:lvl1pPr>
+          </a:lstStyle>
+          <a:p>
+            <a:endParaRPr lang="en-GB"/>
+          </a:p>
+        </p:txBody>
+      </p:sp>
+      <p:sp>
+        <p:nvSpPr>
+          <p:cNvPr id="7" name="Slide Number Placeholder 6"/>
+          <p:cNvSpPr>
+            <a:spLocks noGrp="1"/>
+          </p:cNvSpPr>
+          <p:nvPr>
+            <p:ph type="sldNum" sz="quarter" idx="5"/>
+          </p:nvPr>
+        </p:nvSpPr>
+        <p:spPr>
+          <a:xfrm>
+            <a:off x="3884613" y="8685213"/>
+            <a:ext cx="2971800" cy="458787"/>
+          </a:xfrm>
+          <a:prstGeom prst="rect">
+            <a:avLst/>
+          </a:prstGeom>
+        </p:spPr>
+        <p:txBody>
+          <a:bodyPr vert="horz" lIns="91440" tIns="45720" rIns="91440" bIns="45720" rtlCol="0" anchor="b"/>
+          <a:lstStyle>
+            <a:lvl1pPr algn="r">
+              <a:defRPr sz="1200"/>
+            </a:lvl1pPr>
+          </a:lstStyle>
+          <a:p>
+            <a:fld id="{6E8D7B1F-7FD6-4F43-BD7E-30CB73EEFAC5}" type="slidenum">
+              <a:rPr lang="en-GB" smtClean="0"/>
+              <a:t>‹#›</a:t>
+            </a:fld>
+            <a:endParaRPr lang="en-GB"/>
+          </a:p>
+        </p:txBody>
+      </p:sp>
+    </p:spTree>
+    <p:extLst>
+      <p:ext uri="{BB962C8B-B14F-4D97-AF65-F5344CB8AC3E}">
+        <p14:creationId xmlns:p14="http://schemas.microsoft.com/office/powerpoint/2010/main" val="247224071"/>
+      </p:ext>
+    </p:extLst>
+  </p:cSld>
+  <p:clrMap bg1="lt1" tx1="dk1" bg2="lt2" tx2="dk2" accent1="accent1" accent2="accent2" accent3="accent3" accent4="accent4" accent5="accent5" accent6="accent6" hlink="hlink" folHlink="folHlink"/>
+  <p:notesStyle>
+    <a:lvl1pPr marL="0" algn="l" defTabSz="914400" rtl="0" eaLnBrk="1" latinLnBrk="0" hangingPunct="1">
+      <a:defRPr sz="1200" kern="1200">
+        <a:solidFill>
+          <a:schemeClr val="tx1"/>
+        </a:solidFill>
+        <a:latin typeface="+mn-lt"/>
+        <a:ea typeface="+mn-ea"/>
+        <a:cs typeface="+mn-cs"/>
+      </a:defRPr>
+    </a:lvl1pPr>
+    <a:lvl2pPr marL="457200" algn="l" defTabSz="914400" rtl="0" eaLnBrk="1" latinLnBrk="0" hangingPunct="1">
+      <a:defRPr sz="1200" kern="1200">
+        <a:solidFill>
+          <a:schemeClr val="tx1"/>
+        </a:solidFill>
+        <a:latin typeface="+mn-lt"/>
+        <a:ea typeface="+mn-ea"/>
+        <a:cs typeface="+mn-cs"/>
+      </a:defRPr>
+    </a:lvl2pPr>
+    <a:lvl3pPr marL="914400" algn="l" defTabSz="914400" rtl="0" eaLnBrk="1" latinLnBrk="0" hangingPunct="1">
+      <a:defRPr sz="1200" kern="1200">
+        <a:solidFill>
+          <a:schemeClr val="tx1"/>
+        </a:solidFill>
+        <a:latin typeface="+mn-lt"/>
+        <a:ea typeface="+mn-ea"/>
+        <a:cs typeface="+mn-cs"/>
+      </a:defRPr>
+    </a:lvl3pPr>
+    <a:lvl4pPr marL="1371600" algn="l" defTabSz="914400" rtl="0" eaLnBrk="1" latinLnBrk="0" hangingPunct="1">
+      <a:defRPr sz="1200" kern="1200">
+        <a:solidFill>
+          <a:schemeClr val="tx1"/>
+        </a:solidFill>
+        <a:latin typeface="+mn-lt"/>
+        <a:ea typeface="+mn-ea"/>
+        <a:cs typeface="+mn-cs"/>
+      </a:defRPr>
+    </a:lvl4pPr>
+    <a:lvl5pPr marL="1828800" algn="l" defTabSz="914400" rtl="0" eaLnBrk="1" latinLnBrk="0" hangingPunct="1">
+      <a:defRPr sz="1200" kern="1200">
+        <a:solidFill>
+          <a:schemeClr val="tx1"/>
+        </a:solidFill>
+        <a:latin typeface="+mn-lt"/>
+        <a:ea typeface="+mn-ea"/>
+        <a:cs typeface="+mn-cs"/>
+      </a:defRPr>
+    </a:lvl5pPr>
+    <a:lvl6pPr marL="2286000" algn="l" defTabSz="914400" rtl="0" eaLnBrk="1" latinLnBrk="0" hangingPunct="1">
+      <a:defRPr sz="1200" kern="1200">
+        <a:solidFill>
+          <a:schemeClr val="tx1"/>
+        </a:solidFill>
+        <a:latin typeface="+mn-lt"/>
+        <a:ea typeface="+mn-ea"/>
+        <a:cs typeface="+mn-cs"/>
+      </a:defRPr>
+    </a:lvl6pPr>
+    <a:lvl7pPr marL="2743200" algn="l" defTabSz="914400" rtl="0" eaLnBrk="1" latinLnBrk="0" hangingPunct="1">
+      <a:defRPr sz="1200" kern="1200">
+        <a:solidFill>
+          <a:schemeClr val="tx1"/>
+        </a:solidFill>
+        <a:latin typeface="+mn-lt"/>
+        <a:ea typeface="+mn-ea"/>
+        <a:cs typeface="+mn-cs"/>
+      </a:defRPr>
+    </a:lvl7pPr>
+    <a:lvl8pPr marL="3200400" algn="l" defTabSz="914400" rtl="0" eaLnBrk="1" latinLnBrk="0" hangingPunct="1">
+      <a:defRPr sz="1200" kern="1200">
+        <a:solidFill>
+          <a:schemeClr val="tx1"/>
+        </a:solidFill>
+        <a:latin typeface="+mn-lt"/>
+        <a:ea typeface="+mn-ea"/>
+        <a:cs typeface="+mn-cs"/>
+      </a:defRPr>
+    </a:lvl8pPr>
+    <a:lvl9pPr marL="3657600" algn="l" defTabSz="914400" rtl="0" eaLnBrk="1" latinLnBrk="0" hangingPunct="1">
+      <a:defRPr sz="1200" kern="1200">
+        <a:solidFill>
+          <a:schemeClr val="tx1"/>
+        </a:solidFill>
+        <a:latin typeface="+mn-lt"/>
+        <a:ea typeface="+mn-ea"/>
+        <a:cs typeface="+mn-cs"/>
+      </a:defRPr>
+    </a:lvl9pPr>
+  </p:notesStyle>
+</p:notesMaster>
+</file>
+
+<file path=ppt/notesSlides/notesSlide1.xml><?xml version="1.0" encoding="utf-8"?>
+<p:notes xmlns:a="http://schemas.openxmlformats.org/drawingml/2006/main" xmlns:r="http://schemas.openxmlformats.org/officeDocument/2006/relationships" xmlns:p="http://schemas.openxmlformats.org/presentationml/2006/main">
+  <p:cSld>
+    <p:spTree>
+      <p:nvGrpSpPr>
+        <p:cNvPr id="1" name=""/>
+        <p:cNvGrpSpPr/>
+        <p:nvPr/>
+      </p:nvGrpSpPr>
+      <p:grpSpPr>
+        <a:xfrm>
+          <a:off x="0" y="0"/>
+          <a:ext cx="0" cy="0"/>
+          <a:chOff x="0" y="0"/>
+          <a:chExt cx="0" cy="0"/>
+        </a:xfrm>
+      </p:grpSpPr>
+      <p:sp>
+        <p:nvSpPr>
+          <p:cNvPr id="2" name="Slide Image Placeholder 1"/>
+          <p:cNvSpPr>
+            <a:spLocks noGrp="1" noRot="1" noChangeAspect="1"/>
+          </p:cNvSpPr>
+          <p:nvPr>
+            <p:ph type="sldImg"/>
+          </p:nvPr>
+        </p:nvSpPr>
+        <p:spPr/>
+      </p:sp>
+      <p:sp>
+        <p:nvSpPr>
+          <p:cNvPr id="3" name="Notes Placeholder 2"/>
+          <p:cNvSpPr>
+            <a:spLocks noGrp="1"/>
+          </p:cNvSpPr>
+          <p:nvPr>
+            <p:ph type="body" idx="1"/>
+          </p:nvPr>
+        </p:nvSpPr>
+        <p:spPr/>
+        <p:txBody>
+          <a:bodyPr/>
+          <a:lstStyle/>
+          <a:p>
+            <a:r>
+              <a:rPr lang="nl-NL" dirty="0"/>
+              <a:t>We </a:t>
+            </a:r>
+            <a:r>
+              <a:rPr lang="nl-NL" dirty="0" err="1"/>
+              <a:t>recover</a:t>
+            </a:r>
+            <a:r>
+              <a:rPr lang="nl-NL" dirty="0"/>
+              <a:t> </a:t>
+            </a:r>
+            <a:r>
+              <a:rPr lang="nl-NL" dirty="0" err="1"/>
+              <a:t>the</a:t>
+            </a:r>
+            <a:r>
+              <a:rPr lang="nl-NL" dirty="0"/>
+              <a:t> </a:t>
+            </a:r>
+            <a:r>
+              <a:rPr lang="nl-NL" dirty="0" err="1"/>
+              <a:t>metric</a:t>
+            </a:r>
+            <a:r>
+              <a:rPr lang="nl-NL" dirty="0"/>
+              <a:t> tensor if we take a(t)=1 (steady state </a:t>
+            </a:r>
+            <a:r>
+              <a:rPr lang="nl-NL" dirty="0" err="1"/>
+              <a:t>cosmology</a:t>
+            </a:r>
+            <a:r>
+              <a:rPr lang="nl-NL" dirty="0"/>
+              <a:t>)</a:t>
+            </a:r>
+            <a:endParaRPr lang="en-GB" dirty="0"/>
+          </a:p>
+        </p:txBody>
+      </p:sp>
+      <p:sp>
+        <p:nvSpPr>
+          <p:cNvPr id="4" name="Slide Number Placeholder 3"/>
+          <p:cNvSpPr>
+            <a:spLocks noGrp="1"/>
+          </p:cNvSpPr>
+          <p:nvPr>
+            <p:ph type="sldNum" sz="quarter" idx="5"/>
+          </p:nvPr>
+        </p:nvSpPr>
+        <p:spPr/>
+        <p:txBody>
+          <a:bodyPr/>
+          <a:lstStyle/>
+          <a:p>
+            <a:fld id="{6E8D7B1F-7FD6-4F43-BD7E-30CB73EEFAC5}" type="slidenum">
+              <a:rPr lang="en-GB" smtClean="0"/>
+              <a:t>4</a:t>
+            </a:fld>
+            <a:endParaRPr lang="en-GB"/>
+          </a:p>
+        </p:txBody>
+      </p:sp>
+    </p:spTree>
+    <p:extLst>
+      <p:ext uri="{BB962C8B-B14F-4D97-AF65-F5344CB8AC3E}">
+        <p14:creationId xmlns:p14="http://schemas.microsoft.com/office/powerpoint/2010/main" val="2728232818"/>
+      </p:ext>
+    </p:extLst>
+  </p:cSld>
+  <p:clrMapOvr>
+    <a:masterClrMapping/>
+  </p:clrMapOvr>
+</p:notes>
 </file>
 
 <file path=ppt/slideLayouts/slideLayout1.xml><?xml version="1.0" encoding="utf-8"?>
@@ -3507,3045 +3981,6 @@
           <p:cNvPr id="2" name="Title 1">
             <a:extLst>
               <a:ext uri="{FF2B5EF4-FFF2-40B4-BE49-F238E27FC236}">
-                <a16:creationId xmlns:a16="http://schemas.microsoft.com/office/drawing/2014/main" id="{9D9E7739-F862-FE3B-4215-9F6CD9D51B4D}"/>
-              </a:ext>
-            </a:extLst>
-          </p:cNvPr>
-          <p:cNvSpPr>
-            <a:spLocks noGrp="1"/>
-          </p:cNvSpPr>
-          <p:nvPr>
-            <p:ph type="title"/>
-          </p:nvPr>
-        </p:nvSpPr>
-        <p:spPr/>
-        <p:txBody>
-          <a:bodyPr/>
-          <a:lstStyle/>
-          <a:p>
-            <a:r>
-              <a:rPr lang="nl-NL" b="1" dirty="0" err="1"/>
-              <a:t>Methods</a:t>
-            </a:r>
-            <a:r>
-              <a:rPr lang="nl-NL" b="1" dirty="0"/>
-              <a:t>: different </a:t>
-            </a:r>
-            <a:r>
-              <a:rPr lang="nl-NL" b="1" dirty="0" err="1"/>
-              <a:t>simulations</a:t>
-            </a:r>
-            <a:endParaRPr lang="en-GB" b="1" dirty="0"/>
-          </a:p>
-        </p:txBody>
-      </p:sp>
-      <p:sp>
-        <p:nvSpPr>
-          <p:cNvPr id="3" name="Content Placeholder 2">
-            <a:extLst>
-              <a:ext uri="{FF2B5EF4-FFF2-40B4-BE49-F238E27FC236}">
-                <a16:creationId xmlns:a16="http://schemas.microsoft.com/office/drawing/2014/main" id="{915AC7F3-F027-462D-CCBA-8D21F19B8903}"/>
-              </a:ext>
-            </a:extLst>
-          </p:cNvPr>
-          <p:cNvSpPr>
-            <a:spLocks noGrp="1"/>
-          </p:cNvSpPr>
-          <p:nvPr>
-            <p:ph idx="1"/>
-          </p:nvPr>
-        </p:nvSpPr>
-        <p:spPr/>
-        <p:txBody>
-          <a:bodyPr/>
-          <a:lstStyle/>
-          <a:p>
-            <a:r>
-              <a:rPr lang="nl-NL" dirty="0" err="1"/>
-              <a:t>Logaritmic</a:t>
-            </a:r>
-            <a:r>
-              <a:rPr lang="nl-NL" dirty="0"/>
-              <a:t> </a:t>
-            </a:r>
-            <a:r>
-              <a:rPr lang="nl-NL" dirty="0" err="1"/>
-              <a:t>mass</a:t>
-            </a:r>
-            <a:r>
-              <a:rPr lang="nl-NL" dirty="0"/>
-              <a:t> bins</a:t>
-            </a:r>
-          </a:p>
-          <a:p>
-            <a:r>
-              <a:rPr lang="nl-NL" dirty="0" err="1"/>
-              <a:t>Higher</a:t>
-            </a:r>
-            <a:r>
-              <a:rPr lang="nl-NL" dirty="0"/>
-              <a:t> </a:t>
-            </a:r>
-            <a:r>
-              <a:rPr lang="nl-NL" dirty="0" err="1"/>
-              <a:t>redshifts</a:t>
-            </a:r>
-            <a:endParaRPr lang="nl-NL" dirty="0"/>
-          </a:p>
-          <a:p>
-            <a:r>
-              <a:rPr lang="nl-NL" dirty="0" err="1"/>
-              <a:t>Vary</a:t>
-            </a:r>
-            <a:r>
-              <a:rPr lang="nl-NL" dirty="0"/>
-              <a:t> AGN feedback </a:t>
-            </a:r>
-            <a:r>
-              <a:rPr lang="nl-NL" dirty="0" err="1"/>
-              <a:t>strength</a:t>
-            </a:r>
-            <a:r>
-              <a:rPr lang="nl-NL" dirty="0"/>
-              <a:t> </a:t>
-            </a:r>
-            <a:endParaRPr lang="en-GB" dirty="0"/>
-          </a:p>
-        </p:txBody>
-      </p:sp>
-    </p:spTree>
-    <p:extLst>
-      <p:ext uri="{BB962C8B-B14F-4D97-AF65-F5344CB8AC3E}">
-        <p14:creationId xmlns:p14="http://schemas.microsoft.com/office/powerpoint/2010/main" val="2263237579"/>
-      </p:ext>
-    </p:extLst>
-  </p:cSld>
-  <p:clrMapOvr>
-    <a:masterClrMapping/>
-  </p:clrMapOvr>
-</p:sld>
-</file>
-
-<file path=ppt/slides/slide11.xml><?xml version="1.0" encoding="utf-8"?>
-<p:sld xmlns:a="http://schemas.openxmlformats.org/drawingml/2006/main" xmlns:r="http://schemas.openxmlformats.org/officeDocument/2006/relationships" xmlns:p="http://schemas.openxmlformats.org/presentationml/2006/main">
-  <p:cSld>
-    <p:spTree>
-      <p:nvGrpSpPr>
-        <p:cNvPr id="1" name=""/>
-        <p:cNvGrpSpPr/>
-        <p:nvPr/>
-      </p:nvGrpSpPr>
-      <p:grpSpPr>
-        <a:xfrm>
-          <a:off x="0" y="0"/>
-          <a:ext cx="0" cy="0"/>
-          <a:chOff x="0" y="0"/>
-          <a:chExt cx="0" cy="0"/>
-        </a:xfrm>
-      </p:grpSpPr>
-      <p:sp>
-        <p:nvSpPr>
-          <p:cNvPr id="2" name="Title 1">
-            <a:extLst>
-              <a:ext uri="{FF2B5EF4-FFF2-40B4-BE49-F238E27FC236}">
-                <a16:creationId xmlns:a16="http://schemas.microsoft.com/office/drawing/2014/main" id="{2E107E6D-6033-2822-0A08-FA9286DE22EC}"/>
-              </a:ext>
-            </a:extLst>
-          </p:cNvPr>
-          <p:cNvSpPr>
-            <a:spLocks noGrp="1"/>
-          </p:cNvSpPr>
-          <p:nvPr>
-            <p:ph type="title"/>
-          </p:nvPr>
-        </p:nvSpPr>
-        <p:spPr/>
-        <p:txBody>
-          <a:bodyPr/>
-          <a:lstStyle/>
-          <a:p>
-            <a:r>
-              <a:rPr lang="nl-NL" b="1" dirty="0" err="1"/>
-              <a:t>Results</a:t>
-            </a:r>
-            <a:r>
-              <a:rPr lang="nl-NL" b="1" dirty="0"/>
-              <a:t>: Full </a:t>
-            </a:r>
-            <a:r>
-              <a:rPr lang="nl-NL" b="1" dirty="0" err="1"/>
-              <a:t>grids</a:t>
-            </a:r>
-            <a:r>
-              <a:rPr lang="nl-NL" b="1" dirty="0"/>
-              <a:t> </a:t>
-            </a:r>
-            <a:endParaRPr lang="en-GB" b="1" dirty="0"/>
-          </a:p>
-        </p:txBody>
-      </p:sp>
-      <p:sp>
-        <p:nvSpPr>
-          <p:cNvPr id="3" name="Content Placeholder 2">
-            <a:extLst>
-              <a:ext uri="{FF2B5EF4-FFF2-40B4-BE49-F238E27FC236}">
-                <a16:creationId xmlns:a16="http://schemas.microsoft.com/office/drawing/2014/main" id="{7CF290DC-76B9-C560-D4A5-AD5AEA652CD2}"/>
-              </a:ext>
-            </a:extLst>
-          </p:cNvPr>
-          <p:cNvSpPr>
-            <a:spLocks noGrp="1"/>
-          </p:cNvSpPr>
-          <p:nvPr>
-            <p:ph idx="1"/>
-          </p:nvPr>
-        </p:nvSpPr>
-        <p:spPr/>
-        <p:txBody>
-          <a:bodyPr/>
-          <a:lstStyle/>
-          <a:p>
-            <a:r>
-              <a:rPr lang="nl-NL" dirty="0"/>
-              <a:t>The full</a:t>
-            </a:r>
-            <a:endParaRPr lang="en-GB" dirty="0"/>
-          </a:p>
-        </p:txBody>
-      </p:sp>
-    </p:spTree>
-    <p:extLst>
-      <p:ext uri="{BB962C8B-B14F-4D97-AF65-F5344CB8AC3E}">
-        <p14:creationId xmlns:p14="http://schemas.microsoft.com/office/powerpoint/2010/main" val="2721832148"/>
-      </p:ext>
-    </p:extLst>
-  </p:cSld>
-  <p:clrMapOvr>
-    <a:masterClrMapping/>
-  </p:clrMapOvr>
-</p:sld>
-</file>
-
-<file path=ppt/slides/slide12.xml><?xml version="1.0" encoding="utf-8"?>
-<p:sld xmlns:a="http://schemas.openxmlformats.org/drawingml/2006/main" xmlns:r="http://schemas.openxmlformats.org/officeDocument/2006/relationships" xmlns:p="http://schemas.openxmlformats.org/presentationml/2006/main">
-  <p:cSld>
-    <p:spTree>
-      <p:nvGrpSpPr>
-        <p:cNvPr id="1" name=""/>
-        <p:cNvGrpSpPr/>
-        <p:nvPr/>
-      </p:nvGrpSpPr>
-      <p:grpSpPr>
-        <a:xfrm>
-          <a:off x="0" y="0"/>
-          <a:ext cx="0" cy="0"/>
-          <a:chOff x="0" y="0"/>
-          <a:chExt cx="0" cy="0"/>
-        </a:xfrm>
-      </p:grpSpPr>
-      <p:sp>
-        <p:nvSpPr>
-          <p:cNvPr id="2" name="Title 1">
-            <a:extLst>
-              <a:ext uri="{FF2B5EF4-FFF2-40B4-BE49-F238E27FC236}">
-                <a16:creationId xmlns:a16="http://schemas.microsoft.com/office/drawing/2014/main" id="{8D2A61DC-3E72-4044-B83A-254768B5C036}"/>
-              </a:ext>
-            </a:extLst>
-          </p:cNvPr>
-          <p:cNvSpPr>
-            <a:spLocks noGrp="1"/>
-          </p:cNvSpPr>
-          <p:nvPr>
-            <p:ph type="title"/>
-          </p:nvPr>
-        </p:nvSpPr>
-        <p:spPr/>
-        <p:txBody>
-          <a:bodyPr/>
-          <a:lstStyle/>
-          <a:p>
-            <a:r>
-              <a:rPr lang="nl-NL" dirty="0" err="1"/>
-              <a:t>Results</a:t>
-            </a:r>
-            <a:endParaRPr lang="en-GB" dirty="0"/>
-          </a:p>
-        </p:txBody>
-      </p:sp>
-      <p:sp>
-        <p:nvSpPr>
-          <p:cNvPr id="3" name="Content Placeholder 2">
-            <a:extLst>
-              <a:ext uri="{FF2B5EF4-FFF2-40B4-BE49-F238E27FC236}">
-                <a16:creationId xmlns:a16="http://schemas.microsoft.com/office/drawing/2014/main" id="{FB8345D5-837E-CC21-B558-F0CC71C9C426}"/>
-              </a:ext>
-            </a:extLst>
-          </p:cNvPr>
-          <p:cNvSpPr>
-            <a:spLocks noGrp="1"/>
-          </p:cNvSpPr>
-          <p:nvPr>
-            <p:ph idx="1"/>
-          </p:nvPr>
-        </p:nvSpPr>
-        <p:spPr/>
-        <p:txBody>
-          <a:bodyPr/>
-          <a:lstStyle/>
-          <a:p>
-            <a:endParaRPr lang="en-GB"/>
-          </a:p>
-        </p:txBody>
-      </p:sp>
-    </p:spTree>
-    <p:extLst>
-      <p:ext uri="{BB962C8B-B14F-4D97-AF65-F5344CB8AC3E}">
-        <p14:creationId xmlns:p14="http://schemas.microsoft.com/office/powerpoint/2010/main" val="2426186377"/>
-      </p:ext>
-    </p:extLst>
-  </p:cSld>
-  <p:clrMapOvr>
-    <a:masterClrMapping/>
-  </p:clrMapOvr>
-</p:sld>
-</file>
-
-<file path=ppt/slides/slide13.xml><?xml version="1.0" encoding="utf-8"?>
-<p:sld xmlns:a="http://schemas.openxmlformats.org/drawingml/2006/main" xmlns:r="http://schemas.openxmlformats.org/officeDocument/2006/relationships" xmlns:p="http://schemas.openxmlformats.org/presentationml/2006/main">
-  <p:cSld>
-    <p:spTree>
-      <p:nvGrpSpPr>
-        <p:cNvPr id="1" name=""/>
-        <p:cNvGrpSpPr/>
-        <p:nvPr/>
-      </p:nvGrpSpPr>
-      <p:grpSpPr>
-        <a:xfrm>
-          <a:off x="0" y="0"/>
-          <a:ext cx="0" cy="0"/>
-          <a:chOff x="0" y="0"/>
-          <a:chExt cx="0" cy="0"/>
-        </a:xfrm>
-      </p:grpSpPr>
-      <p:sp>
-        <p:nvSpPr>
-          <p:cNvPr id="2" name="Title 1">
-            <a:extLst>
-              <a:ext uri="{FF2B5EF4-FFF2-40B4-BE49-F238E27FC236}">
-                <a16:creationId xmlns:a16="http://schemas.microsoft.com/office/drawing/2014/main" id="{B297486E-F6E7-220E-9CDC-CE4F4EEDF637}"/>
-              </a:ext>
-            </a:extLst>
-          </p:cNvPr>
-          <p:cNvSpPr>
-            <a:spLocks noGrp="1"/>
-          </p:cNvSpPr>
-          <p:nvPr>
-            <p:ph type="title"/>
-          </p:nvPr>
-        </p:nvSpPr>
-        <p:spPr/>
-        <p:txBody>
-          <a:bodyPr/>
-          <a:lstStyle/>
-          <a:p>
-            <a:r>
-              <a:rPr lang="nl-NL" dirty="0" err="1"/>
-              <a:t>Results</a:t>
-            </a:r>
-            <a:r>
-              <a:rPr lang="nl-NL" dirty="0"/>
-              <a:t>:</a:t>
-            </a:r>
-            <a:endParaRPr lang="en-GB" dirty="0"/>
-          </a:p>
-        </p:txBody>
-      </p:sp>
-      <p:sp>
-        <p:nvSpPr>
-          <p:cNvPr id="3" name="Content Placeholder 2">
-            <a:extLst>
-              <a:ext uri="{FF2B5EF4-FFF2-40B4-BE49-F238E27FC236}">
-                <a16:creationId xmlns:a16="http://schemas.microsoft.com/office/drawing/2014/main" id="{EC926FAB-CF55-EB9F-7101-1E5D846EDEA2}"/>
-              </a:ext>
-            </a:extLst>
-          </p:cNvPr>
-          <p:cNvSpPr>
-            <a:spLocks noGrp="1"/>
-          </p:cNvSpPr>
-          <p:nvPr>
-            <p:ph idx="1"/>
-          </p:nvPr>
-        </p:nvSpPr>
-        <p:spPr/>
-        <p:txBody>
-          <a:bodyPr/>
-          <a:lstStyle/>
-          <a:p>
-            <a:endParaRPr lang="en-GB"/>
-          </a:p>
-        </p:txBody>
-      </p:sp>
-    </p:spTree>
-    <p:extLst>
-      <p:ext uri="{BB962C8B-B14F-4D97-AF65-F5344CB8AC3E}">
-        <p14:creationId xmlns:p14="http://schemas.microsoft.com/office/powerpoint/2010/main" val="3151100015"/>
-      </p:ext>
-    </p:extLst>
-  </p:cSld>
-  <p:clrMapOvr>
-    <a:masterClrMapping/>
-  </p:clrMapOvr>
-</p:sld>
-</file>
-
-<file path=ppt/slides/slide14.xml><?xml version="1.0" encoding="utf-8"?>
-<p:sld xmlns:a="http://schemas.openxmlformats.org/drawingml/2006/main" xmlns:r="http://schemas.openxmlformats.org/officeDocument/2006/relationships" xmlns:p="http://schemas.openxmlformats.org/presentationml/2006/main">
-  <p:cSld>
-    <p:spTree>
-      <p:nvGrpSpPr>
-        <p:cNvPr id="1" name=""/>
-        <p:cNvGrpSpPr/>
-        <p:nvPr/>
-      </p:nvGrpSpPr>
-      <p:grpSpPr>
-        <a:xfrm>
-          <a:off x="0" y="0"/>
-          <a:ext cx="0" cy="0"/>
-          <a:chOff x="0" y="0"/>
-          <a:chExt cx="0" cy="0"/>
-        </a:xfrm>
-      </p:grpSpPr>
-      <p:sp>
-        <p:nvSpPr>
-          <p:cNvPr id="2" name="Title 1">
-            <a:extLst>
-              <a:ext uri="{FF2B5EF4-FFF2-40B4-BE49-F238E27FC236}">
-                <a16:creationId xmlns:a16="http://schemas.microsoft.com/office/drawing/2014/main" id="{9E5E8B86-B449-FEC4-A2DB-D83BA69A4EFE}"/>
-              </a:ext>
-            </a:extLst>
-          </p:cNvPr>
-          <p:cNvSpPr>
-            <a:spLocks noGrp="1"/>
-          </p:cNvSpPr>
-          <p:nvPr>
-            <p:ph type="title"/>
-          </p:nvPr>
-        </p:nvSpPr>
-        <p:spPr/>
-        <p:txBody>
-          <a:bodyPr/>
-          <a:lstStyle/>
-          <a:p>
-            <a:r>
-              <a:rPr lang="nl-NL" dirty="0" err="1"/>
-              <a:t>Discussion</a:t>
-            </a:r>
-            <a:endParaRPr lang="en-GB" dirty="0"/>
-          </a:p>
-        </p:txBody>
-      </p:sp>
-      <p:sp>
-        <p:nvSpPr>
-          <p:cNvPr id="3" name="Content Placeholder 2">
-            <a:extLst>
-              <a:ext uri="{FF2B5EF4-FFF2-40B4-BE49-F238E27FC236}">
-                <a16:creationId xmlns:a16="http://schemas.microsoft.com/office/drawing/2014/main" id="{A806875E-1CF8-2682-B319-0407746A178D}"/>
-              </a:ext>
-            </a:extLst>
-          </p:cNvPr>
-          <p:cNvSpPr>
-            <a:spLocks noGrp="1"/>
-          </p:cNvSpPr>
-          <p:nvPr>
-            <p:ph idx="1"/>
-          </p:nvPr>
-        </p:nvSpPr>
-        <p:spPr/>
-        <p:txBody>
-          <a:bodyPr/>
-          <a:lstStyle/>
-          <a:p>
-            <a:endParaRPr lang="en-GB" dirty="0"/>
-          </a:p>
-        </p:txBody>
-      </p:sp>
-    </p:spTree>
-    <p:extLst>
-      <p:ext uri="{BB962C8B-B14F-4D97-AF65-F5344CB8AC3E}">
-        <p14:creationId xmlns:p14="http://schemas.microsoft.com/office/powerpoint/2010/main" val="2387691971"/>
-      </p:ext>
-    </p:extLst>
-  </p:cSld>
-  <p:clrMapOvr>
-    <a:masterClrMapping/>
-  </p:clrMapOvr>
-</p:sld>
-</file>
-
-<file path=ppt/slides/slide2.xml><?xml version="1.0" encoding="utf-8"?>
-<p:sld xmlns:a="http://schemas.openxmlformats.org/drawingml/2006/main" xmlns:r="http://schemas.openxmlformats.org/officeDocument/2006/relationships" xmlns:p="http://schemas.openxmlformats.org/presentationml/2006/main">
-  <p:cSld>
-    <p:spTree>
-      <p:nvGrpSpPr>
-        <p:cNvPr id="1" name=""/>
-        <p:cNvGrpSpPr/>
-        <p:nvPr/>
-      </p:nvGrpSpPr>
-      <p:grpSpPr>
-        <a:xfrm>
-          <a:off x="0" y="0"/>
-          <a:ext cx="0" cy="0"/>
-          <a:chOff x="0" y="0"/>
-          <a:chExt cx="0" cy="0"/>
-        </a:xfrm>
-      </p:grpSpPr>
-      <p:sp>
-        <p:nvSpPr>
-          <p:cNvPr id="2" name="Titel 1">
-            <a:extLst>
-              <a:ext uri="{FF2B5EF4-FFF2-40B4-BE49-F238E27FC236}">
-                <a16:creationId xmlns:a16="http://schemas.microsoft.com/office/drawing/2014/main" id="{B21D68F6-D7A6-2A5B-7C79-68CE5F941BF4}"/>
-              </a:ext>
-            </a:extLst>
-          </p:cNvPr>
-          <p:cNvSpPr>
-            <a:spLocks noGrp="1"/>
-          </p:cNvSpPr>
-          <p:nvPr>
-            <p:ph type="title"/>
-          </p:nvPr>
-        </p:nvSpPr>
-        <p:spPr/>
-        <p:txBody>
-          <a:bodyPr/>
-          <a:lstStyle/>
-          <a:p>
-            <a:r>
-              <a:rPr lang="nl-NL" b="1" dirty="0"/>
-              <a:t>Contents</a:t>
-            </a:r>
-          </a:p>
-        </p:txBody>
-      </p:sp>
-      <p:sp>
-        <p:nvSpPr>
-          <p:cNvPr id="3" name="Tijdelijke aanduiding voor inhoud 2">
-            <a:extLst>
-              <a:ext uri="{FF2B5EF4-FFF2-40B4-BE49-F238E27FC236}">
-                <a16:creationId xmlns:a16="http://schemas.microsoft.com/office/drawing/2014/main" id="{B7FE4D0E-DBB8-EB84-C5CE-67B226512BD5}"/>
-              </a:ext>
-            </a:extLst>
-          </p:cNvPr>
-          <p:cNvSpPr>
-            <a:spLocks noGrp="1"/>
-          </p:cNvSpPr>
-          <p:nvPr>
-            <p:ph idx="1"/>
-          </p:nvPr>
-        </p:nvSpPr>
-        <p:spPr/>
-        <p:txBody>
-          <a:bodyPr>
-            <a:normAutofit/>
-          </a:bodyPr>
-          <a:lstStyle/>
-          <a:p>
-            <a:r>
-              <a:rPr lang="nl-NL" dirty="0" err="1"/>
-              <a:t>Introduction</a:t>
-            </a:r>
-            <a:endParaRPr lang="nl-NL" dirty="0"/>
-          </a:p>
-          <a:p>
-            <a:r>
-              <a:rPr lang="nl-NL" dirty="0" err="1"/>
-              <a:t>Methodology</a:t>
-            </a:r>
-            <a:endParaRPr lang="nl-NL" dirty="0"/>
-          </a:p>
-          <a:p>
-            <a:pPr lvl="1"/>
-            <a:r>
-              <a:rPr lang="nl-NL" dirty="0"/>
-              <a:t>Galaxy </a:t>
-            </a:r>
-            <a:r>
-              <a:rPr lang="nl-NL" dirty="0" err="1"/>
-              <a:t>catalogue</a:t>
-            </a:r>
-            <a:r>
-              <a:rPr lang="nl-NL" dirty="0"/>
-              <a:t> </a:t>
-            </a:r>
-          </a:p>
-          <a:p>
-            <a:pPr lvl="1"/>
-            <a:r>
-              <a:rPr lang="nl-NL" dirty="0"/>
-              <a:t>Redshift-</a:t>
-            </a:r>
-            <a:r>
-              <a:rPr lang="nl-NL" dirty="0" err="1"/>
-              <a:t>space</a:t>
-            </a:r>
-            <a:r>
-              <a:rPr lang="nl-NL" dirty="0"/>
-              <a:t> </a:t>
-            </a:r>
-            <a:r>
-              <a:rPr lang="nl-NL" dirty="0" err="1"/>
-              <a:t>positions</a:t>
-            </a:r>
-            <a:endParaRPr lang="nl-NL" dirty="0"/>
-          </a:p>
-          <a:p>
-            <a:pPr lvl="1"/>
-            <a:r>
-              <a:rPr lang="nl-NL" dirty="0"/>
-              <a:t>Power spectra</a:t>
-            </a:r>
-          </a:p>
-          <a:p>
-            <a:pPr lvl="1"/>
-            <a:r>
-              <a:rPr lang="nl-NL" dirty="0" err="1"/>
-              <a:t>Modelling</a:t>
-            </a:r>
-            <a:r>
-              <a:rPr lang="nl-NL" dirty="0"/>
-              <a:t> of </a:t>
-            </a:r>
-            <a:r>
-              <a:rPr lang="nl-NL" dirty="0" err="1"/>
-              <a:t>the</a:t>
-            </a:r>
-            <a:r>
-              <a:rPr lang="nl-NL" dirty="0"/>
-              <a:t> RSD </a:t>
-            </a:r>
-          </a:p>
-          <a:p>
-            <a:pPr lvl="1"/>
-            <a:r>
-              <a:rPr lang="nl-NL" dirty="0"/>
-              <a:t>Feedback-</a:t>
-            </a:r>
-            <a:r>
-              <a:rPr lang="nl-NL" dirty="0" err="1"/>
-              <a:t>mechanism</a:t>
-            </a:r>
-            <a:r>
-              <a:rPr lang="nl-NL" dirty="0"/>
-              <a:t> </a:t>
-            </a:r>
-            <a:r>
-              <a:rPr lang="nl-NL" dirty="0" err="1"/>
-              <a:t>variations</a:t>
-            </a:r>
-            <a:endParaRPr lang="nl-NL" dirty="0"/>
-          </a:p>
-          <a:p>
-            <a:r>
-              <a:rPr lang="nl-NL" dirty="0" err="1"/>
-              <a:t>Results</a:t>
-            </a:r>
-            <a:endParaRPr lang="nl-NL" dirty="0"/>
-          </a:p>
-          <a:p>
-            <a:r>
-              <a:rPr lang="nl-NL" dirty="0" err="1"/>
-              <a:t>Discussion</a:t>
-            </a:r>
-            <a:r>
-              <a:rPr lang="nl-NL" dirty="0"/>
-              <a:t> &amp; </a:t>
-            </a:r>
-            <a:r>
-              <a:rPr lang="nl-NL" dirty="0" err="1"/>
-              <a:t>Conclusion</a:t>
-            </a:r>
-            <a:endParaRPr lang="nl-NL" dirty="0"/>
-          </a:p>
-        </p:txBody>
-      </p:sp>
-    </p:spTree>
-    <p:extLst>
-      <p:ext uri="{BB962C8B-B14F-4D97-AF65-F5344CB8AC3E}">
-        <p14:creationId xmlns:p14="http://schemas.microsoft.com/office/powerpoint/2010/main" val="1452752787"/>
-      </p:ext>
-    </p:extLst>
-  </p:cSld>
-  <p:clrMapOvr>
-    <a:masterClrMapping/>
-  </p:clrMapOvr>
-</p:sld>
-</file>
-
-<file path=ppt/slides/slide3.xml><?xml version="1.0" encoding="utf-8"?>
-<p:sld xmlns:a="http://schemas.openxmlformats.org/drawingml/2006/main" xmlns:r="http://schemas.openxmlformats.org/officeDocument/2006/relationships" xmlns:p="http://schemas.openxmlformats.org/presentationml/2006/main">
-  <p:cSld>
-    <p:spTree>
-      <p:nvGrpSpPr>
-        <p:cNvPr id="1" name=""/>
-        <p:cNvGrpSpPr/>
-        <p:nvPr/>
-      </p:nvGrpSpPr>
-      <p:grpSpPr>
-        <a:xfrm>
-          <a:off x="0" y="0"/>
-          <a:ext cx="0" cy="0"/>
-          <a:chOff x="0" y="0"/>
-          <a:chExt cx="0" cy="0"/>
-        </a:xfrm>
-      </p:grpSpPr>
-      <p:sp>
-        <p:nvSpPr>
-          <p:cNvPr id="2" name="Title 1">
-            <a:extLst>
-              <a:ext uri="{FF2B5EF4-FFF2-40B4-BE49-F238E27FC236}">
-                <a16:creationId xmlns:a16="http://schemas.microsoft.com/office/drawing/2014/main" id="{A5A073FE-222C-5781-0E87-2D90A23D5943}"/>
-              </a:ext>
-            </a:extLst>
-          </p:cNvPr>
-          <p:cNvSpPr>
-            <a:spLocks noGrp="1"/>
-          </p:cNvSpPr>
-          <p:nvPr>
-            <p:ph type="title"/>
-          </p:nvPr>
-        </p:nvSpPr>
-        <p:spPr/>
-        <p:txBody>
-          <a:bodyPr/>
-          <a:lstStyle/>
-          <a:p>
-            <a:r>
-              <a:rPr lang="nl-NL" b="1" dirty="0" err="1"/>
-              <a:t>Introduction</a:t>
-            </a:r>
-            <a:r>
-              <a:rPr lang="nl-NL" b="1" dirty="0"/>
-              <a:t>: </a:t>
-            </a:r>
-            <a:r>
-              <a:rPr lang="nl-NL" b="1" dirty="0" err="1"/>
-              <a:t>Historical</a:t>
-            </a:r>
-            <a:r>
-              <a:rPr lang="nl-NL" b="1" dirty="0"/>
-              <a:t> context</a:t>
-            </a:r>
-            <a:endParaRPr lang="en-GB" b="1" dirty="0"/>
-          </a:p>
-        </p:txBody>
-      </p:sp>
-      <p:sp>
-        <p:nvSpPr>
-          <p:cNvPr id="3" name="Content Placeholder 2">
-            <a:extLst>
-              <a:ext uri="{FF2B5EF4-FFF2-40B4-BE49-F238E27FC236}">
-                <a16:creationId xmlns:a16="http://schemas.microsoft.com/office/drawing/2014/main" id="{B81184D5-55AB-E17A-F629-EA305C357C94}"/>
-              </a:ext>
-            </a:extLst>
-          </p:cNvPr>
-          <p:cNvSpPr>
-            <a:spLocks noGrp="1"/>
-          </p:cNvSpPr>
-          <p:nvPr>
-            <p:ph idx="1"/>
-          </p:nvPr>
-        </p:nvSpPr>
-        <p:spPr>
-          <a:xfrm>
-            <a:off x="838199" y="1825625"/>
-            <a:ext cx="5637245" cy="3530146"/>
-          </a:xfrm>
-        </p:spPr>
-        <p:txBody>
-          <a:bodyPr>
-            <a:normAutofit/>
-          </a:bodyPr>
-          <a:lstStyle/>
-          <a:p>
-            <a:r>
-              <a:rPr lang="nl-NL" dirty="0" err="1"/>
-              <a:t>History</a:t>
-            </a:r>
-            <a:r>
-              <a:rPr lang="nl-NL" dirty="0"/>
-              <a:t>: </a:t>
-            </a:r>
-          </a:p>
-          <a:p>
-            <a:pPr lvl="1"/>
-            <a:r>
-              <a:rPr lang="nl-NL" dirty="0"/>
-              <a:t>~150: </a:t>
-            </a:r>
-            <a:r>
-              <a:rPr lang="nl-NL" dirty="0" err="1"/>
-              <a:t>Geocentrism</a:t>
-            </a:r>
-            <a:r>
-              <a:rPr lang="nl-NL" dirty="0"/>
-              <a:t> </a:t>
-            </a:r>
-            <a:r>
-              <a:rPr lang="nl-NL" dirty="0" err="1"/>
-              <a:t>by</a:t>
-            </a:r>
-            <a:r>
-              <a:rPr lang="nl-NL" dirty="0"/>
-              <a:t> </a:t>
-            </a:r>
-            <a:r>
-              <a:rPr lang="nl-NL" dirty="0" err="1"/>
-              <a:t>Ptolemy</a:t>
-            </a:r>
-            <a:endParaRPr lang="nl-NL" dirty="0"/>
-          </a:p>
-          <a:p>
-            <a:pPr lvl="1"/>
-            <a:r>
-              <a:rPr lang="nl-NL" dirty="0"/>
-              <a:t>1543: </a:t>
-            </a:r>
-            <a:r>
-              <a:rPr lang="nl-NL" dirty="0" err="1"/>
-              <a:t>Heliocentrism</a:t>
-            </a:r>
-            <a:r>
-              <a:rPr lang="nl-NL" dirty="0"/>
-              <a:t> </a:t>
-            </a:r>
-            <a:r>
-              <a:rPr lang="nl-NL" dirty="0" err="1"/>
-              <a:t>by</a:t>
-            </a:r>
-            <a:r>
-              <a:rPr lang="nl-NL" dirty="0"/>
-              <a:t> Copernicus</a:t>
-            </a:r>
-          </a:p>
-          <a:p>
-            <a:pPr lvl="1"/>
-            <a:r>
-              <a:rPr lang="nl-NL" dirty="0"/>
-              <a:t>1926: </a:t>
-            </a:r>
-            <a:r>
-              <a:rPr lang="nl-NL" dirty="0" err="1"/>
-              <a:t>Galactrocentrism</a:t>
-            </a:r>
-            <a:r>
-              <a:rPr lang="nl-NL" dirty="0"/>
-              <a:t> </a:t>
-            </a:r>
-            <a:r>
-              <a:rPr lang="nl-NL" dirty="0" err="1"/>
-              <a:t>by</a:t>
-            </a:r>
-            <a:r>
-              <a:rPr lang="nl-NL" dirty="0"/>
-              <a:t> Hubble</a:t>
-            </a:r>
-          </a:p>
-          <a:p>
-            <a:pPr lvl="1"/>
-            <a:r>
-              <a:rPr lang="nl-NL" dirty="0"/>
-              <a:t>1975: </a:t>
-            </a:r>
-            <a:r>
-              <a:rPr lang="nl-NL" dirty="0" err="1"/>
-              <a:t>Acentrism</a:t>
-            </a:r>
-            <a:r>
-              <a:rPr lang="nl-NL" dirty="0"/>
-              <a:t>: shift </a:t>
-            </a:r>
-            <a:r>
-              <a:rPr lang="nl-NL" dirty="0" err="1"/>
-              <a:t>due</a:t>
-            </a:r>
-            <a:r>
-              <a:rPr lang="nl-NL" dirty="0"/>
-              <a:t> </a:t>
-            </a:r>
-            <a:r>
-              <a:rPr lang="nl-NL" dirty="0" err="1"/>
-              <a:t>to</a:t>
-            </a:r>
-            <a:r>
-              <a:rPr lang="nl-NL" dirty="0"/>
-              <a:t> </a:t>
-            </a:r>
-            <a:r>
-              <a:rPr lang="nl-NL" dirty="0" err="1"/>
-              <a:t>Hubble’s</a:t>
-            </a:r>
-            <a:r>
-              <a:rPr lang="nl-NL" dirty="0"/>
-              <a:t> </a:t>
-            </a:r>
-            <a:r>
-              <a:rPr lang="nl-NL" dirty="0" err="1"/>
-              <a:t>observations</a:t>
-            </a:r>
-            <a:r>
-              <a:rPr lang="nl-NL" dirty="0"/>
-              <a:t> of </a:t>
-            </a:r>
-            <a:r>
-              <a:rPr lang="nl-NL" dirty="0" err="1"/>
-              <a:t>distant</a:t>
-            </a:r>
-            <a:r>
-              <a:rPr lang="nl-NL" dirty="0"/>
-              <a:t> </a:t>
-            </a:r>
-            <a:r>
-              <a:rPr lang="nl-NL" dirty="0" err="1"/>
-              <a:t>galaxies</a:t>
-            </a:r>
-            <a:r>
-              <a:rPr lang="nl-NL" dirty="0"/>
-              <a:t>*</a:t>
-            </a:r>
-          </a:p>
-          <a:p>
-            <a:r>
-              <a:rPr lang="en-GB" dirty="0"/>
-              <a:t>*Doppler effect: observed </a:t>
-            </a:r>
-            <a:r>
-              <a:rPr lang="nl-NL" dirty="0"/>
-              <a:t>light from far-</a:t>
-            </a:r>
-            <a:r>
-              <a:rPr lang="nl-NL" dirty="0" err="1"/>
-              <a:t>away</a:t>
-            </a:r>
-            <a:r>
-              <a:rPr lang="nl-NL" dirty="0"/>
-              <a:t> </a:t>
-            </a:r>
-            <a:r>
-              <a:rPr lang="nl-NL" dirty="0" err="1"/>
-              <a:t>galaxies</a:t>
-            </a:r>
-            <a:r>
-              <a:rPr lang="nl-NL" dirty="0"/>
-              <a:t> is </a:t>
-            </a:r>
-            <a:r>
-              <a:rPr lang="nl-NL" dirty="0" err="1"/>
-              <a:t>redshifted</a:t>
-            </a:r>
-            <a:endParaRPr lang="nl-NL" dirty="0"/>
-          </a:p>
-          <a:p>
-            <a:endParaRPr lang="nl-NL" dirty="0"/>
-          </a:p>
-        </p:txBody>
-      </p:sp>
-      <p:pic>
-        <p:nvPicPr>
-          <p:cNvPr id="5" name="Picture 4">
-            <a:extLst>
-              <a:ext uri="{FF2B5EF4-FFF2-40B4-BE49-F238E27FC236}">
-                <a16:creationId xmlns:a16="http://schemas.microsoft.com/office/drawing/2014/main" id="{B4871E6E-04EC-F776-7222-1260123BF6B9}"/>
-              </a:ext>
-            </a:extLst>
-          </p:cNvPr>
-          <p:cNvPicPr>
-            <a:picLocks noChangeAspect="1"/>
-          </p:cNvPicPr>
-          <p:nvPr/>
-        </p:nvPicPr>
-        <p:blipFill>
-          <a:blip r:embed="rId2">
-            <a:extLst>
-              <a:ext uri="{28A0092B-C50C-407E-A947-70E740481C1C}">
-                <a14:useLocalDpi xmlns:a14="http://schemas.microsoft.com/office/drawing/2010/main" val="0"/>
-              </a:ext>
-            </a:extLst>
-          </a:blip>
-          <a:stretch>
-            <a:fillRect/>
-          </a:stretch>
-        </p:blipFill>
-        <p:spPr>
-          <a:xfrm>
-            <a:off x="6905139" y="1242202"/>
-            <a:ext cx="4643049" cy="2893226"/>
-          </a:xfrm>
-          <a:prstGeom prst="rect">
-            <a:avLst/>
-          </a:prstGeom>
-        </p:spPr>
-      </p:pic>
-      <p:pic>
-        <p:nvPicPr>
-          <p:cNvPr id="7" name="Picture 6">
-            <a:extLst>
-              <a:ext uri="{FF2B5EF4-FFF2-40B4-BE49-F238E27FC236}">
-                <a16:creationId xmlns:a16="http://schemas.microsoft.com/office/drawing/2014/main" id="{75B63D73-62B3-5C3D-7CFA-7532F804098F}"/>
-              </a:ext>
-            </a:extLst>
-          </p:cNvPr>
-          <p:cNvPicPr>
-            <a:picLocks noChangeAspect="1"/>
-          </p:cNvPicPr>
-          <p:nvPr/>
-        </p:nvPicPr>
-        <p:blipFill>
-          <a:blip r:embed="rId3">
-            <a:extLst>
-              <a:ext uri="{28A0092B-C50C-407E-A947-70E740481C1C}">
-                <a14:useLocalDpi xmlns:a14="http://schemas.microsoft.com/office/drawing/2010/main" val="0"/>
-              </a:ext>
-            </a:extLst>
-          </a:blip>
-          <a:stretch>
-            <a:fillRect/>
-          </a:stretch>
-        </p:blipFill>
-        <p:spPr>
-          <a:xfrm>
-            <a:off x="7307237" y="4294312"/>
-            <a:ext cx="3777531" cy="2563688"/>
-          </a:xfrm>
-          <a:prstGeom prst="rect">
-            <a:avLst/>
-          </a:prstGeom>
-        </p:spPr>
-      </p:pic>
-      <p:pic>
-        <p:nvPicPr>
-          <p:cNvPr id="9" name="Picture 8">
-            <a:extLst>
-              <a:ext uri="{FF2B5EF4-FFF2-40B4-BE49-F238E27FC236}">
-                <a16:creationId xmlns:a16="http://schemas.microsoft.com/office/drawing/2014/main" id="{7FFBEA02-89D5-4F79-F2E7-F248BC422AED}"/>
-              </a:ext>
-            </a:extLst>
-          </p:cNvPr>
-          <p:cNvPicPr>
-            <a:picLocks noChangeAspect="1"/>
-          </p:cNvPicPr>
-          <p:nvPr/>
-        </p:nvPicPr>
-        <p:blipFill>
-          <a:blip r:embed="rId4">
-            <a:extLst>
-              <a:ext uri="{28A0092B-C50C-407E-A947-70E740481C1C}">
-                <a14:useLocalDpi xmlns:a14="http://schemas.microsoft.com/office/drawing/2010/main" val="0"/>
-              </a:ext>
-            </a:extLst>
-          </a:blip>
-          <a:stretch>
-            <a:fillRect/>
-          </a:stretch>
-        </p:blipFill>
-        <p:spPr>
-          <a:xfrm>
-            <a:off x="1191179" y="5196769"/>
-            <a:ext cx="4931284" cy="1544139"/>
-          </a:xfrm>
-          <a:prstGeom prst="rect">
-            <a:avLst/>
-          </a:prstGeom>
-        </p:spPr>
-      </p:pic>
-    </p:spTree>
-    <p:extLst>
-      <p:ext uri="{BB962C8B-B14F-4D97-AF65-F5344CB8AC3E}">
-        <p14:creationId xmlns:p14="http://schemas.microsoft.com/office/powerpoint/2010/main" val="3144945822"/>
-      </p:ext>
-    </p:extLst>
-  </p:cSld>
-  <p:clrMapOvr>
-    <a:masterClrMapping/>
-  </p:clrMapOvr>
-</p:sld>
-</file>
-
-<file path=ppt/slides/slide4.xml><?xml version="1.0" encoding="utf-8"?>
-<p:sld xmlns:a="http://schemas.openxmlformats.org/drawingml/2006/main" xmlns:r="http://schemas.openxmlformats.org/officeDocument/2006/relationships" xmlns:p="http://schemas.openxmlformats.org/presentationml/2006/main">
-  <p:cSld>
-    <p:spTree>
-      <p:nvGrpSpPr>
-        <p:cNvPr id="1" name=""/>
-        <p:cNvGrpSpPr/>
-        <p:nvPr/>
-      </p:nvGrpSpPr>
-      <p:grpSpPr>
-        <a:xfrm>
-          <a:off x="0" y="0"/>
-          <a:ext cx="0" cy="0"/>
-          <a:chOff x="0" y="0"/>
-          <a:chExt cx="0" cy="0"/>
-        </a:xfrm>
-      </p:grpSpPr>
-      <p:sp>
-        <p:nvSpPr>
-          <p:cNvPr id="2" name="Title 1">
-            <a:extLst>
-              <a:ext uri="{FF2B5EF4-FFF2-40B4-BE49-F238E27FC236}">
-                <a16:creationId xmlns:a16="http://schemas.microsoft.com/office/drawing/2014/main" id="{2BE83AC9-051E-5946-8F9C-9D5D9248C38C}"/>
-              </a:ext>
-            </a:extLst>
-          </p:cNvPr>
-          <p:cNvSpPr>
-            <a:spLocks noGrp="1"/>
-          </p:cNvSpPr>
-          <p:nvPr>
-            <p:ph type="title"/>
-          </p:nvPr>
-        </p:nvSpPr>
-        <p:spPr/>
-        <p:txBody>
-          <a:bodyPr/>
-          <a:lstStyle/>
-          <a:p>
-            <a:r>
-              <a:rPr lang="nl-NL" b="1" dirty="0" err="1"/>
-              <a:t>Introduction</a:t>
-            </a:r>
-            <a:r>
-              <a:rPr lang="nl-NL" b="1" dirty="0"/>
-              <a:t>: The </a:t>
-            </a:r>
-            <a:r>
-              <a:rPr lang="nl-NL" b="1" dirty="0" err="1"/>
-              <a:t>universe</a:t>
-            </a:r>
-            <a:r>
-              <a:rPr lang="nl-NL" b="1" dirty="0"/>
-              <a:t> at </a:t>
-            </a:r>
-            <a:r>
-              <a:rPr lang="nl-NL" b="1" dirty="0" err="1"/>
-              <a:t>the</a:t>
-            </a:r>
-            <a:r>
-              <a:rPr lang="nl-NL" b="1" dirty="0"/>
-              <a:t> </a:t>
-            </a:r>
-            <a:r>
-              <a:rPr lang="nl-NL" b="1" dirty="0" err="1"/>
-              <a:t>largest</a:t>
-            </a:r>
-            <a:r>
-              <a:rPr lang="nl-NL" b="1" dirty="0"/>
-              <a:t> </a:t>
-            </a:r>
-            <a:r>
-              <a:rPr lang="nl-NL" b="1" dirty="0" err="1"/>
-              <a:t>scale</a:t>
-            </a:r>
-            <a:r>
-              <a:rPr lang="nl-NL" b="1" dirty="0"/>
-              <a:t> </a:t>
-            </a:r>
-            <a:endParaRPr lang="en-GB" b="1" dirty="0"/>
-          </a:p>
-        </p:txBody>
-      </p:sp>
-      <p:sp>
-        <p:nvSpPr>
-          <p:cNvPr id="3" name="Content Placeholder 2">
-            <a:extLst>
-              <a:ext uri="{FF2B5EF4-FFF2-40B4-BE49-F238E27FC236}">
-                <a16:creationId xmlns:a16="http://schemas.microsoft.com/office/drawing/2014/main" id="{945DEB63-082C-500E-2AB7-1F7EEDED1537}"/>
-              </a:ext>
-            </a:extLst>
-          </p:cNvPr>
-          <p:cNvSpPr>
-            <a:spLocks noGrp="1"/>
-          </p:cNvSpPr>
-          <p:nvPr>
-            <p:ph idx="1"/>
-          </p:nvPr>
-        </p:nvSpPr>
-        <p:spPr>
-          <a:xfrm>
-            <a:off x="838201" y="1825625"/>
-            <a:ext cx="6318380" cy="4351338"/>
-          </a:xfrm>
-        </p:spPr>
-        <p:txBody>
-          <a:bodyPr/>
-          <a:lstStyle/>
-          <a:p>
-            <a:r>
-              <a:rPr lang="en-GB" dirty="0"/>
-              <a:t>Tully (1986) discovers Universe has </a:t>
-            </a:r>
-            <a:r>
-              <a:rPr lang="en-GB" u="sng" dirty="0"/>
-              <a:t>filament</a:t>
-            </a:r>
-            <a:r>
-              <a:rPr lang="en-GB" dirty="0"/>
-              <a:t> structure: </a:t>
-            </a:r>
-            <a:r>
-              <a:rPr lang="en-GB" i="1" dirty="0"/>
-              <a:t>Cosmic Web</a:t>
-            </a:r>
-            <a:r>
-              <a:rPr lang="en-GB" dirty="0"/>
-              <a:t>! </a:t>
-            </a:r>
-          </a:p>
-          <a:p>
-            <a:pPr lvl="1"/>
-            <a:r>
-              <a:rPr lang="en-GB" dirty="0"/>
-              <a:t>Filaments consist of galaxies, walls, ‘voids’! </a:t>
-            </a:r>
-          </a:p>
-          <a:p>
-            <a:r>
-              <a:rPr lang="en-GB" dirty="0"/>
-              <a:t>Cosmological principle: </a:t>
-            </a:r>
-          </a:p>
-          <a:p>
-            <a:pPr lvl="1"/>
-            <a:r>
-              <a:rPr lang="en-GB" dirty="0"/>
-              <a:t>The universe is homogeneous and isotropic</a:t>
-            </a:r>
-          </a:p>
-          <a:p>
-            <a:r>
-              <a:rPr lang="en-GB" dirty="0"/>
-              <a:t>FLRW metric</a:t>
-            </a:r>
-          </a:p>
-        </p:txBody>
-      </p:sp>
-    </p:spTree>
-    <p:extLst>
-      <p:ext uri="{BB962C8B-B14F-4D97-AF65-F5344CB8AC3E}">
-        <p14:creationId xmlns:p14="http://schemas.microsoft.com/office/powerpoint/2010/main" val="1150263351"/>
-      </p:ext>
-    </p:extLst>
-  </p:cSld>
-  <p:clrMapOvr>
-    <a:masterClrMapping/>
-  </p:clrMapOvr>
-</p:sld>
-</file>
-
-<file path=ppt/slides/slide5.xml><?xml version="1.0" encoding="utf-8"?>
-<p:sld xmlns:a="http://schemas.openxmlformats.org/drawingml/2006/main" xmlns:r="http://schemas.openxmlformats.org/officeDocument/2006/relationships" xmlns:p="http://schemas.openxmlformats.org/presentationml/2006/main">
-  <p:cSld>
-    <p:spTree>
-      <p:nvGrpSpPr>
-        <p:cNvPr id="1" name=""/>
-        <p:cNvGrpSpPr/>
-        <p:nvPr/>
-      </p:nvGrpSpPr>
-      <p:grpSpPr>
-        <a:xfrm>
-          <a:off x="0" y="0"/>
-          <a:ext cx="0" cy="0"/>
-          <a:chOff x="0" y="0"/>
-          <a:chExt cx="0" cy="0"/>
-        </a:xfrm>
-      </p:grpSpPr>
-      <p:sp>
-        <p:nvSpPr>
-          <p:cNvPr id="2" name="Title 1">
-            <a:extLst>
-              <a:ext uri="{FF2B5EF4-FFF2-40B4-BE49-F238E27FC236}">
-                <a16:creationId xmlns:a16="http://schemas.microsoft.com/office/drawing/2014/main" id="{FC0A9AC2-AF0A-ED7F-38B6-1701DFFA1CBE}"/>
-              </a:ext>
-            </a:extLst>
-          </p:cNvPr>
-          <p:cNvSpPr>
-            <a:spLocks noGrp="1"/>
-          </p:cNvSpPr>
-          <p:nvPr>
-            <p:ph type="title"/>
-          </p:nvPr>
-        </p:nvSpPr>
-        <p:spPr/>
-        <p:txBody>
-          <a:bodyPr/>
-          <a:lstStyle/>
-          <a:p>
-            <a:r>
-              <a:rPr lang="nl-NL" b="1" dirty="0" err="1"/>
-              <a:t>Methods</a:t>
-            </a:r>
-            <a:r>
-              <a:rPr lang="nl-NL" b="1" dirty="0"/>
-              <a:t>: </a:t>
-            </a:r>
-            <a:r>
-              <a:rPr lang="nl-NL" b="1" dirty="0" err="1"/>
-              <a:t>creating</a:t>
-            </a:r>
-            <a:r>
-              <a:rPr lang="nl-NL" b="1" dirty="0"/>
-              <a:t> a </a:t>
-            </a:r>
-            <a:r>
-              <a:rPr lang="nl-NL" b="1" dirty="0" err="1"/>
-              <a:t>galaxy</a:t>
-            </a:r>
-            <a:r>
-              <a:rPr lang="nl-NL" b="1" dirty="0"/>
-              <a:t> </a:t>
-            </a:r>
-            <a:r>
-              <a:rPr lang="nl-NL" b="1" dirty="0" err="1"/>
-              <a:t>catalogue</a:t>
-            </a:r>
-            <a:r>
-              <a:rPr lang="nl-NL" b="1" dirty="0"/>
-              <a:t> </a:t>
-            </a:r>
-            <a:endParaRPr lang="en-GB" b="1" dirty="0"/>
-          </a:p>
-        </p:txBody>
-      </p:sp>
-      <p:sp>
-        <p:nvSpPr>
-          <p:cNvPr id="3" name="Content Placeholder 2">
-            <a:extLst>
-              <a:ext uri="{FF2B5EF4-FFF2-40B4-BE49-F238E27FC236}">
-                <a16:creationId xmlns:a16="http://schemas.microsoft.com/office/drawing/2014/main" id="{230D7082-D5D2-0BF4-0CA1-D50114418D39}"/>
-              </a:ext>
-            </a:extLst>
-          </p:cNvPr>
-          <p:cNvSpPr>
-            <a:spLocks noGrp="1"/>
-          </p:cNvSpPr>
-          <p:nvPr>
-            <p:ph idx="1"/>
-          </p:nvPr>
-        </p:nvSpPr>
-        <p:spPr>
-          <a:xfrm>
-            <a:off x="838199" y="1825625"/>
-            <a:ext cx="6066453" cy="4351338"/>
-          </a:xfrm>
-        </p:spPr>
-        <p:txBody>
-          <a:bodyPr>
-            <a:normAutofit lnSpcReduction="10000"/>
-          </a:bodyPr>
-          <a:lstStyle/>
-          <a:p>
-            <a:r>
-              <a:rPr lang="nl-NL" dirty="0"/>
-              <a:t>Use data from FLAMINGO </a:t>
-            </a:r>
-            <a:r>
-              <a:rPr lang="nl-NL" dirty="0" err="1"/>
-              <a:t>to</a:t>
-            </a:r>
-            <a:r>
-              <a:rPr lang="nl-NL" dirty="0"/>
-              <a:t> </a:t>
-            </a:r>
-            <a:r>
-              <a:rPr lang="nl-NL" dirty="0" err="1"/>
-              <a:t>determine</a:t>
-            </a:r>
-            <a:r>
-              <a:rPr lang="nl-NL" dirty="0"/>
-              <a:t> </a:t>
-            </a:r>
-            <a:r>
-              <a:rPr lang="nl-NL" dirty="0" err="1"/>
-              <a:t>galaxy</a:t>
-            </a:r>
-            <a:r>
-              <a:rPr lang="nl-NL" dirty="0"/>
-              <a:t> </a:t>
-            </a:r>
-            <a:r>
-              <a:rPr lang="nl-NL" dirty="0" err="1"/>
-              <a:t>position</a:t>
-            </a:r>
-            <a:r>
-              <a:rPr lang="nl-NL" dirty="0"/>
-              <a:t>, </a:t>
-            </a:r>
-            <a:r>
-              <a:rPr lang="nl-NL" dirty="0" err="1"/>
-              <a:t>velocity</a:t>
-            </a:r>
-            <a:r>
-              <a:rPr lang="nl-NL" dirty="0"/>
-              <a:t>, </a:t>
-            </a:r>
-            <a:r>
-              <a:rPr lang="nl-NL" dirty="0" err="1"/>
-              <a:t>mass</a:t>
-            </a:r>
-            <a:endParaRPr lang="en-GB" dirty="0"/>
-          </a:p>
-          <a:p>
-            <a:r>
-              <a:rPr lang="en-GB" dirty="0"/>
-              <a:t>Our galaxy definition</a:t>
-            </a:r>
-            <a:r>
-              <a:rPr lang="nl-NL" dirty="0"/>
-              <a:t>:</a:t>
-            </a:r>
-          </a:p>
-          <a:p>
-            <a:pPr lvl="1"/>
-            <a:r>
-              <a:rPr lang="nl-NL" dirty="0"/>
-              <a:t>Stars </a:t>
-            </a:r>
-            <a:r>
-              <a:rPr lang="nl-NL" dirty="0" err="1"/>
-              <a:t>within</a:t>
-            </a:r>
-            <a:r>
-              <a:rPr lang="nl-NL" dirty="0"/>
-              <a:t> 50kpc </a:t>
-            </a:r>
-            <a:r>
-              <a:rPr lang="nl-NL" dirty="0" err="1"/>
-              <a:t>region</a:t>
-            </a:r>
-            <a:r>
-              <a:rPr lang="nl-NL" dirty="0"/>
-              <a:t> of </a:t>
-            </a:r>
-            <a:r>
-              <a:rPr lang="nl-NL" dirty="0" err="1"/>
-              <a:t>C.o.M</a:t>
-            </a:r>
-            <a:r>
-              <a:rPr lang="nl-NL" dirty="0"/>
-              <a:t>. </a:t>
-            </a:r>
-          </a:p>
-          <a:p>
-            <a:pPr lvl="1"/>
-            <a:r>
-              <a:rPr lang="nl-NL" dirty="0"/>
-              <a:t>Total </a:t>
-            </a:r>
-            <a:r>
-              <a:rPr lang="nl-NL" dirty="0" err="1"/>
-              <a:t>stellar</a:t>
-            </a:r>
-            <a:r>
-              <a:rPr lang="nl-NL" dirty="0"/>
-              <a:t> </a:t>
-            </a:r>
-            <a:r>
-              <a:rPr lang="nl-NL" dirty="0" err="1"/>
-              <a:t>mass</a:t>
-            </a:r>
-            <a:r>
-              <a:rPr lang="nl-NL" dirty="0"/>
-              <a:t> </a:t>
-            </a:r>
-            <a:r>
-              <a:rPr lang="nl-NL" dirty="0" err="1"/>
-              <a:t>above</a:t>
-            </a:r>
-            <a:r>
-              <a:rPr lang="nl-NL" dirty="0"/>
-              <a:t> 2*10^10 </a:t>
-            </a:r>
-            <a:r>
-              <a:rPr lang="nl-NL" dirty="0" err="1"/>
-              <a:t>Msun</a:t>
-            </a:r>
-            <a:endParaRPr lang="nl-NL" dirty="0"/>
-          </a:p>
-          <a:p>
-            <a:r>
-              <a:rPr lang="nl-NL" dirty="0"/>
-              <a:t>A lot of time </a:t>
-            </a:r>
-            <a:r>
-              <a:rPr lang="nl-NL" dirty="0" err="1"/>
-              <a:t>spend</a:t>
-            </a:r>
-            <a:r>
-              <a:rPr lang="nl-NL" dirty="0"/>
-              <a:t> on </a:t>
-            </a:r>
-            <a:r>
-              <a:rPr lang="nl-NL" dirty="0" err="1"/>
-              <a:t>optimization</a:t>
-            </a:r>
-            <a:endParaRPr lang="nl-NL" dirty="0"/>
-          </a:p>
-          <a:p>
-            <a:pPr lvl="1"/>
-            <a:r>
-              <a:rPr lang="nl-NL" dirty="0" err="1"/>
-              <a:t>Need</a:t>
-            </a:r>
-            <a:r>
-              <a:rPr lang="nl-NL" dirty="0"/>
-              <a:t> </a:t>
-            </a:r>
-            <a:r>
-              <a:rPr lang="nl-NL" dirty="0" err="1"/>
-              <a:t>to</a:t>
-            </a:r>
-            <a:r>
-              <a:rPr lang="nl-NL" dirty="0"/>
-              <a:t> loop </a:t>
-            </a:r>
-            <a:r>
-              <a:rPr lang="nl-NL" dirty="0" err="1"/>
-              <a:t>through</a:t>
-            </a:r>
-            <a:r>
-              <a:rPr lang="nl-NL" dirty="0"/>
-              <a:t> 13 </a:t>
-            </a:r>
-            <a:r>
-              <a:rPr lang="nl-NL" dirty="0" err="1"/>
-              <a:t>million</a:t>
-            </a:r>
-            <a:r>
-              <a:rPr lang="nl-NL" dirty="0"/>
-              <a:t> sub-</a:t>
-            </a:r>
-            <a:r>
-              <a:rPr lang="nl-NL" dirty="0" err="1"/>
-              <a:t>haloes</a:t>
-            </a:r>
-            <a:r>
-              <a:rPr lang="nl-NL" dirty="0"/>
-              <a:t>, </a:t>
-            </a:r>
-            <a:r>
-              <a:rPr lang="nl-NL" dirty="0" err="1"/>
-              <a:t>apply</a:t>
-            </a:r>
-            <a:r>
-              <a:rPr lang="nl-NL" dirty="0"/>
-              <a:t> </a:t>
-            </a:r>
-            <a:r>
-              <a:rPr lang="nl-NL" dirty="0" err="1"/>
-              <a:t>particle</a:t>
-            </a:r>
-            <a:r>
-              <a:rPr lang="nl-NL" dirty="0"/>
-              <a:t> </a:t>
-            </a:r>
-            <a:r>
-              <a:rPr lang="nl-NL" dirty="0" err="1"/>
-              <a:t>mask</a:t>
-            </a:r>
-            <a:r>
-              <a:rPr lang="nl-NL" dirty="0"/>
-              <a:t> per iteration</a:t>
-            </a:r>
-          </a:p>
-          <a:p>
-            <a:pPr lvl="1"/>
-            <a:r>
-              <a:rPr lang="nl-NL" dirty="0"/>
-              <a:t>Solution: look-up </a:t>
-            </a:r>
-            <a:r>
-              <a:rPr lang="nl-NL" dirty="0" err="1"/>
-              <a:t>table</a:t>
-            </a:r>
-            <a:r>
-              <a:rPr lang="nl-NL" dirty="0"/>
-              <a:t>, </a:t>
-            </a:r>
-            <a:r>
-              <a:rPr lang="nl-NL" dirty="0" err="1"/>
-              <a:t>requires</a:t>
-            </a:r>
-            <a:r>
-              <a:rPr lang="nl-NL" dirty="0"/>
-              <a:t> extra </a:t>
-            </a:r>
-            <a:r>
-              <a:rPr lang="nl-NL" dirty="0" err="1"/>
-              <a:t>mask</a:t>
-            </a:r>
-            <a:r>
-              <a:rPr lang="nl-NL" dirty="0"/>
-              <a:t>, but </a:t>
-            </a:r>
-            <a:r>
-              <a:rPr lang="nl-NL" dirty="0" err="1"/>
-              <a:t>significantly</a:t>
-            </a:r>
-            <a:r>
-              <a:rPr lang="nl-NL" dirty="0"/>
-              <a:t> </a:t>
-            </a:r>
-            <a:r>
-              <a:rPr lang="nl-NL" dirty="0" err="1"/>
-              <a:t>faster</a:t>
-            </a:r>
-            <a:r>
-              <a:rPr lang="nl-NL" dirty="0"/>
-              <a:t>! </a:t>
-            </a:r>
-          </a:p>
-          <a:p>
-            <a:pPr marL="0" indent="0">
-              <a:buNone/>
-            </a:pPr>
-            <a:endParaRPr lang="nl-NL" dirty="0"/>
-          </a:p>
-        </p:txBody>
-      </p:sp>
-      <p:pic>
-        <p:nvPicPr>
-          <p:cNvPr id="5" name="Picture 4">
-            <a:extLst>
-              <a:ext uri="{FF2B5EF4-FFF2-40B4-BE49-F238E27FC236}">
-                <a16:creationId xmlns:a16="http://schemas.microsoft.com/office/drawing/2014/main" id="{8D011F3A-950D-5E6A-35B2-41C22F863B7A}"/>
-              </a:ext>
-            </a:extLst>
-          </p:cNvPr>
-          <p:cNvPicPr>
-            <a:picLocks noChangeAspect="1"/>
-          </p:cNvPicPr>
-          <p:nvPr/>
-        </p:nvPicPr>
-        <p:blipFill>
-          <a:blip r:embed="rId2">
-            <a:extLst>
-              <a:ext uri="{28A0092B-C50C-407E-A947-70E740481C1C}">
-                <a14:useLocalDpi xmlns:a14="http://schemas.microsoft.com/office/drawing/2010/main" val="0"/>
-              </a:ext>
-            </a:extLst>
-          </a:blip>
-          <a:stretch>
-            <a:fillRect/>
-          </a:stretch>
-        </p:blipFill>
-        <p:spPr>
-          <a:xfrm>
-            <a:off x="7085044" y="1343608"/>
-            <a:ext cx="5019877" cy="3764907"/>
-          </a:xfrm>
-          <a:prstGeom prst="rect">
-            <a:avLst/>
-          </a:prstGeom>
-        </p:spPr>
-      </p:pic>
-    </p:spTree>
-    <p:extLst>
-      <p:ext uri="{BB962C8B-B14F-4D97-AF65-F5344CB8AC3E}">
-        <p14:creationId xmlns:p14="http://schemas.microsoft.com/office/powerpoint/2010/main" val="4179230099"/>
-      </p:ext>
-    </p:extLst>
-  </p:cSld>
-  <p:clrMapOvr>
-    <a:masterClrMapping/>
-  </p:clrMapOvr>
-</p:sld>
-</file>
-
-<file path=ppt/slides/slide6.xml><?xml version="1.0" encoding="utf-8"?>
-<p:sld xmlns:a="http://schemas.openxmlformats.org/drawingml/2006/main" xmlns:r="http://schemas.openxmlformats.org/officeDocument/2006/relationships" xmlns:p="http://schemas.openxmlformats.org/presentationml/2006/main">
-  <p:cSld>
-    <p:spTree>
-      <p:nvGrpSpPr>
-        <p:cNvPr id="1" name=""/>
-        <p:cNvGrpSpPr/>
-        <p:nvPr/>
-      </p:nvGrpSpPr>
-      <p:grpSpPr>
-        <a:xfrm>
-          <a:off x="0" y="0"/>
-          <a:ext cx="0" cy="0"/>
-          <a:chOff x="0" y="0"/>
-          <a:chExt cx="0" cy="0"/>
-        </a:xfrm>
-      </p:grpSpPr>
-      <p:sp>
-        <p:nvSpPr>
-          <p:cNvPr id="2" name="Title 1">
-            <a:extLst>
-              <a:ext uri="{FF2B5EF4-FFF2-40B4-BE49-F238E27FC236}">
-                <a16:creationId xmlns:a16="http://schemas.microsoft.com/office/drawing/2014/main" id="{071E2EA4-D7B2-2D47-9A5C-A248A1F05799}"/>
-              </a:ext>
-            </a:extLst>
-          </p:cNvPr>
-          <p:cNvSpPr>
-            <a:spLocks noGrp="1"/>
-          </p:cNvSpPr>
-          <p:nvPr>
-            <p:ph type="title"/>
-          </p:nvPr>
-        </p:nvSpPr>
-        <p:spPr/>
-        <p:txBody>
-          <a:bodyPr/>
-          <a:lstStyle/>
-          <a:p>
-            <a:r>
-              <a:rPr lang="nl-NL" b="1" dirty="0" err="1"/>
-              <a:t>Methods</a:t>
-            </a:r>
-            <a:r>
-              <a:rPr lang="nl-NL" b="1" dirty="0"/>
-              <a:t>: </a:t>
-            </a:r>
-            <a:r>
-              <a:rPr lang="nl-NL" b="1" dirty="0" err="1"/>
-              <a:t>redshift-space</a:t>
-            </a:r>
-            <a:r>
-              <a:rPr lang="nl-NL" b="1" dirty="0"/>
-              <a:t> </a:t>
-            </a:r>
-            <a:r>
-              <a:rPr lang="nl-NL" b="1" dirty="0" err="1"/>
-              <a:t>positions</a:t>
-            </a:r>
-            <a:endParaRPr lang="en-GB" b="1" dirty="0"/>
-          </a:p>
-        </p:txBody>
-      </p:sp>
-      <mc:AlternateContent xmlns:mc="http://schemas.openxmlformats.org/markup-compatibility/2006">
-        <mc:Choice xmlns:a14="http://schemas.microsoft.com/office/drawing/2010/main" Requires="a14">
-          <p:sp>
-            <p:nvSpPr>
-              <p:cNvPr id="3" name="Content Placeholder 2">
-                <a:extLst>
-                  <a:ext uri="{FF2B5EF4-FFF2-40B4-BE49-F238E27FC236}">
-                    <a16:creationId xmlns:a16="http://schemas.microsoft.com/office/drawing/2014/main" id="{897E4D6E-BE92-228C-550D-E554EFFA2197}"/>
-                  </a:ext>
-                </a:extLst>
-              </p:cNvPr>
-              <p:cNvSpPr>
-                <a:spLocks noGrp="1"/>
-              </p:cNvSpPr>
-              <p:nvPr>
-                <p:ph idx="1"/>
-              </p:nvPr>
-            </p:nvSpPr>
-            <p:spPr>
-              <a:xfrm>
-                <a:off x="808653" y="1816294"/>
-                <a:ext cx="4668416" cy="4351338"/>
-              </a:xfrm>
-            </p:spPr>
-            <p:txBody>
-              <a:bodyPr/>
-              <a:lstStyle/>
-              <a:p>
-                <a:r>
-                  <a:rPr lang="nl-NL" dirty="0"/>
-                  <a:t>How </a:t>
-                </a:r>
-                <a:r>
-                  <a:rPr lang="nl-NL" dirty="0" err="1"/>
-                  <a:t>to</a:t>
-                </a:r>
-                <a:r>
-                  <a:rPr lang="nl-NL" dirty="0"/>
-                  <a:t> </a:t>
-                </a:r>
-                <a:r>
-                  <a:rPr lang="nl-NL" dirty="0" err="1"/>
-                  <a:t>convert</a:t>
-                </a:r>
-                <a:r>
-                  <a:rPr lang="nl-NL" dirty="0"/>
-                  <a:t> real-</a:t>
-                </a:r>
-                <a:r>
-                  <a:rPr lang="nl-NL" dirty="0" err="1"/>
-                  <a:t>space</a:t>
-                </a:r>
-                <a:r>
-                  <a:rPr lang="nl-NL" dirty="0"/>
-                  <a:t> </a:t>
-                </a:r>
-                <a:r>
-                  <a:rPr lang="nl-NL" dirty="0" err="1"/>
-                  <a:t>positions</a:t>
-                </a:r>
-                <a:r>
-                  <a:rPr lang="nl-NL" dirty="0"/>
-                  <a:t> </a:t>
-                </a:r>
-                <a:r>
-                  <a:rPr lang="nl-NL" dirty="0" err="1"/>
-                  <a:t>to</a:t>
-                </a:r>
-                <a:r>
-                  <a:rPr lang="nl-NL" dirty="0"/>
-                  <a:t> </a:t>
-                </a:r>
-                <a:r>
-                  <a:rPr lang="nl-NL" dirty="0" err="1"/>
-                  <a:t>redshift</a:t>
-                </a:r>
-                <a:r>
-                  <a:rPr lang="nl-NL" dirty="0"/>
-                  <a:t> </a:t>
-                </a:r>
-                <a:r>
-                  <a:rPr lang="nl-NL" dirty="0" err="1"/>
-                  <a:t>space</a:t>
-                </a:r>
-                <a:r>
-                  <a:rPr lang="nl-NL" dirty="0"/>
-                  <a:t>? </a:t>
-                </a:r>
-              </a:p>
-              <a:p>
-                <a:pPr lvl="1"/>
-                <a14:m>
-                  <m:oMath xmlns:m="http://schemas.openxmlformats.org/officeDocument/2006/math">
-                    <m:r>
-                      <a:rPr lang="nl-NL" i="1" dirty="0" smtClean="0">
-                        <a:latin typeface="Cambria Math" panose="02040503050406030204" pitchFamily="18" charset="0"/>
-                      </a:rPr>
-                      <m:t>𝑠</m:t>
-                    </m:r>
-                    <m:r>
-                      <a:rPr lang="nl-NL" i="1" dirty="0" smtClean="0">
-                        <a:latin typeface="Cambria Math" panose="02040503050406030204" pitchFamily="18" charset="0"/>
-                      </a:rPr>
-                      <m:t> = </m:t>
-                    </m:r>
-                    <m:r>
-                      <a:rPr lang="nl-NL" i="1" dirty="0" smtClean="0">
-                        <a:latin typeface="Cambria Math" panose="02040503050406030204" pitchFamily="18" charset="0"/>
-                      </a:rPr>
-                      <m:t>𝑟</m:t>
-                    </m:r>
-                    <m:r>
-                      <a:rPr lang="nl-NL" i="1" dirty="0" smtClean="0">
-                        <a:latin typeface="Cambria Math" panose="02040503050406030204" pitchFamily="18" charset="0"/>
-                      </a:rPr>
-                      <m:t> + </m:t>
-                    </m:r>
-                    <m:f>
-                      <m:fPr>
-                        <m:ctrlPr>
-                          <a:rPr lang="nl-NL" i="1" dirty="0" smtClean="0">
-                            <a:latin typeface="Cambria Math" panose="02040503050406030204" pitchFamily="18" charset="0"/>
-                          </a:rPr>
-                        </m:ctrlPr>
-                      </m:fPr>
-                      <m:num>
-                        <m:r>
-                          <a:rPr lang="nl-NL" b="0" i="1" dirty="0" smtClean="0">
-                            <a:latin typeface="Cambria Math" panose="02040503050406030204" pitchFamily="18" charset="0"/>
-                          </a:rPr>
-                          <m:t>𝑣</m:t>
-                        </m:r>
-                        <m:r>
-                          <a:rPr lang="nl-NL" b="0" i="1" dirty="0" smtClean="0">
-                            <a:latin typeface="Cambria Math" panose="02040503050406030204" pitchFamily="18" charset="0"/>
-                          </a:rPr>
-                          <m:t> ∙</m:t>
-                        </m:r>
-                        <m:acc>
-                          <m:accPr>
-                            <m:chr m:val="̂"/>
-                            <m:ctrlPr>
-                              <a:rPr lang="nl-NL" b="0" i="1" dirty="0" smtClean="0">
-                                <a:latin typeface="Cambria Math" panose="02040503050406030204" pitchFamily="18" charset="0"/>
-                                <a:ea typeface="Cambria Math" panose="02040503050406030204" pitchFamily="18" charset="0"/>
-                              </a:rPr>
-                            </m:ctrlPr>
-                          </m:accPr>
-                          <m:e>
-                            <m:r>
-                              <a:rPr lang="nl-NL" b="0" i="1" dirty="0" smtClean="0">
-                                <a:latin typeface="Cambria Math" panose="02040503050406030204" pitchFamily="18" charset="0"/>
-                                <a:ea typeface="Cambria Math" panose="02040503050406030204" pitchFamily="18" charset="0"/>
-                              </a:rPr>
-                              <m:t>𝑟</m:t>
-                            </m:r>
-                          </m:e>
-                        </m:acc>
-                      </m:num>
-                      <m:den>
-                        <m:r>
-                          <a:rPr lang="nl-NL" b="0" i="1" dirty="0" smtClean="0">
-                            <a:latin typeface="Cambria Math" panose="02040503050406030204" pitchFamily="18" charset="0"/>
-                          </a:rPr>
-                          <m:t>𝑎𝐻</m:t>
-                        </m:r>
-                        <m:r>
-                          <a:rPr lang="nl-NL" b="0" i="1" dirty="0" smtClean="0">
-                            <a:latin typeface="Cambria Math" panose="02040503050406030204" pitchFamily="18" charset="0"/>
-                          </a:rPr>
-                          <m:t>(</m:t>
-                        </m:r>
-                        <m:r>
-                          <a:rPr lang="nl-NL" b="0" i="1" dirty="0" smtClean="0">
-                            <a:latin typeface="Cambria Math" panose="02040503050406030204" pitchFamily="18" charset="0"/>
-                          </a:rPr>
-                          <m:t>𝑎</m:t>
-                        </m:r>
-                        <m:r>
-                          <a:rPr lang="nl-NL" b="0" i="1" dirty="0" smtClean="0">
-                            <a:latin typeface="Cambria Math" panose="02040503050406030204" pitchFamily="18" charset="0"/>
-                          </a:rPr>
-                          <m:t>)</m:t>
-                        </m:r>
-                      </m:den>
-                    </m:f>
-                    <m:r>
-                      <a:rPr lang="nl-NL" i="1" dirty="0" smtClean="0">
-                        <a:latin typeface="Cambria Math" panose="02040503050406030204" pitchFamily="18" charset="0"/>
-                      </a:rPr>
-                      <m:t> </m:t>
-                    </m:r>
-                  </m:oMath>
-                </a14:m>
-                <a:r>
-                  <a:rPr lang="nl-NL" dirty="0"/>
-                  <a:t>,</a:t>
-                </a:r>
-                <a14:m>
-                  <m:oMath xmlns:m="http://schemas.openxmlformats.org/officeDocument/2006/math">
-                    <m:r>
-                      <a:rPr lang="nl-NL" b="0" i="1" dirty="0" smtClean="0">
-                        <a:latin typeface="Cambria Math" panose="02040503050406030204" pitchFamily="18" charset="0"/>
-                      </a:rPr>
-                      <m:t>𝐻</m:t>
-                    </m:r>
-                    <m:d>
-                      <m:dPr>
-                        <m:ctrlPr>
-                          <a:rPr lang="nl-NL" b="0" i="1" dirty="0" smtClean="0">
-                            <a:latin typeface="Cambria Math" panose="02040503050406030204" pitchFamily="18" charset="0"/>
-                          </a:rPr>
-                        </m:ctrlPr>
-                      </m:dPr>
-                      <m:e>
-                        <m:r>
-                          <a:rPr lang="nl-NL" b="0" i="1" dirty="0" smtClean="0">
-                            <a:latin typeface="Cambria Math" panose="02040503050406030204" pitchFamily="18" charset="0"/>
-                          </a:rPr>
-                          <m:t>𝑎</m:t>
-                        </m:r>
-                      </m:e>
-                    </m:d>
-                    <m:r>
-                      <a:rPr lang="nl-NL" b="0" i="1" dirty="0" smtClean="0">
-                        <a:latin typeface="Cambria Math" panose="02040503050406030204" pitchFamily="18" charset="0"/>
-                      </a:rPr>
-                      <m:t>=</m:t>
-                    </m:r>
-                    <m:sSub>
-                      <m:sSubPr>
-                        <m:ctrlPr>
-                          <a:rPr lang="nl-NL" b="0" i="1" dirty="0" smtClean="0">
-                            <a:latin typeface="Cambria Math" panose="02040503050406030204" pitchFamily="18" charset="0"/>
-                          </a:rPr>
-                        </m:ctrlPr>
-                      </m:sSubPr>
-                      <m:e>
-                        <m:r>
-                          <a:rPr lang="nl-NL" b="0" i="1" dirty="0" smtClean="0">
-                            <a:latin typeface="Cambria Math" panose="02040503050406030204" pitchFamily="18" charset="0"/>
-                          </a:rPr>
-                          <m:t>𝐻</m:t>
-                        </m:r>
-                      </m:e>
-                      <m:sub>
-                        <m:r>
-                          <a:rPr lang="nl-NL" b="0" i="1" dirty="0" smtClean="0">
-                            <a:latin typeface="Cambria Math" panose="02040503050406030204" pitchFamily="18" charset="0"/>
-                          </a:rPr>
-                          <m:t>0 </m:t>
-                        </m:r>
-                      </m:sub>
-                    </m:sSub>
-                    <m:rad>
-                      <m:radPr>
-                        <m:degHide m:val="on"/>
-                        <m:ctrlPr>
-                          <a:rPr lang="nl-NL" b="0" i="1" dirty="0" smtClean="0">
-                            <a:latin typeface="Cambria Math" panose="02040503050406030204" pitchFamily="18" charset="0"/>
-                          </a:rPr>
-                        </m:ctrlPr>
-                      </m:radPr>
-                      <m:deg/>
-                      <m:e>
-                        <m:sSub>
-                          <m:sSubPr>
-                            <m:ctrlPr>
-                              <a:rPr lang="nl-NL" b="0" i="1" dirty="0" smtClean="0">
-                                <a:latin typeface="Cambria Math" panose="02040503050406030204" pitchFamily="18" charset="0"/>
-                              </a:rPr>
-                            </m:ctrlPr>
-                          </m:sSubPr>
-                          <m:e>
-                            <m:r>
-                              <m:rPr>
-                                <m:sty m:val="p"/>
-                              </m:rPr>
-                              <a:rPr lang="el-GR" b="0" i="1" dirty="0" smtClean="0">
-                                <a:latin typeface="Cambria Math" panose="02040503050406030204" pitchFamily="18" charset="0"/>
-                              </a:rPr>
-                              <m:t>Ω</m:t>
-                            </m:r>
-                          </m:e>
-                          <m:sub>
-                            <m:r>
-                              <a:rPr lang="nl-NL" b="0" i="1" dirty="0" smtClean="0">
-                                <a:latin typeface="Cambria Math" panose="02040503050406030204" pitchFamily="18" charset="0"/>
-                              </a:rPr>
-                              <m:t>𝑚</m:t>
-                            </m:r>
-                            <m:r>
-                              <a:rPr lang="nl-NL" b="0" i="1" dirty="0" smtClean="0">
-                                <a:latin typeface="Cambria Math" panose="02040503050406030204" pitchFamily="18" charset="0"/>
-                              </a:rPr>
-                              <m:t>,0</m:t>
-                            </m:r>
-                          </m:sub>
-                        </m:sSub>
-                        <m:sSup>
-                          <m:sSupPr>
-                            <m:ctrlPr>
-                              <a:rPr lang="nl-NL" b="0" i="1" dirty="0" smtClean="0">
-                                <a:latin typeface="Cambria Math" panose="02040503050406030204" pitchFamily="18" charset="0"/>
-                              </a:rPr>
-                            </m:ctrlPr>
-                          </m:sSupPr>
-                          <m:e>
-                            <m:r>
-                              <a:rPr lang="nl-NL" b="0" i="1" dirty="0" smtClean="0">
-                                <a:latin typeface="Cambria Math" panose="02040503050406030204" pitchFamily="18" charset="0"/>
-                              </a:rPr>
-                              <m:t>𝑎</m:t>
-                            </m:r>
-                          </m:e>
-                          <m:sup>
-                            <m:r>
-                              <a:rPr lang="nl-NL" b="0" i="1" dirty="0" smtClean="0">
-                                <a:latin typeface="Cambria Math" panose="02040503050406030204" pitchFamily="18" charset="0"/>
-                              </a:rPr>
-                              <m:t>−3</m:t>
-                            </m:r>
-                          </m:sup>
-                        </m:sSup>
-                        <m:r>
-                          <a:rPr lang="nl-NL" b="0" i="1" dirty="0" smtClean="0">
-                            <a:latin typeface="Cambria Math" panose="02040503050406030204" pitchFamily="18" charset="0"/>
-                          </a:rPr>
-                          <m:t>+</m:t>
-                        </m:r>
-                        <m:sSub>
-                          <m:sSubPr>
-                            <m:ctrlPr>
-                              <a:rPr lang="nl-NL" b="0" i="1" dirty="0" smtClean="0">
-                                <a:latin typeface="Cambria Math" panose="02040503050406030204" pitchFamily="18" charset="0"/>
-                              </a:rPr>
-                            </m:ctrlPr>
-                          </m:sSubPr>
-                          <m:e>
-                            <m:r>
-                              <m:rPr>
-                                <m:sty m:val="p"/>
-                              </m:rPr>
-                              <a:rPr lang="el-GR" b="0" i="1" dirty="0" smtClean="0">
-                                <a:latin typeface="Cambria Math" panose="02040503050406030204" pitchFamily="18" charset="0"/>
-                              </a:rPr>
-                              <m:t>Ω</m:t>
-                            </m:r>
-                          </m:e>
-                          <m:sub>
-                            <m:r>
-                              <m:rPr>
-                                <m:sty m:val="p"/>
-                              </m:rPr>
-                              <a:rPr lang="el-GR" b="0" i="1" dirty="0" smtClean="0">
-                                <a:latin typeface="Cambria Math" panose="02040503050406030204" pitchFamily="18" charset="0"/>
-                              </a:rPr>
-                              <m:t>Λ</m:t>
-                            </m:r>
-                            <m:r>
-                              <a:rPr lang="nl-NL" b="0" i="1" dirty="0" smtClean="0">
-                                <a:latin typeface="Cambria Math" panose="02040503050406030204" pitchFamily="18" charset="0"/>
-                              </a:rPr>
-                              <m:t>,0</m:t>
-                            </m:r>
-                          </m:sub>
-                        </m:sSub>
-                      </m:e>
-                    </m:rad>
-                  </m:oMath>
-                </a14:m>
-                <a:endParaRPr lang="nl-NL" dirty="0"/>
-              </a:p>
-              <a:p>
-                <a:r>
-                  <a:rPr lang="nl-NL" dirty="0"/>
-                  <a:t>On 1-10 </a:t>
-                </a:r>
-                <a:r>
-                  <a:rPr lang="nl-NL" dirty="0" err="1"/>
-                  <a:t>Mpc</a:t>
-                </a:r>
-                <a:r>
-                  <a:rPr lang="nl-NL" dirty="0"/>
-                  <a:t> </a:t>
-                </a:r>
-                <a:r>
-                  <a:rPr lang="nl-NL" dirty="0" err="1"/>
-                  <a:t>scale</a:t>
-                </a:r>
-                <a:r>
-                  <a:rPr lang="nl-NL" dirty="0"/>
-                  <a:t>, </a:t>
-                </a:r>
-                <a:r>
-                  <a:rPr lang="nl-NL" dirty="0" err="1"/>
-                  <a:t>galaxies</a:t>
-                </a:r>
-                <a:r>
-                  <a:rPr lang="nl-NL" dirty="0"/>
-                  <a:t> shift </a:t>
-                </a:r>
-                <a:r>
-                  <a:rPr lang="nl-NL" dirty="0" err="1"/>
-                  <a:t>toward</a:t>
-                </a:r>
-                <a:r>
-                  <a:rPr lang="nl-NL" dirty="0"/>
-                  <a:t> cluster center (in </a:t>
-                </a:r>
-                <a:r>
-                  <a:rPr lang="nl-NL" dirty="0" err="1"/>
-                  <a:t>redshift-space</a:t>
-                </a:r>
-                <a:r>
-                  <a:rPr lang="nl-NL" dirty="0"/>
-                  <a:t>)</a:t>
-                </a:r>
-              </a:p>
-              <a:p>
-                <a:r>
-                  <a:rPr lang="nl-NL" dirty="0" err="1"/>
-                  <a:t>Stronger</a:t>
-                </a:r>
-                <a:r>
-                  <a:rPr lang="nl-NL" dirty="0"/>
-                  <a:t> effect closer </a:t>
-                </a:r>
-                <a:r>
-                  <a:rPr lang="nl-NL" dirty="0" err="1"/>
-                  <a:t>to</a:t>
-                </a:r>
-                <a:r>
-                  <a:rPr lang="nl-NL" dirty="0"/>
-                  <a:t> </a:t>
-                </a:r>
-                <a:r>
-                  <a:rPr lang="nl-NL" dirty="0" err="1"/>
-                  <a:t>filaments</a:t>
-                </a:r>
-                <a:r>
-                  <a:rPr lang="nl-NL" dirty="0"/>
-                  <a:t>/cluster</a:t>
-                </a:r>
-                <a:endParaRPr lang="en-GB" dirty="0"/>
-              </a:p>
-            </p:txBody>
-          </p:sp>
-        </mc:Choice>
-        <mc:Fallback>
-          <p:sp>
-            <p:nvSpPr>
-              <p:cNvPr id="3" name="Content Placeholder 2">
-                <a:extLst>
-                  <a:ext uri="{FF2B5EF4-FFF2-40B4-BE49-F238E27FC236}">
-                    <a16:creationId xmlns:a16="http://schemas.microsoft.com/office/drawing/2014/main" id="{897E4D6E-BE92-228C-550D-E554EFFA2197}"/>
-                  </a:ext>
-                </a:extLst>
-              </p:cNvPr>
-              <p:cNvSpPr>
-                <a:spLocks noGrp="1" noRot="1" noChangeAspect="1" noMove="1" noResize="1" noEditPoints="1" noAdjustHandles="1" noChangeArrowheads="1" noChangeShapeType="1" noTextEdit="1"/>
-              </p:cNvSpPr>
-              <p:nvPr>
-                <p:ph idx="1"/>
-              </p:nvPr>
-            </p:nvSpPr>
-            <p:spPr>
-              <a:xfrm>
-                <a:off x="808653" y="1816294"/>
-                <a:ext cx="4668416" cy="4351338"/>
-              </a:xfrm>
-              <a:blipFill>
-                <a:blip r:embed="rId2"/>
-                <a:stretch>
-                  <a:fillRect l="-2353" t="-2381"/>
-                </a:stretch>
-              </a:blipFill>
-            </p:spPr>
-            <p:txBody>
-              <a:bodyPr/>
-              <a:lstStyle/>
-              <a:p>
-                <a:r>
-                  <a:rPr lang="en-GB">
-                    <a:noFill/>
-                  </a:rPr>
-                  <a:t> </a:t>
-                </a:r>
-              </a:p>
-            </p:txBody>
-          </p:sp>
-        </mc:Fallback>
-      </mc:AlternateContent>
-      <p:pic>
-        <p:nvPicPr>
-          <p:cNvPr id="5" name="Picture 4">
-            <a:extLst>
-              <a:ext uri="{FF2B5EF4-FFF2-40B4-BE49-F238E27FC236}">
-                <a16:creationId xmlns:a16="http://schemas.microsoft.com/office/drawing/2014/main" id="{90F4F0C5-A5AE-0AD9-9217-4BC32161AA99}"/>
-              </a:ext>
-            </a:extLst>
-          </p:cNvPr>
-          <p:cNvPicPr>
-            <a:picLocks noChangeAspect="1"/>
-          </p:cNvPicPr>
-          <p:nvPr/>
-        </p:nvPicPr>
-        <p:blipFill>
-          <a:blip r:embed="rId3">
-            <a:extLst>
-              <a:ext uri="{28A0092B-C50C-407E-A947-70E740481C1C}">
-                <a14:useLocalDpi xmlns:a14="http://schemas.microsoft.com/office/drawing/2010/main" val="0"/>
-              </a:ext>
-            </a:extLst>
-          </a:blip>
-          <a:stretch>
-            <a:fillRect/>
-          </a:stretch>
-        </p:blipFill>
-        <p:spPr>
-          <a:xfrm>
-            <a:off x="5772541" y="1449138"/>
-            <a:ext cx="6291325" cy="4718494"/>
-          </a:xfrm>
-          <a:prstGeom prst="rect">
-            <a:avLst/>
-          </a:prstGeom>
-        </p:spPr>
-      </p:pic>
-    </p:spTree>
-    <p:extLst>
-      <p:ext uri="{BB962C8B-B14F-4D97-AF65-F5344CB8AC3E}">
-        <p14:creationId xmlns:p14="http://schemas.microsoft.com/office/powerpoint/2010/main" val="2920067106"/>
-      </p:ext>
-    </p:extLst>
-  </p:cSld>
-  <p:clrMapOvr>
-    <a:masterClrMapping/>
-  </p:clrMapOvr>
-</p:sld>
-</file>
-
-<file path=ppt/slides/slide7.xml><?xml version="1.0" encoding="utf-8"?>
-<p:sld xmlns:a="http://schemas.openxmlformats.org/drawingml/2006/main" xmlns:r="http://schemas.openxmlformats.org/officeDocument/2006/relationships" xmlns:p="http://schemas.openxmlformats.org/presentationml/2006/main">
-  <p:cSld>
-    <p:spTree>
-      <p:nvGrpSpPr>
-        <p:cNvPr id="1" name=""/>
-        <p:cNvGrpSpPr/>
-        <p:nvPr/>
-      </p:nvGrpSpPr>
-      <p:grpSpPr>
-        <a:xfrm>
-          <a:off x="0" y="0"/>
-          <a:ext cx="0" cy="0"/>
-          <a:chOff x="0" y="0"/>
-          <a:chExt cx="0" cy="0"/>
-        </a:xfrm>
-      </p:grpSpPr>
-      <p:sp>
-        <p:nvSpPr>
-          <p:cNvPr id="2" name="Title 1">
-            <a:extLst>
-              <a:ext uri="{FF2B5EF4-FFF2-40B4-BE49-F238E27FC236}">
-                <a16:creationId xmlns:a16="http://schemas.microsoft.com/office/drawing/2014/main" id="{7C675E34-D7CC-CB21-A87F-92EF54935D0F}"/>
-              </a:ext>
-            </a:extLst>
-          </p:cNvPr>
-          <p:cNvSpPr>
-            <a:spLocks noGrp="1"/>
-          </p:cNvSpPr>
-          <p:nvPr>
-            <p:ph type="title"/>
-          </p:nvPr>
-        </p:nvSpPr>
-        <p:spPr>
-          <a:xfrm>
-            <a:off x="838200" y="365125"/>
-            <a:ext cx="7876592" cy="1325563"/>
-          </a:xfrm>
-        </p:spPr>
-        <p:txBody>
-          <a:bodyPr/>
-          <a:lstStyle/>
-          <a:p>
-            <a:r>
-              <a:rPr lang="nl-NL" b="1" dirty="0" err="1"/>
-              <a:t>Methods</a:t>
-            </a:r>
-            <a:r>
-              <a:rPr lang="nl-NL" b="1" dirty="0"/>
-              <a:t>: 2D power-spectrum </a:t>
-            </a:r>
-            <a:r>
-              <a:rPr lang="nl-NL" b="1" dirty="0" err="1"/>
-              <a:t>grid</a:t>
-            </a:r>
-            <a:r>
-              <a:rPr lang="nl-NL" b="1" dirty="0"/>
-              <a:t> </a:t>
-            </a:r>
-            <a:endParaRPr lang="en-GB" dirty="0"/>
-          </a:p>
-        </p:txBody>
-      </p:sp>
-      <mc:AlternateContent xmlns:mc="http://schemas.openxmlformats.org/markup-compatibility/2006">
-        <mc:Choice xmlns:a14="http://schemas.microsoft.com/office/drawing/2010/main" Requires="a14">
-          <p:sp>
-            <p:nvSpPr>
-              <p:cNvPr id="3" name="Content Placeholder 2">
-                <a:extLst>
-                  <a:ext uri="{FF2B5EF4-FFF2-40B4-BE49-F238E27FC236}">
-                    <a16:creationId xmlns:a16="http://schemas.microsoft.com/office/drawing/2014/main" id="{ED3A0075-ECC0-B9BF-83D3-F9F61CD66EC2}"/>
-                  </a:ext>
-                </a:extLst>
-              </p:cNvPr>
-              <p:cNvSpPr>
-                <a:spLocks noGrp="1"/>
-              </p:cNvSpPr>
-              <p:nvPr>
-                <p:ph idx="1"/>
-              </p:nvPr>
-            </p:nvSpPr>
-            <p:spPr>
-              <a:xfrm>
-                <a:off x="838200" y="1825625"/>
-                <a:ext cx="6010470" cy="4351338"/>
-              </a:xfrm>
-            </p:spPr>
-            <p:txBody>
-              <a:bodyPr>
-                <a:normAutofit/>
-              </a:bodyPr>
-              <a:lstStyle/>
-              <a:p>
-                <a:r>
-                  <a:rPr lang="nl-NL" dirty="0"/>
-                  <a:t>FFTPower from </a:t>
-                </a:r>
-                <a:r>
-                  <a:rPr lang="nl-NL" dirty="0" err="1"/>
-                  <a:t>nbodykit</a:t>
-                </a:r>
-                <a:r>
-                  <a:rPr lang="nl-NL" dirty="0"/>
-                  <a:t> module </a:t>
-                </a:r>
-                <a:r>
-                  <a:rPr lang="nl-NL" dirty="0" err="1"/>
-                  <a:t>calculates</a:t>
-                </a:r>
-                <a:r>
-                  <a:rPr lang="nl-NL" dirty="0"/>
-                  <a:t> P(k) from </a:t>
-                </a:r>
-                <a:r>
-                  <a:rPr lang="nl-NL" dirty="0" err="1"/>
-                  <a:t>galaxy</a:t>
-                </a:r>
-                <a:r>
-                  <a:rPr lang="nl-NL" dirty="0"/>
-                  <a:t> </a:t>
-                </a:r>
-                <a:r>
-                  <a:rPr lang="nl-NL" dirty="0" err="1"/>
-                  <a:t>catalogue</a:t>
-                </a:r>
-                <a:endParaRPr lang="nl-NL" dirty="0"/>
-              </a:p>
-              <a:p>
-                <a:pPr lvl="1"/>
-                <a:r>
-                  <a:rPr lang="nl-NL" dirty="0" err="1"/>
-                  <a:t>Outputs</a:t>
-                </a:r>
-                <a:r>
-                  <a:rPr lang="nl-NL" dirty="0"/>
-                  <a:t> (</a:t>
-                </a:r>
-                <a:r>
-                  <a:rPr lang="el-GR" dirty="0"/>
-                  <a:t>μ</a:t>
-                </a:r>
-                <a:r>
-                  <a:rPr lang="nl-NL" dirty="0"/>
-                  <a:t>,</a:t>
-                </a:r>
-                <a:r>
-                  <a:rPr lang="nl-NL" dirty="0" err="1"/>
-                  <a:t>k,P</a:t>
-                </a:r>
-                <a:r>
-                  <a:rPr lang="nl-NL" dirty="0"/>
-                  <a:t>(k,</a:t>
-                </a:r>
-                <a:r>
-                  <a:rPr lang="el-GR" dirty="0"/>
-                  <a:t>μ</a:t>
-                </a:r>
-                <a:r>
-                  <a:rPr lang="nl-NL" dirty="0"/>
-                  <a:t>))</a:t>
-                </a:r>
-              </a:p>
-              <a:p>
-                <a:pPr lvl="1"/>
-                <a:r>
-                  <a:rPr lang="el-GR" dirty="0"/>
-                  <a:t>μ</a:t>
-                </a:r>
-                <a:r>
-                  <a:rPr lang="nl-NL" dirty="0"/>
-                  <a:t> = </a:t>
-                </a:r>
-                <a:r>
-                  <a:rPr lang="nl-NL" dirty="0" err="1"/>
-                  <a:t>cos</a:t>
-                </a:r>
-                <a:r>
-                  <a:rPr lang="nl-NL" dirty="0"/>
-                  <a:t>(</a:t>
-                </a:r>
-                <a:r>
-                  <a:rPr lang="el-GR" dirty="0"/>
-                  <a:t>θ</a:t>
-                </a:r>
-                <a:r>
-                  <a:rPr lang="nl-NL" dirty="0"/>
-                  <a:t>), {</a:t>
-                </a:r>
-                <a14:m>
-                  <m:oMath xmlns:m="http://schemas.openxmlformats.org/officeDocument/2006/math">
-                    <m:sSub>
-                      <m:sSubPr>
-                        <m:ctrlPr>
-                          <a:rPr lang="nl-NL" i="1">
-                            <a:latin typeface="Cambria Math" panose="02040503050406030204" pitchFamily="18" charset="0"/>
-                          </a:rPr>
-                        </m:ctrlPr>
-                      </m:sSubPr>
-                      <m:e>
-                        <m:r>
-                          <a:rPr lang="nl-NL" i="1">
-                            <a:latin typeface="Cambria Math" panose="02040503050406030204" pitchFamily="18" charset="0"/>
-                          </a:rPr>
-                          <m:t>𝑘</m:t>
-                        </m:r>
-                      </m:e>
-                      <m:sub>
-                        <m:r>
-                          <m:rPr>
-                            <m:nor/>
-                          </m:rPr>
-                          <a:rPr lang="en-GB" b="1"/>
-                          <m:t>⊥</m:t>
-                        </m:r>
-                      </m:sub>
-                    </m:sSub>
-                  </m:oMath>
-                </a14:m>
-                <a:r>
-                  <a:rPr lang="nl-NL" dirty="0"/>
-                  <a:t> = </a:t>
-                </a:r>
-                <a14:m>
-                  <m:oMath xmlns:m="http://schemas.openxmlformats.org/officeDocument/2006/math">
-                    <m:r>
-                      <m:rPr>
-                        <m:sty m:val="p"/>
-                      </m:rPr>
-                      <a:rPr lang="nl-NL" b="0" i="0" smtClean="0">
-                        <a:latin typeface="Cambria Math" panose="02040503050406030204" pitchFamily="18" charset="0"/>
-                      </a:rPr>
-                      <m:t>k</m:t>
-                    </m:r>
-                    <m:rad>
-                      <m:radPr>
-                        <m:degHide m:val="on"/>
-                        <m:ctrlPr>
-                          <a:rPr lang="nl-NL" i="1">
-                            <a:latin typeface="Cambria Math" panose="02040503050406030204" pitchFamily="18" charset="0"/>
-                          </a:rPr>
-                        </m:ctrlPr>
-                      </m:radPr>
-                      <m:deg/>
-                      <m:e>
-                        <m:r>
-                          <a:rPr lang="nl-NL" b="0" i="1" smtClean="0">
-                            <a:latin typeface="Cambria Math" panose="02040503050406030204" pitchFamily="18" charset="0"/>
-                          </a:rPr>
-                          <m:t>1−</m:t>
-                        </m:r>
-                        <m:sSup>
-                          <m:sSupPr>
-                            <m:ctrlPr>
-                              <a:rPr lang="nl-NL" i="1">
-                                <a:latin typeface="Cambria Math" panose="02040503050406030204" pitchFamily="18" charset="0"/>
-                              </a:rPr>
-                            </m:ctrlPr>
-                          </m:sSupPr>
-                          <m:e>
-                            <m:r>
-                              <m:rPr>
-                                <m:nor/>
-                              </m:rPr>
-                              <a:rPr lang="el-GR" dirty="0"/>
-                              <m:t>μ</m:t>
-                            </m:r>
-                          </m:e>
-                          <m:sup>
-                            <m:r>
-                              <a:rPr lang="nl-NL" i="1">
-                                <a:latin typeface="Cambria Math" panose="02040503050406030204" pitchFamily="18" charset="0"/>
-                              </a:rPr>
-                              <m:t>2</m:t>
-                            </m:r>
-                          </m:sup>
-                        </m:sSup>
-                      </m:e>
-                    </m:rad>
-                  </m:oMath>
-                </a14:m>
-                <a:r>
-                  <a:rPr lang="nl-NL" dirty="0"/>
-                  <a:t>, </a:t>
-                </a:r>
-                <a14:m>
-                  <m:oMath xmlns:m="http://schemas.openxmlformats.org/officeDocument/2006/math">
-                    <m:sSub>
-                      <m:sSubPr>
-                        <m:ctrlPr>
-                          <a:rPr lang="nl-NL" i="1">
-                            <a:latin typeface="Cambria Math" panose="02040503050406030204" pitchFamily="18" charset="0"/>
-                          </a:rPr>
-                        </m:ctrlPr>
-                      </m:sSubPr>
-                      <m:e>
-                        <m:r>
-                          <a:rPr lang="nl-NL" i="1">
-                            <a:latin typeface="Cambria Math" panose="02040503050406030204" pitchFamily="18" charset="0"/>
-                          </a:rPr>
-                          <m:t>𝑘</m:t>
-                        </m:r>
-                      </m:e>
-                      <m:sub>
-                        <m:r>
-                          <a:rPr lang="nl-NL" i="1">
-                            <a:latin typeface="Cambria Math" panose="02040503050406030204" pitchFamily="18" charset="0"/>
-                            <a:ea typeface="Cambria Math" panose="02040503050406030204" pitchFamily="18" charset="0"/>
-                          </a:rPr>
-                          <m:t>=</m:t>
-                        </m:r>
-                      </m:sub>
-                    </m:sSub>
-                  </m:oMath>
-                </a14:m>
-                <a:r>
-                  <a:rPr lang="nl-NL" dirty="0"/>
-                  <a:t> = k</a:t>
-                </a:r>
-                <a:r>
-                  <a:rPr lang="el-GR" dirty="0"/>
-                  <a:t>μ</a:t>
-                </a:r>
-                <a:r>
-                  <a:rPr lang="nl-NL" dirty="0"/>
-                  <a:t>}</a:t>
-                </a:r>
-              </a:p>
-              <a:p>
-                <a:r>
-                  <a:rPr lang="nl-NL" dirty="0" err="1"/>
-                  <a:t>However</a:t>
-                </a:r>
-                <a:r>
-                  <a:rPr lang="nl-NL" dirty="0"/>
-                  <a:t>, missing </a:t>
-                </a:r>
-                <a:r>
-                  <a:rPr lang="nl-NL" dirty="0" err="1"/>
-                  <a:t>grid</a:t>
-                </a:r>
-                <a:r>
-                  <a:rPr lang="nl-NL" dirty="0"/>
-                  <a:t> points at low </a:t>
-                </a:r>
-                <a:r>
-                  <a:rPr lang="el-GR" dirty="0"/>
-                  <a:t>θ</a:t>
-                </a:r>
-                <a:r>
-                  <a:rPr lang="nl-NL" dirty="0"/>
-                  <a:t>! </a:t>
-                </a:r>
-              </a:p>
-              <a:p>
-                <a:pPr lvl="1"/>
-                <a:r>
-                  <a:rPr lang="nl-NL" dirty="0"/>
-                  <a:t>Solution: </a:t>
-                </a:r>
-                <a:r>
-                  <a:rPr lang="nl-NL" dirty="0" err="1"/>
-                  <a:t>custom</a:t>
-                </a:r>
-                <a:r>
-                  <a:rPr lang="nl-NL" dirty="0"/>
-                  <a:t> basis </a:t>
-                </a:r>
-                <a14:m>
-                  <m:oMath xmlns:m="http://schemas.openxmlformats.org/officeDocument/2006/math">
-                    <m:sSub>
-                      <m:sSubPr>
-                        <m:ctrlPr>
-                          <a:rPr lang="nl-NL" i="1" smtClean="0">
-                            <a:latin typeface="Cambria Math" panose="02040503050406030204" pitchFamily="18" charset="0"/>
-                          </a:rPr>
-                        </m:ctrlPr>
-                      </m:sSubPr>
-                      <m:e>
-                        <m:r>
-                          <a:rPr lang="nl-NL" b="0" i="1" smtClean="0">
-                            <a:latin typeface="Cambria Math" panose="02040503050406030204" pitchFamily="18" charset="0"/>
-                          </a:rPr>
-                          <m:t>𝑘</m:t>
-                        </m:r>
-                      </m:e>
-                      <m:sub>
-                        <m:r>
-                          <m:rPr>
-                            <m:nor/>
-                          </m:rPr>
-                          <a:rPr lang="en-GB" b="1"/>
-                          <m:t>⊥</m:t>
-                        </m:r>
-                      </m:sub>
-                    </m:sSub>
-                  </m:oMath>
-                </a14:m>
-                <a:r>
-                  <a:rPr lang="nl-NL" dirty="0"/>
-                  <a:t> = </a:t>
-                </a:r>
-                <a14:m>
-                  <m:oMath xmlns:m="http://schemas.openxmlformats.org/officeDocument/2006/math">
-                    <m:rad>
-                      <m:radPr>
-                        <m:degHide m:val="on"/>
-                        <m:ctrlPr>
-                          <a:rPr lang="nl-NL" i="1" smtClean="0">
-                            <a:latin typeface="Cambria Math" panose="02040503050406030204" pitchFamily="18" charset="0"/>
-                          </a:rPr>
-                        </m:ctrlPr>
-                      </m:radPr>
-                      <m:deg/>
-                      <m:e>
-                        <m:sSup>
-                          <m:sSupPr>
-                            <m:ctrlPr>
-                              <a:rPr lang="nl-NL" i="1" smtClean="0">
-                                <a:latin typeface="Cambria Math" panose="02040503050406030204" pitchFamily="18" charset="0"/>
-                              </a:rPr>
-                            </m:ctrlPr>
-                          </m:sSupPr>
-                          <m:e>
-                            <m:sSub>
-                              <m:sSubPr>
-                                <m:ctrlPr>
-                                  <a:rPr lang="nl-NL" i="1" smtClean="0">
-                                    <a:latin typeface="Cambria Math" panose="02040503050406030204" pitchFamily="18" charset="0"/>
-                                  </a:rPr>
-                                </m:ctrlPr>
-                              </m:sSubPr>
-                              <m:e>
-                                <m:r>
-                                  <a:rPr lang="nl-NL" b="0" i="1" smtClean="0">
-                                    <a:latin typeface="Cambria Math" panose="02040503050406030204" pitchFamily="18" charset="0"/>
-                                  </a:rPr>
-                                  <m:t>𝑘</m:t>
-                                </m:r>
-                              </m:e>
-                              <m:sub>
-                                <m:r>
-                                  <a:rPr lang="nl-NL" b="0" i="1" smtClean="0">
-                                    <a:latin typeface="Cambria Math" panose="02040503050406030204" pitchFamily="18" charset="0"/>
-                                  </a:rPr>
-                                  <m:t>𝑥</m:t>
-                                </m:r>
-                              </m:sub>
-                            </m:sSub>
-                          </m:e>
-                          <m:sup>
-                            <m:r>
-                              <a:rPr lang="nl-NL" b="0" i="1" smtClean="0">
-                                <a:latin typeface="Cambria Math" panose="02040503050406030204" pitchFamily="18" charset="0"/>
-                              </a:rPr>
-                              <m:t>2</m:t>
-                            </m:r>
-                          </m:sup>
-                        </m:sSup>
-                        <m:r>
-                          <a:rPr lang="nl-NL" b="0" i="1" smtClean="0">
-                            <a:latin typeface="Cambria Math" panose="02040503050406030204" pitchFamily="18" charset="0"/>
-                          </a:rPr>
-                          <m:t>+</m:t>
-                        </m:r>
-                        <m:sSup>
-                          <m:sSupPr>
-                            <m:ctrlPr>
-                              <a:rPr lang="nl-NL" b="0" i="1" smtClean="0">
-                                <a:latin typeface="Cambria Math" panose="02040503050406030204" pitchFamily="18" charset="0"/>
-                              </a:rPr>
-                            </m:ctrlPr>
-                          </m:sSupPr>
-                          <m:e>
-                            <m:sSub>
-                              <m:sSubPr>
-                                <m:ctrlPr>
-                                  <a:rPr lang="nl-NL" b="0" i="1" smtClean="0">
-                                    <a:latin typeface="Cambria Math" panose="02040503050406030204" pitchFamily="18" charset="0"/>
-                                  </a:rPr>
-                                </m:ctrlPr>
-                              </m:sSubPr>
-                              <m:e>
-                                <m:r>
-                                  <a:rPr lang="nl-NL" b="0" i="1" smtClean="0">
-                                    <a:latin typeface="Cambria Math" panose="02040503050406030204" pitchFamily="18" charset="0"/>
-                                  </a:rPr>
-                                  <m:t>𝑘</m:t>
-                                </m:r>
-                              </m:e>
-                              <m:sub>
-                                <m:r>
-                                  <a:rPr lang="nl-NL" b="0" i="1" smtClean="0">
-                                    <a:latin typeface="Cambria Math" panose="02040503050406030204" pitchFamily="18" charset="0"/>
-                                  </a:rPr>
-                                  <m:t>𝑦</m:t>
-                                </m:r>
-                              </m:sub>
-                            </m:sSub>
-                          </m:e>
-                          <m:sup>
-                            <m:r>
-                              <a:rPr lang="nl-NL" b="0" i="1" smtClean="0">
-                                <a:latin typeface="Cambria Math" panose="02040503050406030204" pitchFamily="18" charset="0"/>
-                              </a:rPr>
-                              <m:t>2</m:t>
-                            </m:r>
-                          </m:sup>
-                        </m:sSup>
-                      </m:e>
-                    </m:rad>
-                  </m:oMath>
-                </a14:m>
-                <a:r>
-                  <a:rPr lang="nl-NL" dirty="0"/>
-                  <a:t> and </a:t>
-                </a:r>
-                <a14:m>
-                  <m:oMath xmlns:m="http://schemas.openxmlformats.org/officeDocument/2006/math">
-                    <m:sSub>
-                      <m:sSubPr>
-                        <m:ctrlPr>
-                          <a:rPr lang="nl-NL" i="1" smtClean="0">
-                            <a:latin typeface="Cambria Math" panose="02040503050406030204" pitchFamily="18" charset="0"/>
-                          </a:rPr>
-                        </m:ctrlPr>
-                      </m:sSubPr>
-                      <m:e>
-                        <m:r>
-                          <a:rPr lang="nl-NL" b="0" i="1" smtClean="0">
-                            <a:latin typeface="Cambria Math" panose="02040503050406030204" pitchFamily="18" charset="0"/>
-                          </a:rPr>
-                          <m:t>𝑘</m:t>
-                        </m:r>
-                      </m:e>
-                      <m:sub>
-                        <m:r>
-                          <a:rPr lang="nl-NL" i="1" smtClean="0">
-                            <a:latin typeface="Cambria Math" panose="02040503050406030204" pitchFamily="18" charset="0"/>
-                            <a:ea typeface="Cambria Math" panose="02040503050406030204" pitchFamily="18" charset="0"/>
-                          </a:rPr>
-                          <m:t>=</m:t>
-                        </m:r>
-                      </m:sub>
-                    </m:sSub>
-                    <m:r>
-                      <a:rPr lang="nl-NL" b="0" i="0" smtClean="0">
-                        <a:latin typeface="Cambria Math" panose="02040503050406030204" pitchFamily="18" charset="0"/>
-                      </a:rPr>
-                      <m:t>=</m:t>
-                    </m:r>
-                    <m:sSub>
-                      <m:sSubPr>
-                        <m:ctrlPr>
-                          <a:rPr lang="nl-NL" b="0" i="1" smtClean="0">
-                            <a:latin typeface="Cambria Math" panose="02040503050406030204" pitchFamily="18" charset="0"/>
-                          </a:rPr>
-                        </m:ctrlPr>
-                      </m:sSubPr>
-                      <m:e>
-                        <m:r>
-                          <a:rPr lang="nl-NL" b="0" i="1" smtClean="0">
-                            <a:latin typeface="Cambria Math" panose="02040503050406030204" pitchFamily="18" charset="0"/>
-                          </a:rPr>
-                          <m:t>𝑘</m:t>
-                        </m:r>
-                      </m:e>
-                      <m:sub>
-                        <m:r>
-                          <a:rPr lang="nl-NL" b="0" i="1" smtClean="0">
-                            <a:latin typeface="Cambria Math" panose="02040503050406030204" pitchFamily="18" charset="0"/>
-                          </a:rPr>
-                          <m:t>𝑧</m:t>
-                        </m:r>
-                      </m:sub>
-                    </m:sSub>
-                  </m:oMath>
-                </a14:m>
-                <a:endParaRPr lang="nl-NL" dirty="0"/>
-              </a:p>
-              <a:p>
-                <a:r>
-                  <a:rPr lang="nl-NL" dirty="0" err="1"/>
-                  <a:t>Compute</a:t>
-                </a:r>
-                <a:r>
-                  <a:rPr lang="nl-NL" dirty="0"/>
-                  <a:t> 2D power P(k) </a:t>
-                </a:r>
-                <a:r>
-                  <a:rPr lang="nl-NL" dirty="0" err="1"/>
-                  <a:t>grids</a:t>
-                </a:r>
-                <a:r>
-                  <a:rPr lang="nl-NL" dirty="0"/>
-                  <a:t> </a:t>
-                </a:r>
-                <a:r>
-                  <a:rPr lang="nl-NL" dirty="0" err="1"/>
-                  <a:t>for</a:t>
-                </a:r>
-                <a:r>
-                  <a:rPr lang="nl-NL" dirty="0"/>
-                  <a:t> </a:t>
-                </a:r>
-                <a:r>
-                  <a:rPr lang="nl-NL" dirty="0" err="1"/>
-                  <a:t>both</a:t>
-                </a:r>
-                <a:r>
-                  <a:rPr lang="nl-NL" dirty="0"/>
-                  <a:t> real- and </a:t>
-                </a:r>
-                <a:r>
-                  <a:rPr lang="nl-NL" dirty="0" err="1"/>
-                  <a:t>redshift-space</a:t>
-                </a:r>
-                <a:r>
-                  <a:rPr lang="nl-NL" dirty="0"/>
-                  <a:t> </a:t>
-                </a:r>
-                <a:r>
-                  <a:rPr lang="nl-NL" dirty="0" err="1"/>
-                  <a:t>positions</a:t>
-                </a:r>
-                <a:endParaRPr lang="nl-NL" dirty="0"/>
-              </a:p>
-              <a:p>
-                <a:endParaRPr lang="en-GB" dirty="0"/>
-              </a:p>
-            </p:txBody>
-          </p:sp>
-        </mc:Choice>
-        <mc:Fallback>
-          <p:sp>
-            <p:nvSpPr>
-              <p:cNvPr id="3" name="Content Placeholder 2">
-                <a:extLst>
-                  <a:ext uri="{FF2B5EF4-FFF2-40B4-BE49-F238E27FC236}">
-                    <a16:creationId xmlns:a16="http://schemas.microsoft.com/office/drawing/2014/main" id="{ED3A0075-ECC0-B9BF-83D3-F9F61CD66EC2}"/>
-                  </a:ext>
-                </a:extLst>
-              </p:cNvPr>
-              <p:cNvSpPr>
-                <a:spLocks noGrp="1" noRot="1" noChangeAspect="1" noMove="1" noResize="1" noEditPoints="1" noAdjustHandles="1" noChangeArrowheads="1" noChangeShapeType="1" noTextEdit="1"/>
-              </p:cNvSpPr>
-              <p:nvPr>
-                <p:ph idx="1"/>
-              </p:nvPr>
-            </p:nvSpPr>
-            <p:spPr>
-              <a:xfrm>
-                <a:off x="838200" y="1825625"/>
-                <a:ext cx="6010470" cy="4351338"/>
-              </a:xfrm>
-              <a:blipFill>
-                <a:blip r:embed="rId2"/>
-                <a:stretch>
-                  <a:fillRect l="-1827" t="-2241" r="-1624" b="-140"/>
-                </a:stretch>
-              </a:blipFill>
-            </p:spPr>
-            <p:txBody>
-              <a:bodyPr/>
-              <a:lstStyle/>
-              <a:p>
-                <a:r>
-                  <a:rPr lang="en-GB">
-                    <a:noFill/>
-                  </a:rPr>
-                  <a:t> </a:t>
-                </a:r>
-              </a:p>
-            </p:txBody>
-          </p:sp>
-        </mc:Fallback>
-      </mc:AlternateContent>
-      <p:pic>
-        <p:nvPicPr>
-          <p:cNvPr id="5" name="Picture 4">
-            <a:extLst>
-              <a:ext uri="{FF2B5EF4-FFF2-40B4-BE49-F238E27FC236}">
-                <a16:creationId xmlns:a16="http://schemas.microsoft.com/office/drawing/2014/main" id="{FEAB818C-51B4-8C49-3581-DF4E1056ED83}"/>
-              </a:ext>
-            </a:extLst>
-          </p:cNvPr>
-          <p:cNvPicPr>
-            <a:picLocks noChangeAspect="1"/>
-          </p:cNvPicPr>
-          <p:nvPr/>
-        </p:nvPicPr>
-        <p:blipFill>
-          <a:blip r:embed="rId3">
-            <a:extLst>
-              <a:ext uri="{28A0092B-C50C-407E-A947-70E740481C1C}">
-                <a14:useLocalDpi xmlns:a14="http://schemas.microsoft.com/office/drawing/2010/main" val="0"/>
-              </a:ext>
-            </a:extLst>
-          </a:blip>
-          <a:stretch>
-            <a:fillRect/>
-          </a:stretch>
-        </p:blipFill>
-        <p:spPr>
-          <a:xfrm>
-            <a:off x="7555733" y="2893721"/>
-            <a:ext cx="4458986" cy="3553118"/>
-          </a:xfrm>
-          <a:prstGeom prst="rect">
-            <a:avLst/>
-          </a:prstGeom>
-        </p:spPr>
-      </p:pic>
-      <p:pic>
-        <p:nvPicPr>
-          <p:cNvPr id="9" name="Picture 8">
-            <a:extLst>
-              <a:ext uri="{FF2B5EF4-FFF2-40B4-BE49-F238E27FC236}">
-                <a16:creationId xmlns:a16="http://schemas.microsoft.com/office/drawing/2014/main" id="{DF2EA79E-D726-F6C0-7C33-07DC016FB755}"/>
-              </a:ext>
-            </a:extLst>
-          </p:cNvPr>
-          <p:cNvPicPr>
-            <a:picLocks noChangeAspect="1"/>
-          </p:cNvPicPr>
-          <p:nvPr/>
-        </p:nvPicPr>
-        <p:blipFill>
-          <a:blip r:embed="rId4">
-            <a:extLst>
-              <a:ext uri="{28A0092B-C50C-407E-A947-70E740481C1C}">
-                <a14:useLocalDpi xmlns:a14="http://schemas.microsoft.com/office/drawing/2010/main" val="0"/>
-              </a:ext>
-            </a:extLst>
-          </a:blip>
-          <a:stretch>
-            <a:fillRect/>
-          </a:stretch>
-        </p:blipFill>
-        <p:spPr>
-          <a:xfrm>
-            <a:off x="8714793" y="1"/>
-            <a:ext cx="3477208" cy="2528596"/>
-          </a:xfrm>
-          <a:prstGeom prst="rect">
-            <a:avLst/>
-          </a:prstGeom>
-        </p:spPr>
-      </p:pic>
-    </p:spTree>
-    <p:extLst>
-      <p:ext uri="{BB962C8B-B14F-4D97-AF65-F5344CB8AC3E}">
-        <p14:creationId xmlns:p14="http://schemas.microsoft.com/office/powerpoint/2010/main" val="2827666373"/>
-      </p:ext>
-    </p:extLst>
-  </p:cSld>
-  <p:clrMapOvr>
-    <a:masterClrMapping/>
-  </p:clrMapOvr>
-</p:sld>
-</file>
-
-<file path=ppt/slides/slide8.xml><?xml version="1.0" encoding="utf-8"?>
-<p:sld xmlns:a="http://schemas.openxmlformats.org/drawingml/2006/main" xmlns:r="http://schemas.openxmlformats.org/officeDocument/2006/relationships" xmlns:p="http://schemas.openxmlformats.org/presentationml/2006/main">
-  <p:cSld>
-    <p:spTree>
-      <p:nvGrpSpPr>
-        <p:cNvPr id="1" name=""/>
-        <p:cNvGrpSpPr/>
-        <p:nvPr/>
-      </p:nvGrpSpPr>
-      <p:grpSpPr>
-        <a:xfrm>
-          <a:off x="0" y="0"/>
-          <a:ext cx="0" cy="0"/>
-          <a:chOff x="0" y="0"/>
-          <a:chExt cx="0" cy="0"/>
-        </a:xfrm>
-      </p:grpSpPr>
-      <p:sp>
-        <p:nvSpPr>
-          <p:cNvPr id="2" name="Title 1">
-            <a:extLst>
-              <a:ext uri="{FF2B5EF4-FFF2-40B4-BE49-F238E27FC236}">
                 <a16:creationId xmlns:a16="http://schemas.microsoft.com/office/drawing/2014/main" id="{559E0EA6-67E6-4D2D-02AD-BE2E15230A34}"/>
               </a:ext>
             </a:extLst>
@@ -6664,7 +4099,7 @@
 </p:sld>
 </file>
 
-<file path=ppt/slides/slide9.xml><?xml version="1.0" encoding="utf-8"?>
+<file path=ppt/slides/slide11.xml><?xml version="1.0" encoding="utf-8"?>
 <p:sld xmlns:a="http://schemas.openxmlformats.org/drawingml/2006/main" xmlns:r="http://schemas.openxmlformats.org/officeDocument/2006/relationships" xmlns:p="http://schemas.openxmlformats.org/presentationml/2006/main">
   <p:cSld>
     <p:spTree>
@@ -7332,6 +4767,3993 @@
     <p:extLst>
       <p:ext uri="{BB962C8B-B14F-4D97-AF65-F5344CB8AC3E}">
         <p14:creationId xmlns:p14="http://schemas.microsoft.com/office/powerpoint/2010/main" val="2833281364"/>
+      </p:ext>
+    </p:extLst>
+  </p:cSld>
+  <p:clrMapOvr>
+    <a:masterClrMapping/>
+  </p:clrMapOvr>
+</p:sld>
+</file>
+
+<file path=ppt/slides/slide12.xml><?xml version="1.0" encoding="utf-8"?>
+<p:sld xmlns:a="http://schemas.openxmlformats.org/drawingml/2006/main" xmlns:r="http://schemas.openxmlformats.org/officeDocument/2006/relationships" xmlns:p="http://schemas.openxmlformats.org/presentationml/2006/main">
+  <p:cSld>
+    <p:spTree>
+      <p:nvGrpSpPr>
+        <p:cNvPr id="1" name=""/>
+        <p:cNvGrpSpPr/>
+        <p:nvPr/>
+      </p:nvGrpSpPr>
+      <p:grpSpPr>
+        <a:xfrm>
+          <a:off x="0" y="0"/>
+          <a:ext cx="0" cy="0"/>
+          <a:chOff x="0" y="0"/>
+          <a:chExt cx="0" cy="0"/>
+        </a:xfrm>
+      </p:grpSpPr>
+      <p:sp>
+        <p:nvSpPr>
+          <p:cNvPr id="2" name="Title 1">
+            <a:extLst>
+              <a:ext uri="{FF2B5EF4-FFF2-40B4-BE49-F238E27FC236}">
+                <a16:creationId xmlns:a16="http://schemas.microsoft.com/office/drawing/2014/main" id="{9D9E7739-F862-FE3B-4215-9F6CD9D51B4D}"/>
+              </a:ext>
+            </a:extLst>
+          </p:cNvPr>
+          <p:cNvSpPr>
+            <a:spLocks noGrp="1"/>
+          </p:cNvSpPr>
+          <p:nvPr>
+            <p:ph type="title"/>
+          </p:nvPr>
+        </p:nvSpPr>
+        <p:spPr/>
+        <p:txBody>
+          <a:bodyPr/>
+          <a:lstStyle/>
+          <a:p>
+            <a:r>
+              <a:rPr lang="nl-NL" b="1" dirty="0" err="1"/>
+              <a:t>Methods</a:t>
+            </a:r>
+            <a:r>
+              <a:rPr lang="nl-NL" b="1" dirty="0"/>
+              <a:t>: different </a:t>
+            </a:r>
+            <a:r>
+              <a:rPr lang="nl-NL" b="1" dirty="0" err="1"/>
+              <a:t>simulations</a:t>
+            </a:r>
+            <a:endParaRPr lang="en-GB" b="1" dirty="0"/>
+          </a:p>
+        </p:txBody>
+      </p:sp>
+      <p:sp>
+        <p:nvSpPr>
+          <p:cNvPr id="3" name="Content Placeholder 2">
+            <a:extLst>
+              <a:ext uri="{FF2B5EF4-FFF2-40B4-BE49-F238E27FC236}">
+                <a16:creationId xmlns:a16="http://schemas.microsoft.com/office/drawing/2014/main" id="{915AC7F3-F027-462D-CCBA-8D21F19B8903}"/>
+              </a:ext>
+            </a:extLst>
+          </p:cNvPr>
+          <p:cNvSpPr>
+            <a:spLocks noGrp="1"/>
+          </p:cNvSpPr>
+          <p:nvPr>
+            <p:ph idx="1"/>
+          </p:nvPr>
+        </p:nvSpPr>
+        <p:spPr/>
+        <p:txBody>
+          <a:bodyPr/>
+          <a:lstStyle/>
+          <a:p>
+            <a:r>
+              <a:rPr lang="nl-NL" dirty="0" err="1"/>
+              <a:t>Logaritmic</a:t>
+            </a:r>
+            <a:r>
+              <a:rPr lang="nl-NL" dirty="0"/>
+              <a:t> </a:t>
+            </a:r>
+            <a:r>
+              <a:rPr lang="nl-NL" dirty="0" err="1"/>
+              <a:t>mass</a:t>
+            </a:r>
+            <a:r>
+              <a:rPr lang="nl-NL" dirty="0"/>
+              <a:t> bins</a:t>
+            </a:r>
+          </a:p>
+          <a:p>
+            <a:r>
+              <a:rPr lang="nl-NL" dirty="0" err="1"/>
+              <a:t>Higher</a:t>
+            </a:r>
+            <a:r>
+              <a:rPr lang="nl-NL" dirty="0"/>
+              <a:t> </a:t>
+            </a:r>
+            <a:r>
+              <a:rPr lang="nl-NL" dirty="0" err="1"/>
+              <a:t>redshifts</a:t>
+            </a:r>
+            <a:endParaRPr lang="nl-NL" dirty="0"/>
+          </a:p>
+          <a:p>
+            <a:r>
+              <a:rPr lang="nl-NL" dirty="0" err="1"/>
+              <a:t>Vary</a:t>
+            </a:r>
+            <a:r>
+              <a:rPr lang="nl-NL" dirty="0"/>
+              <a:t> AGN feedback </a:t>
+            </a:r>
+            <a:r>
+              <a:rPr lang="nl-NL" dirty="0" err="1"/>
+              <a:t>strength</a:t>
+            </a:r>
+            <a:r>
+              <a:rPr lang="nl-NL" dirty="0"/>
+              <a:t> </a:t>
+            </a:r>
+            <a:endParaRPr lang="en-GB" dirty="0"/>
+          </a:p>
+        </p:txBody>
+      </p:sp>
+    </p:spTree>
+    <p:extLst>
+      <p:ext uri="{BB962C8B-B14F-4D97-AF65-F5344CB8AC3E}">
+        <p14:creationId xmlns:p14="http://schemas.microsoft.com/office/powerpoint/2010/main" val="2263237579"/>
+      </p:ext>
+    </p:extLst>
+  </p:cSld>
+  <p:clrMapOvr>
+    <a:masterClrMapping/>
+  </p:clrMapOvr>
+</p:sld>
+</file>
+
+<file path=ppt/slides/slide13.xml><?xml version="1.0" encoding="utf-8"?>
+<p:sld xmlns:a="http://schemas.openxmlformats.org/drawingml/2006/main" xmlns:r="http://schemas.openxmlformats.org/officeDocument/2006/relationships" xmlns:p="http://schemas.openxmlformats.org/presentationml/2006/main">
+  <p:cSld>
+    <p:spTree>
+      <p:nvGrpSpPr>
+        <p:cNvPr id="1" name=""/>
+        <p:cNvGrpSpPr/>
+        <p:nvPr/>
+      </p:nvGrpSpPr>
+      <p:grpSpPr>
+        <a:xfrm>
+          <a:off x="0" y="0"/>
+          <a:ext cx="0" cy="0"/>
+          <a:chOff x="0" y="0"/>
+          <a:chExt cx="0" cy="0"/>
+        </a:xfrm>
+      </p:grpSpPr>
+      <p:sp>
+        <p:nvSpPr>
+          <p:cNvPr id="2" name="Title 1">
+            <a:extLst>
+              <a:ext uri="{FF2B5EF4-FFF2-40B4-BE49-F238E27FC236}">
+                <a16:creationId xmlns:a16="http://schemas.microsoft.com/office/drawing/2014/main" id="{2E107E6D-6033-2822-0A08-FA9286DE22EC}"/>
+              </a:ext>
+            </a:extLst>
+          </p:cNvPr>
+          <p:cNvSpPr>
+            <a:spLocks noGrp="1"/>
+          </p:cNvSpPr>
+          <p:nvPr>
+            <p:ph type="title"/>
+          </p:nvPr>
+        </p:nvSpPr>
+        <p:spPr/>
+        <p:txBody>
+          <a:bodyPr/>
+          <a:lstStyle/>
+          <a:p>
+            <a:r>
+              <a:rPr lang="nl-NL" b="1" dirty="0" err="1"/>
+              <a:t>Results</a:t>
+            </a:r>
+            <a:r>
+              <a:rPr lang="nl-NL" b="1" dirty="0"/>
+              <a:t>: Full </a:t>
+            </a:r>
+            <a:r>
+              <a:rPr lang="nl-NL" b="1" dirty="0" err="1"/>
+              <a:t>grids</a:t>
+            </a:r>
+            <a:r>
+              <a:rPr lang="nl-NL" b="1" dirty="0"/>
+              <a:t> </a:t>
+            </a:r>
+            <a:endParaRPr lang="en-GB" b="1" dirty="0"/>
+          </a:p>
+        </p:txBody>
+      </p:sp>
+      <p:sp>
+        <p:nvSpPr>
+          <p:cNvPr id="3" name="Content Placeholder 2">
+            <a:extLst>
+              <a:ext uri="{FF2B5EF4-FFF2-40B4-BE49-F238E27FC236}">
+                <a16:creationId xmlns:a16="http://schemas.microsoft.com/office/drawing/2014/main" id="{7CF290DC-76B9-C560-D4A5-AD5AEA652CD2}"/>
+              </a:ext>
+            </a:extLst>
+          </p:cNvPr>
+          <p:cNvSpPr>
+            <a:spLocks noGrp="1"/>
+          </p:cNvSpPr>
+          <p:nvPr>
+            <p:ph idx="1"/>
+          </p:nvPr>
+        </p:nvSpPr>
+        <p:spPr/>
+        <p:txBody>
+          <a:bodyPr/>
+          <a:lstStyle/>
+          <a:p>
+            <a:r>
+              <a:rPr lang="nl-NL" dirty="0"/>
+              <a:t>The full</a:t>
+            </a:r>
+            <a:endParaRPr lang="en-GB" dirty="0"/>
+          </a:p>
+        </p:txBody>
+      </p:sp>
+    </p:spTree>
+    <p:extLst>
+      <p:ext uri="{BB962C8B-B14F-4D97-AF65-F5344CB8AC3E}">
+        <p14:creationId xmlns:p14="http://schemas.microsoft.com/office/powerpoint/2010/main" val="2721832148"/>
+      </p:ext>
+    </p:extLst>
+  </p:cSld>
+  <p:clrMapOvr>
+    <a:masterClrMapping/>
+  </p:clrMapOvr>
+</p:sld>
+</file>
+
+<file path=ppt/slides/slide14.xml><?xml version="1.0" encoding="utf-8"?>
+<p:sld xmlns:a="http://schemas.openxmlformats.org/drawingml/2006/main" xmlns:r="http://schemas.openxmlformats.org/officeDocument/2006/relationships" xmlns:p="http://schemas.openxmlformats.org/presentationml/2006/main">
+  <p:cSld>
+    <p:spTree>
+      <p:nvGrpSpPr>
+        <p:cNvPr id="1" name=""/>
+        <p:cNvGrpSpPr/>
+        <p:nvPr/>
+      </p:nvGrpSpPr>
+      <p:grpSpPr>
+        <a:xfrm>
+          <a:off x="0" y="0"/>
+          <a:ext cx="0" cy="0"/>
+          <a:chOff x="0" y="0"/>
+          <a:chExt cx="0" cy="0"/>
+        </a:xfrm>
+      </p:grpSpPr>
+      <p:sp>
+        <p:nvSpPr>
+          <p:cNvPr id="2" name="Title 1">
+            <a:extLst>
+              <a:ext uri="{FF2B5EF4-FFF2-40B4-BE49-F238E27FC236}">
+                <a16:creationId xmlns:a16="http://schemas.microsoft.com/office/drawing/2014/main" id="{8D2A61DC-3E72-4044-B83A-254768B5C036}"/>
+              </a:ext>
+            </a:extLst>
+          </p:cNvPr>
+          <p:cNvSpPr>
+            <a:spLocks noGrp="1"/>
+          </p:cNvSpPr>
+          <p:nvPr>
+            <p:ph type="title"/>
+          </p:nvPr>
+        </p:nvSpPr>
+        <p:spPr/>
+        <p:txBody>
+          <a:bodyPr/>
+          <a:lstStyle/>
+          <a:p>
+            <a:r>
+              <a:rPr lang="nl-NL" dirty="0" err="1"/>
+              <a:t>Results</a:t>
+            </a:r>
+            <a:endParaRPr lang="en-GB" dirty="0"/>
+          </a:p>
+        </p:txBody>
+      </p:sp>
+      <p:sp>
+        <p:nvSpPr>
+          <p:cNvPr id="3" name="Content Placeholder 2">
+            <a:extLst>
+              <a:ext uri="{FF2B5EF4-FFF2-40B4-BE49-F238E27FC236}">
+                <a16:creationId xmlns:a16="http://schemas.microsoft.com/office/drawing/2014/main" id="{FB8345D5-837E-CC21-B558-F0CC71C9C426}"/>
+              </a:ext>
+            </a:extLst>
+          </p:cNvPr>
+          <p:cNvSpPr>
+            <a:spLocks noGrp="1"/>
+          </p:cNvSpPr>
+          <p:nvPr>
+            <p:ph idx="1"/>
+          </p:nvPr>
+        </p:nvSpPr>
+        <p:spPr/>
+        <p:txBody>
+          <a:bodyPr/>
+          <a:lstStyle/>
+          <a:p>
+            <a:endParaRPr lang="en-GB"/>
+          </a:p>
+        </p:txBody>
+      </p:sp>
+    </p:spTree>
+    <p:extLst>
+      <p:ext uri="{BB962C8B-B14F-4D97-AF65-F5344CB8AC3E}">
+        <p14:creationId xmlns:p14="http://schemas.microsoft.com/office/powerpoint/2010/main" val="2426186377"/>
+      </p:ext>
+    </p:extLst>
+  </p:cSld>
+  <p:clrMapOvr>
+    <a:masterClrMapping/>
+  </p:clrMapOvr>
+</p:sld>
+</file>
+
+<file path=ppt/slides/slide15.xml><?xml version="1.0" encoding="utf-8"?>
+<p:sld xmlns:a="http://schemas.openxmlformats.org/drawingml/2006/main" xmlns:r="http://schemas.openxmlformats.org/officeDocument/2006/relationships" xmlns:p="http://schemas.openxmlformats.org/presentationml/2006/main">
+  <p:cSld>
+    <p:spTree>
+      <p:nvGrpSpPr>
+        <p:cNvPr id="1" name=""/>
+        <p:cNvGrpSpPr/>
+        <p:nvPr/>
+      </p:nvGrpSpPr>
+      <p:grpSpPr>
+        <a:xfrm>
+          <a:off x="0" y="0"/>
+          <a:ext cx="0" cy="0"/>
+          <a:chOff x="0" y="0"/>
+          <a:chExt cx="0" cy="0"/>
+        </a:xfrm>
+      </p:grpSpPr>
+      <p:sp>
+        <p:nvSpPr>
+          <p:cNvPr id="2" name="Title 1">
+            <a:extLst>
+              <a:ext uri="{FF2B5EF4-FFF2-40B4-BE49-F238E27FC236}">
+                <a16:creationId xmlns:a16="http://schemas.microsoft.com/office/drawing/2014/main" id="{B297486E-F6E7-220E-9CDC-CE4F4EEDF637}"/>
+              </a:ext>
+            </a:extLst>
+          </p:cNvPr>
+          <p:cNvSpPr>
+            <a:spLocks noGrp="1"/>
+          </p:cNvSpPr>
+          <p:nvPr>
+            <p:ph type="title"/>
+          </p:nvPr>
+        </p:nvSpPr>
+        <p:spPr/>
+        <p:txBody>
+          <a:bodyPr/>
+          <a:lstStyle/>
+          <a:p>
+            <a:r>
+              <a:rPr lang="nl-NL" dirty="0" err="1"/>
+              <a:t>Results</a:t>
+            </a:r>
+            <a:r>
+              <a:rPr lang="nl-NL" dirty="0"/>
+              <a:t>:</a:t>
+            </a:r>
+            <a:endParaRPr lang="en-GB" dirty="0"/>
+          </a:p>
+        </p:txBody>
+      </p:sp>
+      <p:sp>
+        <p:nvSpPr>
+          <p:cNvPr id="3" name="Content Placeholder 2">
+            <a:extLst>
+              <a:ext uri="{FF2B5EF4-FFF2-40B4-BE49-F238E27FC236}">
+                <a16:creationId xmlns:a16="http://schemas.microsoft.com/office/drawing/2014/main" id="{EC926FAB-CF55-EB9F-7101-1E5D846EDEA2}"/>
+              </a:ext>
+            </a:extLst>
+          </p:cNvPr>
+          <p:cNvSpPr>
+            <a:spLocks noGrp="1"/>
+          </p:cNvSpPr>
+          <p:nvPr>
+            <p:ph idx="1"/>
+          </p:nvPr>
+        </p:nvSpPr>
+        <p:spPr/>
+        <p:txBody>
+          <a:bodyPr/>
+          <a:lstStyle/>
+          <a:p>
+            <a:endParaRPr lang="en-GB"/>
+          </a:p>
+        </p:txBody>
+      </p:sp>
+    </p:spTree>
+    <p:extLst>
+      <p:ext uri="{BB962C8B-B14F-4D97-AF65-F5344CB8AC3E}">
+        <p14:creationId xmlns:p14="http://schemas.microsoft.com/office/powerpoint/2010/main" val="3151100015"/>
+      </p:ext>
+    </p:extLst>
+  </p:cSld>
+  <p:clrMapOvr>
+    <a:masterClrMapping/>
+  </p:clrMapOvr>
+</p:sld>
+</file>
+
+<file path=ppt/slides/slide16.xml><?xml version="1.0" encoding="utf-8"?>
+<p:sld xmlns:a="http://schemas.openxmlformats.org/drawingml/2006/main" xmlns:r="http://schemas.openxmlformats.org/officeDocument/2006/relationships" xmlns:p="http://schemas.openxmlformats.org/presentationml/2006/main">
+  <p:cSld>
+    <p:spTree>
+      <p:nvGrpSpPr>
+        <p:cNvPr id="1" name=""/>
+        <p:cNvGrpSpPr/>
+        <p:nvPr/>
+      </p:nvGrpSpPr>
+      <p:grpSpPr>
+        <a:xfrm>
+          <a:off x="0" y="0"/>
+          <a:ext cx="0" cy="0"/>
+          <a:chOff x="0" y="0"/>
+          <a:chExt cx="0" cy="0"/>
+        </a:xfrm>
+      </p:grpSpPr>
+      <p:sp>
+        <p:nvSpPr>
+          <p:cNvPr id="2" name="Title 1">
+            <a:extLst>
+              <a:ext uri="{FF2B5EF4-FFF2-40B4-BE49-F238E27FC236}">
+                <a16:creationId xmlns:a16="http://schemas.microsoft.com/office/drawing/2014/main" id="{9E5E8B86-B449-FEC4-A2DB-D83BA69A4EFE}"/>
+              </a:ext>
+            </a:extLst>
+          </p:cNvPr>
+          <p:cNvSpPr>
+            <a:spLocks noGrp="1"/>
+          </p:cNvSpPr>
+          <p:nvPr>
+            <p:ph type="title"/>
+          </p:nvPr>
+        </p:nvSpPr>
+        <p:spPr/>
+        <p:txBody>
+          <a:bodyPr/>
+          <a:lstStyle/>
+          <a:p>
+            <a:r>
+              <a:rPr lang="nl-NL" dirty="0" err="1"/>
+              <a:t>Discussion</a:t>
+            </a:r>
+            <a:endParaRPr lang="en-GB" dirty="0"/>
+          </a:p>
+        </p:txBody>
+      </p:sp>
+      <p:sp>
+        <p:nvSpPr>
+          <p:cNvPr id="3" name="Content Placeholder 2">
+            <a:extLst>
+              <a:ext uri="{FF2B5EF4-FFF2-40B4-BE49-F238E27FC236}">
+                <a16:creationId xmlns:a16="http://schemas.microsoft.com/office/drawing/2014/main" id="{A806875E-1CF8-2682-B319-0407746A178D}"/>
+              </a:ext>
+            </a:extLst>
+          </p:cNvPr>
+          <p:cNvSpPr>
+            <a:spLocks noGrp="1"/>
+          </p:cNvSpPr>
+          <p:nvPr>
+            <p:ph idx="1"/>
+          </p:nvPr>
+        </p:nvSpPr>
+        <p:spPr/>
+        <p:txBody>
+          <a:bodyPr/>
+          <a:lstStyle/>
+          <a:p>
+            <a:endParaRPr lang="en-GB" dirty="0"/>
+          </a:p>
+        </p:txBody>
+      </p:sp>
+    </p:spTree>
+    <p:extLst>
+      <p:ext uri="{BB962C8B-B14F-4D97-AF65-F5344CB8AC3E}">
+        <p14:creationId xmlns:p14="http://schemas.microsoft.com/office/powerpoint/2010/main" val="2387691971"/>
+      </p:ext>
+    </p:extLst>
+  </p:cSld>
+  <p:clrMapOvr>
+    <a:masterClrMapping/>
+  </p:clrMapOvr>
+</p:sld>
+</file>
+
+<file path=ppt/slides/slide2.xml><?xml version="1.0" encoding="utf-8"?>
+<p:sld xmlns:a="http://schemas.openxmlformats.org/drawingml/2006/main" xmlns:r="http://schemas.openxmlformats.org/officeDocument/2006/relationships" xmlns:p="http://schemas.openxmlformats.org/presentationml/2006/main">
+  <p:cSld>
+    <p:spTree>
+      <p:nvGrpSpPr>
+        <p:cNvPr id="1" name=""/>
+        <p:cNvGrpSpPr/>
+        <p:nvPr/>
+      </p:nvGrpSpPr>
+      <p:grpSpPr>
+        <a:xfrm>
+          <a:off x="0" y="0"/>
+          <a:ext cx="0" cy="0"/>
+          <a:chOff x="0" y="0"/>
+          <a:chExt cx="0" cy="0"/>
+        </a:xfrm>
+      </p:grpSpPr>
+      <p:sp>
+        <p:nvSpPr>
+          <p:cNvPr id="2" name="Titel 1">
+            <a:extLst>
+              <a:ext uri="{FF2B5EF4-FFF2-40B4-BE49-F238E27FC236}">
+                <a16:creationId xmlns:a16="http://schemas.microsoft.com/office/drawing/2014/main" id="{B21D68F6-D7A6-2A5B-7C79-68CE5F941BF4}"/>
+              </a:ext>
+            </a:extLst>
+          </p:cNvPr>
+          <p:cNvSpPr>
+            <a:spLocks noGrp="1"/>
+          </p:cNvSpPr>
+          <p:nvPr>
+            <p:ph type="title"/>
+          </p:nvPr>
+        </p:nvSpPr>
+        <p:spPr/>
+        <p:txBody>
+          <a:bodyPr/>
+          <a:lstStyle/>
+          <a:p>
+            <a:r>
+              <a:rPr lang="nl-NL" b="1" dirty="0"/>
+              <a:t>Contents</a:t>
+            </a:r>
+          </a:p>
+        </p:txBody>
+      </p:sp>
+      <p:sp>
+        <p:nvSpPr>
+          <p:cNvPr id="3" name="Tijdelijke aanduiding voor inhoud 2">
+            <a:extLst>
+              <a:ext uri="{FF2B5EF4-FFF2-40B4-BE49-F238E27FC236}">
+                <a16:creationId xmlns:a16="http://schemas.microsoft.com/office/drawing/2014/main" id="{B7FE4D0E-DBB8-EB84-C5CE-67B226512BD5}"/>
+              </a:ext>
+            </a:extLst>
+          </p:cNvPr>
+          <p:cNvSpPr>
+            <a:spLocks noGrp="1"/>
+          </p:cNvSpPr>
+          <p:nvPr>
+            <p:ph idx="1"/>
+          </p:nvPr>
+        </p:nvSpPr>
+        <p:spPr/>
+        <p:txBody>
+          <a:bodyPr>
+            <a:normAutofit/>
+          </a:bodyPr>
+          <a:lstStyle/>
+          <a:p>
+            <a:r>
+              <a:rPr lang="nl-NL" dirty="0" err="1"/>
+              <a:t>Introduction</a:t>
+            </a:r>
+            <a:endParaRPr lang="nl-NL" dirty="0"/>
+          </a:p>
+          <a:p>
+            <a:r>
+              <a:rPr lang="nl-NL" dirty="0" err="1"/>
+              <a:t>Methodology</a:t>
+            </a:r>
+            <a:endParaRPr lang="nl-NL" dirty="0"/>
+          </a:p>
+          <a:p>
+            <a:pPr lvl="1"/>
+            <a:r>
+              <a:rPr lang="nl-NL" dirty="0"/>
+              <a:t>Galaxy </a:t>
+            </a:r>
+            <a:r>
+              <a:rPr lang="nl-NL" dirty="0" err="1"/>
+              <a:t>catalogue</a:t>
+            </a:r>
+            <a:r>
+              <a:rPr lang="nl-NL" dirty="0"/>
+              <a:t> </a:t>
+            </a:r>
+          </a:p>
+          <a:p>
+            <a:pPr lvl="1"/>
+            <a:r>
+              <a:rPr lang="nl-NL" dirty="0"/>
+              <a:t>Redshift-</a:t>
+            </a:r>
+            <a:r>
+              <a:rPr lang="nl-NL" dirty="0" err="1"/>
+              <a:t>space</a:t>
+            </a:r>
+            <a:r>
+              <a:rPr lang="nl-NL" dirty="0"/>
+              <a:t> </a:t>
+            </a:r>
+            <a:r>
+              <a:rPr lang="nl-NL" dirty="0" err="1"/>
+              <a:t>positions</a:t>
+            </a:r>
+            <a:endParaRPr lang="nl-NL" dirty="0"/>
+          </a:p>
+          <a:p>
+            <a:pPr lvl="1"/>
+            <a:r>
+              <a:rPr lang="nl-NL" dirty="0"/>
+              <a:t>Power spectra</a:t>
+            </a:r>
+          </a:p>
+          <a:p>
+            <a:pPr lvl="1"/>
+            <a:r>
+              <a:rPr lang="nl-NL" dirty="0" err="1"/>
+              <a:t>Modelling</a:t>
+            </a:r>
+            <a:r>
+              <a:rPr lang="nl-NL" dirty="0"/>
+              <a:t> of </a:t>
+            </a:r>
+            <a:r>
+              <a:rPr lang="nl-NL" dirty="0" err="1"/>
+              <a:t>the</a:t>
+            </a:r>
+            <a:r>
+              <a:rPr lang="nl-NL" dirty="0"/>
+              <a:t> RSD </a:t>
+            </a:r>
+          </a:p>
+          <a:p>
+            <a:pPr lvl="1"/>
+            <a:r>
+              <a:rPr lang="nl-NL" dirty="0"/>
+              <a:t>Feedback-</a:t>
+            </a:r>
+            <a:r>
+              <a:rPr lang="nl-NL" dirty="0" err="1"/>
+              <a:t>mechanism</a:t>
+            </a:r>
+            <a:r>
+              <a:rPr lang="nl-NL" dirty="0"/>
+              <a:t> </a:t>
+            </a:r>
+            <a:r>
+              <a:rPr lang="nl-NL" dirty="0" err="1"/>
+              <a:t>variations</a:t>
+            </a:r>
+            <a:endParaRPr lang="nl-NL" dirty="0"/>
+          </a:p>
+          <a:p>
+            <a:r>
+              <a:rPr lang="nl-NL" dirty="0" err="1"/>
+              <a:t>Results</a:t>
+            </a:r>
+            <a:endParaRPr lang="nl-NL" dirty="0"/>
+          </a:p>
+          <a:p>
+            <a:r>
+              <a:rPr lang="nl-NL" dirty="0" err="1"/>
+              <a:t>Discussion</a:t>
+            </a:r>
+            <a:r>
+              <a:rPr lang="nl-NL" dirty="0"/>
+              <a:t> &amp; </a:t>
+            </a:r>
+            <a:r>
+              <a:rPr lang="nl-NL" dirty="0" err="1"/>
+              <a:t>Conclusion</a:t>
+            </a:r>
+            <a:endParaRPr lang="nl-NL" dirty="0"/>
+          </a:p>
+        </p:txBody>
+      </p:sp>
+    </p:spTree>
+    <p:extLst>
+      <p:ext uri="{BB962C8B-B14F-4D97-AF65-F5344CB8AC3E}">
+        <p14:creationId xmlns:p14="http://schemas.microsoft.com/office/powerpoint/2010/main" val="1452752787"/>
+      </p:ext>
+    </p:extLst>
+  </p:cSld>
+  <p:clrMapOvr>
+    <a:masterClrMapping/>
+  </p:clrMapOvr>
+</p:sld>
+</file>
+
+<file path=ppt/slides/slide3.xml><?xml version="1.0" encoding="utf-8"?>
+<p:sld xmlns:a="http://schemas.openxmlformats.org/drawingml/2006/main" xmlns:r="http://schemas.openxmlformats.org/officeDocument/2006/relationships" xmlns:p="http://schemas.openxmlformats.org/presentationml/2006/main">
+  <p:cSld>
+    <p:spTree>
+      <p:nvGrpSpPr>
+        <p:cNvPr id="1" name=""/>
+        <p:cNvGrpSpPr/>
+        <p:nvPr/>
+      </p:nvGrpSpPr>
+      <p:grpSpPr>
+        <a:xfrm>
+          <a:off x="0" y="0"/>
+          <a:ext cx="0" cy="0"/>
+          <a:chOff x="0" y="0"/>
+          <a:chExt cx="0" cy="0"/>
+        </a:xfrm>
+      </p:grpSpPr>
+      <p:sp>
+        <p:nvSpPr>
+          <p:cNvPr id="2" name="Title 1">
+            <a:extLst>
+              <a:ext uri="{FF2B5EF4-FFF2-40B4-BE49-F238E27FC236}">
+                <a16:creationId xmlns:a16="http://schemas.microsoft.com/office/drawing/2014/main" id="{A5A073FE-222C-5781-0E87-2D90A23D5943}"/>
+              </a:ext>
+            </a:extLst>
+          </p:cNvPr>
+          <p:cNvSpPr>
+            <a:spLocks noGrp="1"/>
+          </p:cNvSpPr>
+          <p:nvPr>
+            <p:ph type="title"/>
+          </p:nvPr>
+        </p:nvSpPr>
+        <p:spPr/>
+        <p:txBody>
+          <a:bodyPr/>
+          <a:lstStyle/>
+          <a:p>
+            <a:r>
+              <a:rPr lang="nl-NL" b="1" dirty="0" err="1"/>
+              <a:t>Introduction</a:t>
+            </a:r>
+            <a:r>
+              <a:rPr lang="nl-NL" b="1" dirty="0"/>
+              <a:t>: </a:t>
+            </a:r>
+            <a:r>
+              <a:rPr lang="nl-NL" b="1" dirty="0" err="1"/>
+              <a:t>Historical</a:t>
+            </a:r>
+            <a:r>
+              <a:rPr lang="nl-NL" b="1" dirty="0"/>
+              <a:t> context</a:t>
+            </a:r>
+            <a:endParaRPr lang="en-GB" b="1" dirty="0"/>
+          </a:p>
+        </p:txBody>
+      </p:sp>
+      <p:sp>
+        <p:nvSpPr>
+          <p:cNvPr id="3" name="Content Placeholder 2">
+            <a:extLst>
+              <a:ext uri="{FF2B5EF4-FFF2-40B4-BE49-F238E27FC236}">
+                <a16:creationId xmlns:a16="http://schemas.microsoft.com/office/drawing/2014/main" id="{B81184D5-55AB-E17A-F629-EA305C357C94}"/>
+              </a:ext>
+            </a:extLst>
+          </p:cNvPr>
+          <p:cNvSpPr>
+            <a:spLocks noGrp="1"/>
+          </p:cNvSpPr>
+          <p:nvPr>
+            <p:ph idx="1"/>
+          </p:nvPr>
+        </p:nvSpPr>
+        <p:spPr>
+          <a:xfrm>
+            <a:off x="838199" y="1825625"/>
+            <a:ext cx="5637245" cy="3530146"/>
+          </a:xfrm>
+        </p:spPr>
+        <p:txBody>
+          <a:bodyPr>
+            <a:normAutofit/>
+          </a:bodyPr>
+          <a:lstStyle/>
+          <a:p>
+            <a:r>
+              <a:rPr lang="nl-NL" dirty="0" err="1"/>
+              <a:t>History</a:t>
+            </a:r>
+            <a:r>
+              <a:rPr lang="nl-NL" dirty="0"/>
+              <a:t>: </a:t>
+            </a:r>
+          </a:p>
+          <a:p>
+            <a:pPr lvl="1"/>
+            <a:r>
+              <a:rPr lang="nl-NL" dirty="0"/>
+              <a:t>~150: </a:t>
+            </a:r>
+            <a:r>
+              <a:rPr lang="nl-NL" dirty="0" err="1"/>
+              <a:t>Geocentrism</a:t>
+            </a:r>
+            <a:r>
+              <a:rPr lang="nl-NL" dirty="0"/>
+              <a:t> </a:t>
+            </a:r>
+            <a:r>
+              <a:rPr lang="nl-NL" dirty="0" err="1"/>
+              <a:t>by</a:t>
+            </a:r>
+            <a:r>
+              <a:rPr lang="nl-NL" dirty="0"/>
+              <a:t> </a:t>
+            </a:r>
+            <a:r>
+              <a:rPr lang="nl-NL" dirty="0" err="1"/>
+              <a:t>Ptolemy</a:t>
+            </a:r>
+            <a:endParaRPr lang="nl-NL" dirty="0"/>
+          </a:p>
+          <a:p>
+            <a:pPr lvl="1"/>
+            <a:r>
+              <a:rPr lang="nl-NL" dirty="0"/>
+              <a:t>1543: </a:t>
+            </a:r>
+            <a:r>
+              <a:rPr lang="nl-NL" dirty="0" err="1"/>
+              <a:t>Heliocentrism</a:t>
+            </a:r>
+            <a:r>
+              <a:rPr lang="nl-NL" dirty="0"/>
+              <a:t> </a:t>
+            </a:r>
+            <a:r>
+              <a:rPr lang="nl-NL" dirty="0" err="1"/>
+              <a:t>by</a:t>
+            </a:r>
+            <a:r>
+              <a:rPr lang="nl-NL" dirty="0"/>
+              <a:t> Copernicus</a:t>
+            </a:r>
+          </a:p>
+          <a:p>
+            <a:pPr lvl="1"/>
+            <a:r>
+              <a:rPr lang="nl-NL" dirty="0"/>
+              <a:t>1926: </a:t>
+            </a:r>
+            <a:r>
+              <a:rPr lang="nl-NL" dirty="0" err="1"/>
+              <a:t>Galactrocentrism</a:t>
+            </a:r>
+            <a:r>
+              <a:rPr lang="nl-NL" dirty="0"/>
+              <a:t> </a:t>
+            </a:r>
+            <a:r>
+              <a:rPr lang="nl-NL" dirty="0" err="1"/>
+              <a:t>by</a:t>
+            </a:r>
+            <a:r>
+              <a:rPr lang="nl-NL" dirty="0"/>
+              <a:t> Hubble</a:t>
+            </a:r>
+          </a:p>
+          <a:p>
+            <a:pPr lvl="1"/>
+            <a:r>
+              <a:rPr lang="nl-NL" dirty="0"/>
+              <a:t>1975: </a:t>
+            </a:r>
+            <a:r>
+              <a:rPr lang="nl-NL" dirty="0" err="1"/>
+              <a:t>Acentrism</a:t>
+            </a:r>
+            <a:r>
+              <a:rPr lang="nl-NL" dirty="0"/>
+              <a:t>: shift </a:t>
+            </a:r>
+            <a:r>
+              <a:rPr lang="nl-NL" dirty="0" err="1"/>
+              <a:t>due</a:t>
+            </a:r>
+            <a:r>
+              <a:rPr lang="nl-NL" dirty="0"/>
+              <a:t> </a:t>
+            </a:r>
+            <a:r>
+              <a:rPr lang="nl-NL" dirty="0" err="1"/>
+              <a:t>to</a:t>
+            </a:r>
+            <a:r>
+              <a:rPr lang="nl-NL" dirty="0"/>
+              <a:t> </a:t>
+            </a:r>
+            <a:r>
+              <a:rPr lang="nl-NL" dirty="0" err="1"/>
+              <a:t>Hubble’s</a:t>
+            </a:r>
+            <a:r>
+              <a:rPr lang="nl-NL" dirty="0"/>
+              <a:t> </a:t>
+            </a:r>
+            <a:r>
+              <a:rPr lang="nl-NL" dirty="0" err="1"/>
+              <a:t>observations</a:t>
+            </a:r>
+            <a:r>
+              <a:rPr lang="nl-NL" dirty="0"/>
+              <a:t> of </a:t>
+            </a:r>
+            <a:r>
+              <a:rPr lang="nl-NL" dirty="0" err="1"/>
+              <a:t>distant</a:t>
+            </a:r>
+            <a:r>
+              <a:rPr lang="nl-NL" dirty="0"/>
+              <a:t> </a:t>
+            </a:r>
+            <a:r>
+              <a:rPr lang="nl-NL" dirty="0" err="1"/>
+              <a:t>galaxies</a:t>
+            </a:r>
+            <a:r>
+              <a:rPr lang="nl-NL" dirty="0"/>
+              <a:t>*</a:t>
+            </a:r>
+          </a:p>
+          <a:p>
+            <a:r>
+              <a:rPr lang="en-GB" dirty="0"/>
+              <a:t>*Doppler effect: observed </a:t>
+            </a:r>
+            <a:r>
+              <a:rPr lang="nl-NL" dirty="0"/>
+              <a:t>light from far-</a:t>
+            </a:r>
+            <a:r>
+              <a:rPr lang="nl-NL" dirty="0" err="1"/>
+              <a:t>away</a:t>
+            </a:r>
+            <a:r>
+              <a:rPr lang="nl-NL" dirty="0"/>
+              <a:t> </a:t>
+            </a:r>
+            <a:r>
+              <a:rPr lang="nl-NL" dirty="0" err="1"/>
+              <a:t>galaxies</a:t>
+            </a:r>
+            <a:r>
+              <a:rPr lang="nl-NL" dirty="0"/>
+              <a:t> is </a:t>
+            </a:r>
+            <a:r>
+              <a:rPr lang="nl-NL" dirty="0" err="1"/>
+              <a:t>redshifted</a:t>
+            </a:r>
+            <a:endParaRPr lang="nl-NL" dirty="0"/>
+          </a:p>
+          <a:p>
+            <a:endParaRPr lang="nl-NL" dirty="0"/>
+          </a:p>
+        </p:txBody>
+      </p:sp>
+      <p:pic>
+        <p:nvPicPr>
+          <p:cNvPr id="5" name="Picture 4">
+            <a:extLst>
+              <a:ext uri="{FF2B5EF4-FFF2-40B4-BE49-F238E27FC236}">
+                <a16:creationId xmlns:a16="http://schemas.microsoft.com/office/drawing/2014/main" id="{B4871E6E-04EC-F776-7222-1260123BF6B9}"/>
+              </a:ext>
+            </a:extLst>
+          </p:cNvPr>
+          <p:cNvPicPr>
+            <a:picLocks noChangeAspect="1"/>
+          </p:cNvPicPr>
+          <p:nvPr/>
+        </p:nvPicPr>
+        <p:blipFill>
+          <a:blip r:embed="rId2">
+            <a:extLst>
+              <a:ext uri="{28A0092B-C50C-407E-A947-70E740481C1C}">
+                <a14:useLocalDpi xmlns:a14="http://schemas.microsoft.com/office/drawing/2010/main" val="0"/>
+              </a:ext>
+            </a:extLst>
+          </a:blip>
+          <a:stretch>
+            <a:fillRect/>
+          </a:stretch>
+        </p:blipFill>
+        <p:spPr>
+          <a:xfrm>
+            <a:off x="6905139" y="1242202"/>
+            <a:ext cx="4643049" cy="2893226"/>
+          </a:xfrm>
+          <a:prstGeom prst="rect">
+            <a:avLst/>
+          </a:prstGeom>
+        </p:spPr>
+      </p:pic>
+      <p:pic>
+        <p:nvPicPr>
+          <p:cNvPr id="7" name="Picture 6">
+            <a:extLst>
+              <a:ext uri="{FF2B5EF4-FFF2-40B4-BE49-F238E27FC236}">
+                <a16:creationId xmlns:a16="http://schemas.microsoft.com/office/drawing/2014/main" id="{75B63D73-62B3-5C3D-7CFA-7532F804098F}"/>
+              </a:ext>
+            </a:extLst>
+          </p:cNvPr>
+          <p:cNvPicPr>
+            <a:picLocks noChangeAspect="1"/>
+          </p:cNvPicPr>
+          <p:nvPr/>
+        </p:nvPicPr>
+        <p:blipFill>
+          <a:blip r:embed="rId3">
+            <a:extLst>
+              <a:ext uri="{28A0092B-C50C-407E-A947-70E740481C1C}">
+                <a14:useLocalDpi xmlns:a14="http://schemas.microsoft.com/office/drawing/2010/main" val="0"/>
+              </a:ext>
+            </a:extLst>
+          </a:blip>
+          <a:stretch>
+            <a:fillRect/>
+          </a:stretch>
+        </p:blipFill>
+        <p:spPr>
+          <a:xfrm>
+            <a:off x="7307237" y="4294312"/>
+            <a:ext cx="3777531" cy="2563688"/>
+          </a:xfrm>
+          <a:prstGeom prst="rect">
+            <a:avLst/>
+          </a:prstGeom>
+        </p:spPr>
+      </p:pic>
+      <p:pic>
+        <p:nvPicPr>
+          <p:cNvPr id="9" name="Picture 8">
+            <a:extLst>
+              <a:ext uri="{FF2B5EF4-FFF2-40B4-BE49-F238E27FC236}">
+                <a16:creationId xmlns:a16="http://schemas.microsoft.com/office/drawing/2014/main" id="{7FFBEA02-89D5-4F79-F2E7-F248BC422AED}"/>
+              </a:ext>
+            </a:extLst>
+          </p:cNvPr>
+          <p:cNvPicPr>
+            <a:picLocks noChangeAspect="1"/>
+          </p:cNvPicPr>
+          <p:nvPr/>
+        </p:nvPicPr>
+        <p:blipFill>
+          <a:blip r:embed="rId4">
+            <a:extLst>
+              <a:ext uri="{28A0092B-C50C-407E-A947-70E740481C1C}">
+                <a14:useLocalDpi xmlns:a14="http://schemas.microsoft.com/office/drawing/2010/main" val="0"/>
+              </a:ext>
+            </a:extLst>
+          </a:blip>
+          <a:stretch>
+            <a:fillRect/>
+          </a:stretch>
+        </p:blipFill>
+        <p:spPr>
+          <a:xfrm>
+            <a:off x="1191179" y="5196769"/>
+            <a:ext cx="4931284" cy="1544139"/>
+          </a:xfrm>
+          <a:prstGeom prst="rect">
+            <a:avLst/>
+          </a:prstGeom>
+        </p:spPr>
+      </p:pic>
+    </p:spTree>
+    <p:extLst>
+      <p:ext uri="{BB962C8B-B14F-4D97-AF65-F5344CB8AC3E}">
+        <p14:creationId xmlns:p14="http://schemas.microsoft.com/office/powerpoint/2010/main" val="3144945822"/>
+      </p:ext>
+    </p:extLst>
+  </p:cSld>
+  <p:clrMapOvr>
+    <a:masterClrMapping/>
+  </p:clrMapOvr>
+</p:sld>
+</file>
+
+<file path=ppt/slides/slide4.xml><?xml version="1.0" encoding="utf-8"?>
+<p:sld xmlns:a="http://schemas.openxmlformats.org/drawingml/2006/main" xmlns:r="http://schemas.openxmlformats.org/officeDocument/2006/relationships" xmlns:p="http://schemas.openxmlformats.org/presentationml/2006/main">
+  <p:cSld>
+    <p:spTree>
+      <p:nvGrpSpPr>
+        <p:cNvPr id="1" name=""/>
+        <p:cNvGrpSpPr/>
+        <p:nvPr/>
+      </p:nvGrpSpPr>
+      <p:grpSpPr>
+        <a:xfrm>
+          <a:off x="0" y="0"/>
+          <a:ext cx="0" cy="0"/>
+          <a:chOff x="0" y="0"/>
+          <a:chExt cx="0" cy="0"/>
+        </a:xfrm>
+      </p:grpSpPr>
+      <p:sp>
+        <p:nvSpPr>
+          <p:cNvPr id="2" name="Title 1">
+            <a:extLst>
+              <a:ext uri="{FF2B5EF4-FFF2-40B4-BE49-F238E27FC236}">
+                <a16:creationId xmlns:a16="http://schemas.microsoft.com/office/drawing/2014/main" id="{2BE83AC9-051E-5946-8F9C-9D5D9248C38C}"/>
+              </a:ext>
+            </a:extLst>
+          </p:cNvPr>
+          <p:cNvSpPr>
+            <a:spLocks noGrp="1"/>
+          </p:cNvSpPr>
+          <p:nvPr>
+            <p:ph type="title"/>
+          </p:nvPr>
+        </p:nvSpPr>
+        <p:spPr/>
+        <p:txBody>
+          <a:bodyPr/>
+          <a:lstStyle/>
+          <a:p>
+            <a:r>
+              <a:rPr lang="nl-NL" b="1" dirty="0" err="1"/>
+              <a:t>Introduction</a:t>
+            </a:r>
+            <a:r>
+              <a:rPr lang="nl-NL" b="1" dirty="0"/>
+              <a:t>: The </a:t>
+            </a:r>
+            <a:r>
+              <a:rPr lang="nl-NL" b="1" dirty="0" err="1"/>
+              <a:t>universe</a:t>
+            </a:r>
+            <a:r>
+              <a:rPr lang="nl-NL" b="1" dirty="0"/>
+              <a:t> at </a:t>
+            </a:r>
+            <a:r>
+              <a:rPr lang="nl-NL" b="1" dirty="0" err="1"/>
+              <a:t>the</a:t>
+            </a:r>
+            <a:r>
+              <a:rPr lang="nl-NL" b="1" dirty="0"/>
+              <a:t> </a:t>
+            </a:r>
+            <a:r>
+              <a:rPr lang="nl-NL" b="1" dirty="0" err="1"/>
+              <a:t>largest</a:t>
+            </a:r>
+            <a:r>
+              <a:rPr lang="nl-NL" b="1" dirty="0"/>
+              <a:t> </a:t>
+            </a:r>
+            <a:r>
+              <a:rPr lang="nl-NL" b="1" dirty="0" err="1"/>
+              <a:t>scale</a:t>
+            </a:r>
+            <a:r>
+              <a:rPr lang="nl-NL" b="1" dirty="0"/>
+              <a:t> </a:t>
+            </a:r>
+            <a:endParaRPr lang="en-GB" b="1" dirty="0"/>
+          </a:p>
+        </p:txBody>
+      </p:sp>
+      <mc:AlternateContent xmlns:mc="http://schemas.openxmlformats.org/markup-compatibility/2006">
+        <mc:Choice xmlns:a14="http://schemas.microsoft.com/office/drawing/2010/main" Requires="a14">
+          <p:sp>
+            <p:nvSpPr>
+              <p:cNvPr id="3" name="Content Placeholder 2">
+                <a:extLst>
+                  <a:ext uri="{FF2B5EF4-FFF2-40B4-BE49-F238E27FC236}">
+                    <a16:creationId xmlns:a16="http://schemas.microsoft.com/office/drawing/2014/main" id="{945DEB63-082C-500E-2AB7-1F7EEDED1537}"/>
+                  </a:ext>
+                </a:extLst>
+              </p:cNvPr>
+              <p:cNvSpPr>
+                <a:spLocks noGrp="1"/>
+              </p:cNvSpPr>
+              <p:nvPr>
+                <p:ph idx="1"/>
+              </p:nvPr>
+            </p:nvSpPr>
+            <p:spPr>
+              <a:xfrm>
+                <a:off x="838200" y="1825625"/>
+                <a:ext cx="6047791" cy="4761787"/>
+              </a:xfrm>
+            </p:spPr>
+            <p:txBody>
+              <a:bodyPr>
+                <a:normAutofit fontScale="77500" lnSpcReduction="20000"/>
+              </a:bodyPr>
+              <a:lstStyle/>
+              <a:p>
+                <a:r>
+                  <a:rPr lang="en-GB" dirty="0"/>
+                  <a:t>Tully (1986) discovers Universe has </a:t>
+                </a:r>
+                <a:r>
+                  <a:rPr lang="en-GB" u="sng" dirty="0"/>
+                  <a:t>filament</a:t>
+                </a:r>
+                <a:r>
+                  <a:rPr lang="en-GB" dirty="0"/>
+                  <a:t> structure: </a:t>
+                </a:r>
+                <a:r>
+                  <a:rPr lang="en-GB" i="1" dirty="0"/>
+                  <a:t>Cosmic Web</a:t>
+                </a:r>
+                <a:r>
+                  <a:rPr lang="en-GB" dirty="0"/>
+                  <a:t>! </a:t>
+                </a:r>
+              </a:p>
+              <a:p>
+                <a:pPr lvl="1"/>
+                <a:r>
+                  <a:rPr lang="en-GB" dirty="0"/>
+                  <a:t>Filaments consist of galaxies, walls, ‘voids’</a:t>
+                </a:r>
+              </a:p>
+              <a:p>
+                <a:pPr lvl="1"/>
+                <a:r>
+                  <a:rPr lang="en-GB" dirty="0"/>
+                  <a:t>‘Bright’ filaments imply massive galaxy clusters</a:t>
+                </a:r>
+              </a:p>
+              <a:p>
+                <a:pPr lvl="1"/>
+                <a:r>
+                  <a:rPr lang="en-GB" b="1" dirty="0"/>
+                  <a:t>FLAMINGO</a:t>
+                </a:r>
+                <a:r>
+                  <a:rPr lang="en-GB" dirty="0"/>
+                  <a:t> is a (simulated) part of this web!</a:t>
+                </a:r>
+              </a:p>
+              <a:p>
+                <a:r>
+                  <a:rPr lang="en-GB" dirty="0"/>
+                  <a:t>Cosmological principle: </a:t>
+                </a:r>
+              </a:p>
+              <a:p>
+                <a:pPr lvl="1"/>
+                <a:r>
+                  <a:rPr lang="en-GB" dirty="0"/>
+                  <a:t>The universe is homogeneous and isotropic</a:t>
+                </a:r>
+              </a:p>
+              <a:p>
+                <a:r>
+                  <a:rPr lang="en-GB" dirty="0"/>
+                  <a:t>FLRW metric based on this (flat)</a:t>
+                </a:r>
+              </a:p>
+              <a:p>
+                <a:pPr marL="0" indent="0">
+                  <a:buNone/>
+                </a:pPr>
+                <a:endParaRPr lang="en-GB" dirty="0"/>
+              </a:p>
+              <a:p>
+                <a:endParaRPr lang="en-GB" dirty="0"/>
+              </a:p>
+              <a:p>
+                <a:r>
+                  <a:rPr lang="en-GB" dirty="0"/>
+                  <a:t>Scale factor </a:t>
+                </a:r>
+                <a14:m>
+                  <m:oMath xmlns:m="http://schemas.openxmlformats.org/officeDocument/2006/math">
+                    <m:r>
+                      <m:rPr>
+                        <m:sty m:val="p"/>
+                      </m:rPr>
+                      <a:rPr lang="nl-NL" b="0" i="0" smtClean="0">
+                        <a:latin typeface="Cambria Math" panose="02040503050406030204" pitchFamily="18" charset="0"/>
+                      </a:rPr>
+                      <m:t>a</m:t>
+                    </m:r>
+                    <m:d>
+                      <m:dPr>
+                        <m:ctrlPr>
+                          <a:rPr lang="nl-NL" b="0" i="0" smtClean="0">
+                            <a:latin typeface="Cambria Math" panose="02040503050406030204" pitchFamily="18" charset="0"/>
+                          </a:rPr>
+                        </m:ctrlPr>
+                      </m:dPr>
+                      <m:e>
+                        <m:r>
+                          <m:rPr>
+                            <m:sty m:val="p"/>
+                          </m:rPr>
+                          <a:rPr lang="nl-NL" b="0" i="0" smtClean="0">
+                            <a:latin typeface="Cambria Math" panose="02040503050406030204" pitchFamily="18" charset="0"/>
+                          </a:rPr>
+                          <m:t>t</m:t>
+                        </m:r>
+                      </m:e>
+                    </m:d>
+                    <m:r>
+                      <a:rPr lang="nl-NL" b="0" i="0" smtClean="0">
+                        <a:latin typeface="Cambria Math" panose="02040503050406030204" pitchFamily="18" charset="0"/>
+                      </a:rPr>
+                      <m:t>=</m:t>
+                    </m:r>
+                    <m:f>
+                      <m:fPr>
+                        <m:ctrlPr>
+                          <a:rPr lang="en-GB" i="1" smtClean="0">
+                            <a:latin typeface="Cambria Math" panose="02040503050406030204" pitchFamily="18" charset="0"/>
+                          </a:rPr>
+                        </m:ctrlPr>
+                      </m:fPr>
+                      <m:num>
+                        <m:r>
+                          <a:rPr lang="nl-NL" b="0" i="1" smtClean="0">
+                            <a:latin typeface="Cambria Math" panose="02040503050406030204" pitchFamily="18" charset="0"/>
+                          </a:rPr>
+                          <m:t>1</m:t>
+                        </m:r>
+                      </m:num>
+                      <m:den>
+                        <m:r>
+                          <a:rPr lang="nl-NL" b="0" i="1" smtClean="0">
+                            <a:latin typeface="Cambria Math" panose="02040503050406030204" pitchFamily="18" charset="0"/>
+                          </a:rPr>
+                          <m:t>1+</m:t>
+                        </m:r>
+                        <m:r>
+                          <a:rPr lang="nl-NL" b="0" i="1" smtClean="0">
+                            <a:latin typeface="Cambria Math" panose="02040503050406030204" pitchFamily="18" charset="0"/>
+                          </a:rPr>
+                          <m:t>𝑧</m:t>
+                        </m:r>
+                      </m:den>
+                    </m:f>
+                    <m:r>
+                      <a:rPr lang="nl-NL" b="0" i="0" smtClean="0">
+                        <a:latin typeface="Cambria Math" panose="02040503050406030204" pitchFamily="18" charset="0"/>
+                      </a:rPr>
+                      <m:t> </m:t>
+                    </m:r>
+                  </m:oMath>
+                </a14:m>
+                <a:r>
+                  <a:rPr lang="en-GB" dirty="0"/>
+                  <a:t>encompasses expansion of the Universe</a:t>
+                </a:r>
+              </a:p>
+              <a:p>
+                <a:endParaRPr lang="en-GB" dirty="0"/>
+              </a:p>
+              <a:p>
+                <a:pPr marL="0" indent="0">
+                  <a:buNone/>
+                </a:pPr>
+                <a:r>
+                  <a:rPr lang="en-GB" dirty="0"/>
+                  <a:t>	</a:t>
+                </a:r>
+              </a:p>
+            </p:txBody>
+          </p:sp>
+        </mc:Choice>
+        <mc:Fallback>
+          <p:sp>
+            <p:nvSpPr>
+              <p:cNvPr id="3" name="Content Placeholder 2">
+                <a:extLst>
+                  <a:ext uri="{FF2B5EF4-FFF2-40B4-BE49-F238E27FC236}">
+                    <a16:creationId xmlns:a16="http://schemas.microsoft.com/office/drawing/2014/main" id="{945DEB63-082C-500E-2AB7-1F7EEDED1537}"/>
+                  </a:ext>
+                </a:extLst>
+              </p:cNvPr>
+              <p:cNvSpPr>
+                <a:spLocks noGrp="1" noRot="1" noChangeAspect="1" noMove="1" noResize="1" noEditPoints="1" noAdjustHandles="1" noChangeArrowheads="1" noChangeShapeType="1" noTextEdit="1"/>
+              </p:cNvSpPr>
+              <p:nvPr>
+                <p:ph idx="1"/>
+              </p:nvPr>
+            </p:nvSpPr>
+            <p:spPr>
+              <a:xfrm>
+                <a:off x="838200" y="1825625"/>
+                <a:ext cx="6047791" cy="4761787"/>
+              </a:xfrm>
+              <a:blipFill>
+                <a:blip r:embed="rId3"/>
+                <a:stretch>
+                  <a:fillRect l="-1210" t="-2558"/>
+                </a:stretch>
+              </a:blipFill>
+            </p:spPr>
+            <p:txBody>
+              <a:bodyPr/>
+              <a:lstStyle/>
+              <a:p>
+                <a:r>
+                  <a:rPr lang="en-GB">
+                    <a:noFill/>
+                  </a:rPr>
+                  <a:t> </a:t>
+                </a:r>
+              </a:p>
+            </p:txBody>
+          </p:sp>
+        </mc:Fallback>
+      </mc:AlternateContent>
+      <p:pic>
+        <p:nvPicPr>
+          <p:cNvPr id="5" name="Picture 4">
+            <a:extLst>
+              <a:ext uri="{FF2B5EF4-FFF2-40B4-BE49-F238E27FC236}">
+                <a16:creationId xmlns:a16="http://schemas.microsoft.com/office/drawing/2014/main" id="{C9E4BEE9-F44A-D3CF-E922-DFF6ECFD5DE0}"/>
+              </a:ext>
+            </a:extLst>
+          </p:cNvPr>
+          <p:cNvPicPr>
+            <a:picLocks noChangeAspect="1"/>
+          </p:cNvPicPr>
+          <p:nvPr/>
+        </p:nvPicPr>
+        <p:blipFill>
+          <a:blip r:embed="rId4">
+            <a:extLst>
+              <a:ext uri="{28A0092B-C50C-407E-A947-70E740481C1C}">
+                <a14:useLocalDpi xmlns:a14="http://schemas.microsoft.com/office/drawing/2010/main" val="0"/>
+              </a:ext>
+            </a:extLst>
+          </a:blip>
+          <a:stretch>
+            <a:fillRect/>
+          </a:stretch>
+        </p:blipFill>
+        <p:spPr>
+          <a:xfrm>
+            <a:off x="7594555" y="1658031"/>
+            <a:ext cx="4378161" cy="3584803"/>
+          </a:xfrm>
+          <a:prstGeom prst="rect">
+            <a:avLst/>
+          </a:prstGeom>
+        </p:spPr>
+      </p:pic>
+      <p:pic>
+        <p:nvPicPr>
+          <p:cNvPr id="7" name="Picture 6">
+            <a:extLst>
+              <a:ext uri="{FF2B5EF4-FFF2-40B4-BE49-F238E27FC236}">
+                <a16:creationId xmlns:a16="http://schemas.microsoft.com/office/drawing/2014/main" id="{3B9BCB6A-2E8E-A809-FBCA-4FA11939CAD5}"/>
+              </a:ext>
+            </a:extLst>
+          </p:cNvPr>
+          <p:cNvPicPr>
+            <a:picLocks noChangeAspect="1"/>
+          </p:cNvPicPr>
+          <p:nvPr/>
+        </p:nvPicPr>
+        <p:blipFill>
+          <a:blip r:embed="rId5">
+            <a:extLst>
+              <a:ext uri="{28A0092B-C50C-407E-A947-70E740481C1C}">
+                <a14:useLocalDpi xmlns:a14="http://schemas.microsoft.com/office/drawing/2010/main" val="0"/>
+              </a:ext>
+            </a:extLst>
+          </a:blip>
+          <a:stretch>
+            <a:fillRect/>
+          </a:stretch>
+        </p:blipFill>
+        <p:spPr>
+          <a:xfrm>
+            <a:off x="1128227" y="4206518"/>
+            <a:ext cx="4967773" cy="534508"/>
+          </a:xfrm>
+          <a:prstGeom prst="rect">
+            <a:avLst/>
+          </a:prstGeom>
+        </p:spPr>
+      </p:pic>
+    </p:spTree>
+    <p:extLst>
+      <p:ext uri="{BB962C8B-B14F-4D97-AF65-F5344CB8AC3E}">
+        <p14:creationId xmlns:p14="http://schemas.microsoft.com/office/powerpoint/2010/main" val="1150263351"/>
+      </p:ext>
+    </p:extLst>
+  </p:cSld>
+  <p:clrMapOvr>
+    <a:masterClrMapping/>
+  </p:clrMapOvr>
+</p:sld>
+</file>
+
+<file path=ppt/slides/slide5.xml><?xml version="1.0" encoding="utf-8"?>
+<p:sld xmlns:a="http://schemas.openxmlformats.org/drawingml/2006/main" xmlns:r="http://schemas.openxmlformats.org/officeDocument/2006/relationships" xmlns:p="http://schemas.openxmlformats.org/presentationml/2006/main">
+  <p:cSld>
+    <p:spTree>
+      <p:nvGrpSpPr>
+        <p:cNvPr id="1" name=""/>
+        <p:cNvGrpSpPr/>
+        <p:nvPr/>
+      </p:nvGrpSpPr>
+      <p:grpSpPr>
+        <a:xfrm>
+          <a:off x="0" y="0"/>
+          <a:ext cx="0" cy="0"/>
+          <a:chOff x="0" y="0"/>
+          <a:chExt cx="0" cy="0"/>
+        </a:xfrm>
+      </p:grpSpPr>
+      <p:sp>
+        <p:nvSpPr>
+          <p:cNvPr id="2" name="Title 1">
+            <a:extLst>
+              <a:ext uri="{FF2B5EF4-FFF2-40B4-BE49-F238E27FC236}">
+                <a16:creationId xmlns:a16="http://schemas.microsoft.com/office/drawing/2014/main" id="{63C209D5-1BEC-2F79-315E-A34BADC3FA90}"/>
+              </a:ext>
+            </a:extLst>
+          </p:cNvPr>
+          <p:cNvSpPr>
+            <a:spLocks noGrp="1"/>
+          </p:cNvSpPr>
+          <p:nvPr>
+            <p:ph type="title"/>
+          </p:nvPr>
+        </p:nvSpPr>
+        <p:spPr/>
+        <p:txBody>
+          <a:bodyPr/>
+          <a:lstStyle/>
+          <a:p>
+            <a:r>
+              <a:rPr lang="nl-NL" b="1" dirty="0" err="1"/>
+              <a:t>Introduction</a:t>
+            </a:r>
+            <a:r>
+              <a:rPr lang="nl-NL" b="1" dirty="0"/>
+              <a:t>: Proper and </a:t>
+            </a:r>
+            <a:r>
+              <a:rPr lang="nl-NL" b="1" dirty="0" err="1"/>
+              <a:t>comoving</a:t>
+            </a:r>
+            <a:endParaRPr lang="en-GB" b="1" dirty="0"/>
+          </a:p>
+        </p:txBody>
+      </p:sp>
+      <mc:AlternateContent xmlns:mc="http://schemas.openxmlformats.org/markup-compatibility/2006">
+        <mc:Choice xmlns:a14="http://schemas.microsoft.com/office/drawing/2010/main" Requires="a14">
+          <p:sp>
+            <p:nvSpPr>
+              <p:cNvPr id="3" name="Content Placeholder 2">
+                <a:extLst>
+                  <a:ext uri="{FF2B5EF4-FFF2-40B4-BE49-F238E27FC236}">
+                    <a16:creationId xmlns:a16="http://schemas.microsoft.com/office/drawing/2014/main" id="{7763783E-65A1-DC0F-B6E0-5926FFFC4448}"/>
+                  </a:ext>
+                </a:extLst>
+              </p:cNvPr>
+              <p:cNvSpPr>
+                <a:spLocks noGrp="1"/>
+              </p:cNvSpPr>
+              <p:nvPr>
+                <p:ph idx="1"/>
+              </p:nvPr>
+            </p:nvSpPr>
+            <p:spPr>
+              <a:xfrm>
+                <a:off x="838200" y="1825625"/>
+                <a:ext cx="7027506" cy="4351338"/>
+              </a:xfrm>
+            </p:spPr>
+            <p:txBody>
+              <a:bodyPr/>
+              <a:lstStyle/>
+              <a:p>
+                <a:r>
+                  <a:rPr lang="nl-NL" dirty="0"/>
+                  <a:t>Proper </a:t>
+                </a:r>
+                <a:r>
+                  <a:rPr lang="nl-NL" dirty="0" err="1"/>
+                  <a:t>distance</a:t>
+                </a:r>
+                <a:r>
+                  <a:rPr lang="nl-NL" dirty="0"/>
+                  <a:t>: </a:t>
+                </a:r>
+                <a:r>
+                  <a:rPr lang="nl-NL" dirty="0" err="1"/>
+                  <a:t>distance</a:t>
+                </a:r>
+                <a:r>
+                  <a:rPr lang="nl-NL" dirty="0"/>
+                  <a:t> </a:t>
+                </a:r>
+                <a:r>
+                  <a:rPr lang="nl-NL" dirty="0" err="1"/>
+                  <a:t>between</a:t>
+                </a:r>
+                <a:r>
+                  <a:rPr lang="nl-NL" dirty="0"/>
+                  <a:t> </a:t>
+                </a:r>
+                <a:r>
+                  <a:rPr lang="nl-NL" dirty="0" err="1"/>
+                  <a:t>two</a:t>
+                </a:r>
+                <a:r>
+                  <a:rPr lang="nl-NL" dirty="0"/>
+                  <a:t> </a:t>
+                </a:r>
+                <a:r>
+                  <a:rPr lang="nl-NL" dirty="0" err="1"/>
+                  <a:t>objects</a:t>
+                </a:r>
+                <a:r>
+                  <a:rPr lang="nl-NL" dirty="0"/>
+                  <a:t> at </a:t>
+                </a:r>
+                <a:r>
+                  <a:rPr lang="nl-NL" dirty="0" err="1"/>
+                  <a:t>some</a:t>
+                </a:r>
+                <a:r>
+                  <a:rPr lang="nl-NL" dirty="0"/>
+                  <a:t> </a:t>
+                </a:r>
+                <a:r>
+                  <a:rPr lang="nl-NL" dirty="0" err="1"/>
+                  <a:t>scale</a:t>
+                </a:r>
+                <a:r>
+                  <a:rPr lang="nl-NL" dirty="0"/>
+                  <a:t> factor a(t)</a:t>
+                </a:r>
+              </a:p>
+              <a:p>
+                <a:pPr lvl="1"/>
+                <a:r>
+                  <a:rPr lang="nl-NL" dirty="0" err="1"/>
+                  <a:t>Derived</a:t>
+                </a:r>
+                <a:r>
+                  <a:rPr lang="nl-NL" dirty="0"/>
+                  <a:t> from FLRW </a:t>
+                </a:r>
+                <a:r>
+                  <a:rPr lang="nl-NL" dirty="0" err="1"/>
+                  <a:t>with</a:t>
+                </a:r>
+                <a:r>
+                  <a:rPr lang="nl-NL" dirty="0"/>
+                  <a:t> </a:t>
+                </a:r>
+                <a:r>
+                  <a:rPr lang="nl-NL" dirty="0" err="1"/>
+                  <a:t>dt</a:t>
+                </a:r>
+                <a:r>
+                  <a:rPr lang="nl-NL" dirty="0"/>
+                  <a:t>=d</a:t>
+                </a:r>
+                <a:r>
+                  <a:rPr lang="el-GR" dirty="0"/>
+                  <a:t>θ</a:t>
+                </a:r>
+                <a:r>
+                  <a:rPr lang="nl-NL" dirty="0"/>
+                  <a:t>=d</a:t>
+                </a:r>
+                <a:r>
+                  <a:rPr lang="el-GR" dirty="0"/>
+                  <a:t>φ</a:t>
+                </a:r>
+                <a:r>
+                  <a:rPr lang="nl-NL" dirty="0"/>
+                  <a:t>=0</a:t>
+                </a:r>
+              </a:p>
+              <a:p>
+                <a:pPr lvl="1"/>
+                <a:r>
+                  <a:rPr lang="nl-NL" dirty="0"/>
+                  <a:t>d = a(t)r</a:t>
+                </a:r>
+              </a:p>
+              <a:p>
+                <a:r>
+                  <a:rPr lang="nl-NL" dirty="0" err="1"/>
+                  <a:t>Comoving</a:t>
+                </a:r>
+                <a:r>
+                  <a:rPr lang="nl-NL" dirty="0"/>
+                  <a:t> </a:t>
+                </a:r>
+                <a:r>
+                  <a:rPr lang="nl-NL" dirty="0" err="1"/>
+                  <a:t>distance</a:t>
+                </a:r>
+                <a:r>
+                  <a:rPr lang="nl-NL" dirty="0"/>
+                  <a:t>, r: </a:t>
+                </a:r>
+                <a:r>
+                  <a:rPr lang="nl-NL" dirty="0" err="1"/>
+                  <a:t>distance</a:t>
+                </a:r>
+                <a:r>
+                  <a:rPr lang="nl-NL" dirty="0"/>
+                  <a:t> </a:t>
+                </a:r>
+                <a:r>
+                  <a:rPr lang="nl-NL" dirty="0" err="1"/>
+                  <a:t>between</a:t>
+                </a:r>
+                <a:r>
+                  <a:rPr lang="nl-NL" dirty="0"/>
+                  <a:t> </a:t>
+                </a:r>
+                <a:r>
+                  <a:rPr lang="nl-NL" dirty="0" err="1"/>
+                  <a:t>two</a:t>
+                </a:r>
+                <a:r>
+                  <a:rPr lang="nl-NL" dirty="0"/>
+                  <a:t> </a:t>
+                </a:r>
+                <a:r>
+                  <a:rPr lang="nl-NL" dirty="0" err="1"/>
+                  <a:t>objects</a:t>
+                </a:r>
+                <a:r>
+                  <a:rPr lang="nl-NL" dirty="0"/>
+                  <a:t> </a:t>
+                </a:r>
+                <a:r>
+                  <a:rPr lang="nl-NL" dirty="0" err="1"/>
+                  <a:t>unaffected</a:t>
+                </a:r>
+                <a:r>
+                  <a:rPr lang="nl-NL" dirty="0"/>
+                  <a:t> </a:t>
+                </a:r>
+                <a:r>
+                  <a:rPr lang="nl-NL" dirty="0" err="1"/>
+                  <a:t>by</a:t>
+                </a:r>
+                <a:r>
+                  <a:rPr lang="nl-NL" dirty="0"/>
+                  <a:t> </a:t>
+                </a:r>
+                <a:r>
+                  <a:rPr lang="nl-NL" dirty="0" err="1"/>
+                  <a:t>expansion</a:t>
+                </a:r>
+                <a:r>
+                  <a:rPr lang="nl-NL" dirty="0"/>
+                  <a:t> of </a:t>
+                </a:r>
+                <a:r>
+                  <a:rPr lang="nl-NL" dirty="0" err="1"/>
+                  <a:t>Universe</a:t>
+                </a:r>
+                <a:endParaRPr lang="nl-NL" dirty="0"/>
+              </a:p>
+              <a:p>
+                <a:r>
+                  <a:rPr lang="nl-NL" dirty="0"/>
+                  <a:t>Proper </a:t>
+                </a:r>
+                <a:r>
+                  <a:rPr lang="nl-NL" dirty="0" err="1"/>
+                  <a:t>velocity</a:t>
+                </a:r>
+                <a:r>
+                  <a:rPr lang="nl-NL" dirty="0"/>
+                  <a:t> found </a:t>
+                </a:r>
+                <a:r>
+                  <a:rPr lang="nl-NL" dirty="0" err="1"/>
+                  <a:t>by</a:t>
+                </a:r>
+                <a:r>
+                  <a:rPr lang="nl-NL" dirty="0"/>
+                  <a:t> </a:t>
+                </a:r>
+                <a:r>
+                  <a:rPr lang="nl-NL" dirty="0" err="1"/>
+                  <a:t>taking</a:t>
+                </a:r>
+                <a:r>
+                  <a:rPr lang="nl-NL" dirty="0"/>
+                  <a:t> </a:t>
+                </a:r>
+                <a14:m>
+                  <m:oMath xmlns:m="http://schemas.openxmlformats.org/officeDocument/2006/math">
+                    <m:sSub>
+                      <m:sSubPr>
+                        <m:ctrlPr>
+                          <a:rPr lang="nl-NL" i="1" dirty="0" smtClean="0">
+                            <a:latin typeface="Cambria Math" panose="02040503050406030204" pitchFamily="18" charset="0"/>
+                          </a:rPr>
+                        </m:ctrlPr>
+                      </m:sSubPr>
+                      <m:e>
+                        <m:r>
+                          <a:rPr lang="nl-NL" b="0" i="1" dirty="0" smtClean="0">
+                            <a:latin typeface="Cambria Math" panose="02040503050406030204" pitchFamily="18" charset="0"/>
+                          </a:rPr>
+                          <m:t>𝑣</m:t>
+                        </m:r>
+                      </m:e>
+                      <m:sub>
+                        <m:r>
+                          <a:rPr lang="nl-NL" b="0" i="1" dirty="0" smtClean="0">
+                            <a:latin typeface="Cambria Math" panose="02040503050406030204" pitchFamily="18" charset="0"/>
+                          </a:rPr>
+                          <m:t>𝑝</m:t>
+                        </m:r>
+                      </m:sub>
+                    </m:sSub>
+                    <m:r>
+                      <a:rPr lang="nl-NL" b="0" i="1" dirty="0" smtClean="0">
+                        <a:latin typeface="Cambria Math" panose="02040503050406030204" pitchFamily="18" charset="0"/>
+                      </a:rPr>
+                      <m:t>=</m:t>
+                    </m:r>
+                    <m:f>
+                      <m:fPr>
+                        <m:ctrlPr>
+                          <a:rPr lang="nl-NL" i="1" dirty="0" smtClean="0">
+                            <a:latin typeface="Cambria Math" panose="02040503050406030204" pitchFamily="18" charset="0"/>
+                          </a:rPr>
+                        </m:ctrlPr>
+                      </m:fPr>
+                      <m:num>
+                        <m:r>
+                          <a:rPr lang="nl-NL" b="0" i="1" dirty="0" smtClean="0">
+                            <a:latin typeface="Cambria Math" panose="02040503050406030204" pitchFamily="18" charset="0"/>
+                          </a:rPr>
+                          <m:t>𝑑</m:t>
+                        </m:r>
+                        <m:r>
+                          <a:rPr lang="nl-NL" b="0" i="1" dirty="0" smtClean="0">
+                            <a:latin typeface="Cambria Math" panose="02040503050406030204" pitchFamily="18" charset="0"/>
+                          </a:rPr>
+                          <m:t>(</m:t>
+                        </m:r>
+                        <m:r>
+                          <a:rPr lang="nl-NL" b="0" i="1" dirty="0" smtClean="0">
+                            <a:latin typeface="Cambria Math" panose="02040503050406030204" pitchFamily="18" charset="0"/>
+                          </a:rPr>
+                          <m:t>𝑎</m:t>
+                        </m:r>
+                        <m:d>
+                          <m:dPr>
+                            <m:ctrlPr>
+                              <a:rPr lang="nl-NL" b="0" i="1" dirty="0" smtClean="0">
+                                <a:latin typeface="Cambria Math" panose="02040503050406030204" pitchFamily="18" charset="0"/>
+                              </a:rPr>
+                            </m:ctrlPr>
+                          </m:dPr>
+                          <m:e>
+                            <m:r>
+                              <a:rPr lang="nl-NL" b="0" i="1" dirty="0" smtClean="0">
+                                <a:latin typeface="Cambria Math" panose="02040503050406030204" pitchFamily="18" charset="0"/>
+                              </a:rPr>
+                              <m:t>𝑡</m:t>
+                            </m:r>
+                          </m:e>
+                        </m:d>
+                        <m:r>
+                          <a:rPr lang="nl-NL" b="0" i="1" dirty="0" smtClean="0">
+                            <a:latin typeface="Cambria Math" panose="02040503050406030204" pitchFamily="18" charset="0"/>
+                          </a:rPr>
+                          <m:t>𝑟</m:t>
+                        </m:r>
+                        <m:r>
+                          <a:rPr lang="nl-NL" b="0" i="1" dirty="0" smtClean="0">
+                            <a:latin typeface="Cambria Math" panose="02040503050406030204" pitchFamily="18" charset="0"/>
+                          </a:rPr>
+                          <m:t>)</m:t>
+                        </m:r>
+                      </m:num>
+                      <m:den>
+                        <m:r>
+                          <a:rPr lang="nl-NL" b="0" i="1" dirty="0" smtClean="0">
+                            <a:latin typeface="Cambria Math" panose="02040503050406030204" pitchFamily="18" charset="0"/>
+                          </a:rPr>
+                          <m:t>𝑑𝑡</m:t>
+                        </m:r>
+                      </m:den>
+                    </m:f>
+                  </m:oMath>
+                </a14:m>
+                <a:endParaRPr lang="nl-NL" dirty="0"/>
+              </a:p>
+              <a:p>
+                <a:endParaRPr lang="en-GB" dirty="0"/>
+              </a:p>
+            </p:txBody>
+          </p:sp>
+        </mc:Choice>
+        <mc:Fallback>
+          <p:sp>
+            <p:nvSpPr>
+              <p:cNvPr id="3" name="Content Placeholder 2">
+                <a:extLst>
+                  <a:ext uri="{FF2B5EF4-FFF2-40B4-BE49-F238E27FC236}">
+                    <a16:creationId xmlns:a16="http://schemas.microsoft.com/office/drawing/2014/main" id="{7763783E-65A1-DC0F-B6E0-5926FFFC4448}"/>
+                  </a:ext>
+                </a:extLst>
+              </p:cNvPr>
+              <p:cNvSpPr>
+                <a:spLocks noGrp="1" noRot="1" noChangeAspect="1" noMove="1" noResize="1" noEditPoints="1" noAdjustHandles="1" noChangeArrowheads="1" noChangeShapeType="1" noTextEdit="1"/>
+              </p:cNvSpPr>
+              <p:nvPr>
+                <p:ph idx="1"/>
+              </p:nvPr>
+            </p:nvSpPr>
+            <p:spPr>
+              <a:xfrm>
+                <a:off x="838200" y="1825625"/>
+                <a:ext cx="7027506" cy="4351338"/>
+              </a:xfrm>
+              <a:blipFill>
+                <a:blip r:embed="rId2"/>
+                <a:stretch>
+                  <a:fillRect l="-1563" t="-2241"/>
+                </a:stretch>
+              </a:blipFill>
+            </p:spPr>
+            <p:txBody>
+              <a:bodyPr/>
+              <a:lstStyle/>
+              <a:p>
+                <a:r>
+                  <a:rPr lang="en-GB">
+                    <a:noFill/>
+                  </a:rPr>
+                  <a:t> </a:t>
+                </a:r>
+              </a:p>
+            </p:txBody>
+          </p:sp>
+        </mc:Fallback>
+      </mc:AlternateContent>
+    </p:spTree>
+    <p:extLst>
+      <p:ext uri="{BB962C8B-B14F-4D97-AF65-F5344CB8AC3E}">
+        <p14:creationId xmlns:p14="http://schemas.microsoft.com/office/powerpoint/2010/main" val="1618021802"/>
+      </p:ext>
+    </p:extLst>
+  </p:cSld>
+  <p:clrMapOvr>
+    <a:masterClrMapping/>
+  </p:clrMapOvr>
+</p:sld>
+</file>
+
+<file path=ppt/slides/slide6.xml><?xml version="1.0" encoding="utf-8"?>
+<p:sld xmlns:a="http://schemas.openxmlformats.org/drawingml/2006/main" xmlns:r="http://schemas.openxmlformats.org/officeDocument/2006/relationships" xmlns:p="http://schemas.openxmlformats.org/presentationml/2006/main">
+  <p:cSld>
+    <p:spTree>
+      <p:nvGrpSpPr>
+        <p:cNvPr id="1" name=""/>
+        <p:cNvGrpSpPr/>
+        <p:nvPr/>
+      </p:nvGrpSpPr>
+      <p:grpSpPr>
+        <a:xfrm>
+          <a:off x="0" y="0"/>
+          <a:ext cx="0" cy="0"/>
+          <a:chOff x="0" y="0"/>
+          <a:chExt cx="0" cy="0"/>
+        </a:xfrm>
+      </p:grpSpPr>
+      <p:sp>
+        <p:nvSpPr>
+          <p:cNvPr id="2" name="Title 1">
+            <a:extLst>
+              <a:ext uri="{FF2B5EF4-FFF2-40B4-BE49-F238E27FC236}">
+                <a16:creationId xmlns:a16="http://schemas.microsoft.com/office/drawing/2014/main" id="{7BA5890E-72CB-3E1D-A0C4-E056278B26F7}"/>
+              </a:ext>
+            </a:extLst>
+          </p:cNvPr>
+          <p:cNvSpPr>
+            <a:spLocks noGrp="1"/>
+          </p:cNvSpPr>
+          <p:nvPr>
+            <p:ph type="title"/>
+          </p:nvPr>
+        </p:nvSpPr>
+        <p:spPr/>
+        <p:txBody>
+          <a:bodyPr/>
+          <a:lstStyle/>
+          <a:p>
+            <a:r>
+              <a:rPr lang="nl-NL" b="1" dirty="0" err="1"/>
+              <a:t>Introduction</a:t>
+            </a:r>
+            <a:r>
+              <a:rPr lang="nl-NL" b="1" dirty="0"/>
+              <a:t>: </a:t>
+            </a:r>
+            <a:r>
+              <a:rPr lang="nl-NL" b="1" u="sng" dirty="0"/>
+              <a:t>Redshift-Space </a:t>
+            </a:r>
+            <a:r>
+              <a:rPr lang="nl-NL" b="1" u="sng" dirty="0" err="1"/>
+              <a:t>Distortions</a:t>
+            </a:r>
+            <a:endParaRPr lang="en-GB" b="1" u="sng" dirty="0"/>
+          </a:p>
+        </p:txBody>
+      </p:sp>
+      <p:sp>
+        <p:nvSpPr>
+          <p:cNvPr id="3" name="Content Placeholder 2">
+            <a:extLst>
+              <a:ext uri="{FF2B5EF4-FFF2-40B4-BE49-F238E27FC236}">
+                <a16:creationId xmlns:a16="http://schemas.microsoft.com/office/drawing/2014/main" id="{00E174C9-F873-F0D5-FAA8-DCCB24863119}"/>
+              </a:ext>
+            </a:extLst>
+          </p:cNvPr>
+          <p:cNvSpPr>
+            <a:spLocks noGrp="1"/>
+          </p:cNvSpPr>
+          <p:nvPr>
+            <p:ph idx="1"/>
+          </p:nvPr>
+        </p:nvSpPr>
+        <p:spPr/>
+        <p:txBody>
+          <a:bodyPr/>
+          <a:lstStyle/>
+          <a:p>
+            <a:r>
+              <a:rPr lang="nl-NL" dirty="0" err="1"/>
+              <a:t>With</a:t>
+            </a:r>
+            <a:r>
+              <a:rPr lang="nl-NL" dirty="0"/>
+              <a:t> </a:t>
+            </a:r>
+            <a:r>
+              <a:rPr lang="nl-NL" dirty="0" err="1"/>
+              <a:t>the</a:t>
+            </a:r>
+            <a:r>
+              <a:rPr lang="nl-NL"/>
+              <a:t> background ,</a:t>
+            </a:r>
+            <a:endParaRPr lang="en-GB" dirty="0"/>
+          </a:p>
+        </p:txBody>
+      </p:sp>
+    </p:spTree>
+    <p:extLst>
+      <p:ext uri="{BB962C8B-B14F-4D97-AF65-F5344CB8AC3E}">
+        <p14:creationId xmlns:p14="http://schemas.microsoft.com/office/powerpoint/2010/main" val="3151328878"/>
+      </p:ext>
+    </p:extLst>
+  </p:cSld>
+  <p:clrMapOvr>
+    <a:masterClrMapping/>
+  </p:clrMapOvr>
+</p:sld>
+</file>
+
+<file path=ppt/slides/slide7.xml><?xml version="1.0" encoding="utf-8"?>
+<p:sld xmlns:a="http://schemas.openxmlformats.org/drawingml/2006/main" xmlns:r="http://schemas.openxmlformats.org/officeDocument/2006/relationships" xmlns:p="http://schemas.openxmlformats.org/presentationml/2006/main">
+  <p:cSld>
+    <p:spTree>
+      <p:nvGrpSpPr>
+        <p:cNvPr id="1" name=""/>
+        <p:cNvGrpSpPr/>
+        <p:nvPr/>
+      </p:nvGrpSpPr>
+      <p:grpSpPr>
+        <a:xfrm>
+          <a:off x="0" y="0"/>
+          <a:ext cx="0" cy="0"/>
+          <a:chOff x="0" y="0"/>
+          <a:chExt cx="0" cy="0"/>
+        </a:xfrm>
+      </p:grpSpPr>
+      <p:sp>
+        <p:nvSpPr>
+          <p:cNvPr id="2" name="Title 1">
+            <a:extLst>
+              <a:ext uri="{FF2B5EF4-FFF2-40B4-BE49-F238E27FC236}">
+                <a16:creationId xmlns:a16="http://schemas.microsoft.com/office/drawing/2014/main" id="{FC0A9AC2-AF0A-ED7F-38B6-1701DFFA1CBE}"/>
+              </a:ext>
+            </a:extLst>
+          </p:cNvPr>
+          <p:cNvSpPr>
+            <a:spLocks noGrp="1"/>
+          </p:cNvSpPr>
+          <p:nvPr>
+            <p:ph type="title"/>
+          </p:nvPr>
+        </p:nvSpPr>
+        <p:spPr/>
+        <p:txBody>
+          <a:bodyPr/>
+          <a:lstStyle/>
+          <a:p>
+            <a:r>
+              <a:rPr lang="nl-NL" b="1" dirty="0" err="1"/>
+              <a:t>Methods</a:t>
+            </a:r>
+            <a:r>
+              <a:rPr lang="nl-NL" b="1" dirty="0"/>
+              <a:t>: </a:t>
+            </a:r>
+            <a:r>
+              <a:rPr lang="nl-NL" b="1" dirty="0" err="1"/>
+              <a:t>creating</a:t>
+            </a:r>
+            <a:r>
+              <a:rPr lang="nl-NL" b="1" dirty="0"/>
+              <a:t> a </a:t>
+            </a:r>
+            <a:r>
+              <a:rPr lang="nl-NL" b="1" dirty="0" err="1"/>
+              <a:t>galaxy</a:t>
+            </a:r>
+            <a:r>
+              <a:rPr lang="nl-NL" b="1" dirty="0"/>
+              <a:t> </a:t>
+            </a:r>
+            <a:r>
+              <a:rPr lang="nl-NL" b="1" dirty="0" err="1"/>
+              <a:t>catalogue</a:t>
+            </a:r>
+            <a:r>
+              <a:rPr lang="nl-NL" b="1" dirty="0"/>
+              <a:t> </a:t>
+            </a:r>
+            <a:endParaRPr lang="en-GB" b="1" dirty="0"/>
+          </a:p>
+        </p:txBody>
+      </p:sp>
+      <mc:AlternateContent xmlns:mc="http://schemas.openxmlformats.org/markup-compatibility/2006">
+        <mc:Choice xmlns:a14="http://schemas.microsoft.com/office/drawing/2010/main" Requires="a14">
+          <p:sp>
+            <p:nvSpPr>
+              <p:cNvPr id="3" name="Content Placeholder 2">
+                <a:extLst>
+                  <a:ext uri="{FF2B5EF4-FFF2-40B4-BE49-F238E27FC236}">
+                    <a16:creationId xmlns:a16="http://schemas.microsoft.com/office/drawing/2014/main" id="{230D7082-D5D2-0BF4-0CA1-D50114418D39}"/>
+                  </a:ext>
+                </a:extLst>
+              </p:cNvPr>
+              <p:cNvSpPr>
+                <a:spLocks noGrp="1"/>
+              </p:cNvSpPr>
+              <p:nvPr>
+                <p:ph idx="1"/>
+              </p:nvPr>
+            </p:nvSpPr>
+            <p:spPr>
+              <a:xfrm>
+                <a:off x="838199" y="1825625"/>
+                <a:ext cx="6066453" cy="4351338"/>
+              </a:xfrm>
+            </p:spPr>
+            <p:txBody>
+              <a:bodyPr>
+                <a:normAutofit lnSpcReduction="10000"/>
+              </a:bodyPr>
+              <a:lstStyle/>
+              <a:p>
+                <a:r>
+                  <a:rPr lang="nl-NL" dirty="0"/>
+                  <a:t>Use data from FLAMINGO </a:t>
+                </a:r>
+                <a:r>
+                  <a:rPr lang="nl-NL" dirty="0" err="1"/>
+                  <a:t>to</a:t>
+                </a:r>
+                <a:r>
+                  <a:rPr lang="nl-NL" dirty="0"/>
+                  <a:t> </a:t>
+                </a:r>
+                <a:r>
+                  <a:rPr lang="nl-NL" dirty="0" err="1"/>
+                  <a:t>determine</a:t>
+                </a:r>
+                <a:r>
+                  <a:rPr lang="nl-NL" dirty="0"/>
+                  <a:t> </a:t>
+                </a:r>
+                <a:r>
+                  <a:rPr lang="nl-NL" dirty="0" err="1"/>
+                  <a:t>galaxy</a:t>
+                </a:r>
+                <a:r>
+                  <a:rPr lang="nl-NL" dirty="0"/>
+                  <a:t> </a:t>
+                </a:r>
+                <a:r>
+                  <a:rPr lang="nl-NL" dirty="0" err="1"/>
+                  <a:t>position</a:t>
+                </a:r>
+                <a:r>
+                  <a:rPr lang="nl-NL" dirty="0"/>
+                  <a:t>, </a:t>
+                </a:r>
+                <a:r>
+                  <a:rPr lang="nl-NL" dirty="0" err="1"/>
+                  <a:t>velocity</a:t>
+                </a:r>
+                <a:r>
+                  <a:rPr lang="nl-NL" dirty="0"/>
+                  <a:t>, </a:t>
+                </a:r>
+                <a:r>
+                  <a:rPr lang="nl-NL" dirty="0" err="1"/>
+                  <a:t>mass</a:t>
+                </a:r>
+                <a:endParaRPr lang="en-GB" dirty="0"/>
+              </a:p>
+              <a:p>
+                <a:r>
+                  <a:rPr lang="en-GB" dirty="0"/>
+                  <a:t>Our galaxy definition</a:t>
+                </a:r>
+                <a:r>
+                  <a:rPr lang="nl-NL" dirty="0"/>
+                  <a:t>:</a:t>
+                </a:r>
+              </a:p>
+              <a:p>
+                <a:pPr lvl="1"/>
+                <a:r>
+                  <a:rPr lang="nl-NL" dirty="0"/>
+                  <a:t>Stars </a:t>
+                </a:r>
+                <a:r>
+                  <a:rPr lang="nl-NL" dirty="0" err="1"/>
+                  <a:t>within</a:t>
+                </a:r>
+                <a:r>
+                  <a:rPr lang="nl-NL" dirty="0"/>
+                  <a:t> 50kpc </a:t>
+                </a:r>
+                <a:r>
+                  <a:rPr lang="nl-NL" dirty="0" err="1"/>
+                  <a:t>region</a:t>
+                </a:r>
+                <a:r>
+                  <a:rPr lang="nl-NL" dirty="0"/>
+                  <a:t> of </a:t>
+                </a:r>
+                <a:r>
+                  <a:rPr lang="nl-NL" dirty="0" err="1"/>
+                  <a:t>C.o.M</a:t>
+                </a:r>
+                <a:r>
+                  <a:rPr lang="nl-NL" dirty="0"/>
+                  <a:t>. </a:t>
+                </a:r>
+              </a:p>
+              <a:p>
+                <a:pPr lvl="1"/>
+                <a:r>
+                  <a:rPr lang="nl-NL" dirty="0"/>
+                  <a:t>Total </a:t>
+                </a:r>
+                <a:r>
+                  <a:rPr lang="nl-NL" dirty="0" err="1"/>
+                  <a:t>stellar</a:t>
+                </a:r>
+                <a:r>
+                  <a:rPr lang="nl-NL" dirty="0"/>
+                  <a:t> </a:t>
+                </a:r>
+                <a:r>
+                  <a:rPr lang="nl-NL" dirty="0" err="1"/>
+                  <a:t>mass</a:t>
+                </a:r>
+                <a:r>
+                  <a:rPr lang="nl-NL" dirty="0"/>
+                  <a:t> </a:t>
+                </a:r>
+                <a:r>
+                  <a:rPr lang="nl-NL" dirty="0" err="1"/>
+                  <a:t>above</a:t>
+                </a:r>
+                <a:r>
+                  <a:rPr lang="nl-NL" dirty="0"/>
+                  <a:t> </a:t>
+                </a:r>
+                <a14:m>
+                  <m:oMath xmlns:m="http://schemas.openxmlformats.org/officeDocument/2006/math">
+                    <m:sSup>
+                      <m:sSupPr>
+                        <m:ctrlPr>
+                          <a:rPr lang="nl-NL" i="1" smtClean="0">
+                            <a:latin typeface="Cambria Math" panose="02040503050406030204" pitchFamily="18" charset="0"/>
+                          </a:rPr>
+                        </m:ctrlPr>
+                      </m:sSupPr>
+                      <m:e>
+                        <m:r>
+                          <a:rPr lang="nl-NL" b="0" i="1" smtClean="0">
+                            <a:latin typeface="Cambria Math" panose="02040503050406030204" pitchFamily="18" charset="0"/>
+                          </a:rPr>
+                          <m:t>2</m:t>
+                        </m:r>
+                        <m:r>
+                          <a:rPr lang="nl-NL" i="1" smtClean="0">
+                            <a:latin typeface="Cambria Math" panose="02040503050406030204" pitchFamily="18" charset="0"/>
+                            <a:ea typeface="Cambria Math" panose="02040503050406030204" pitchFamily="18" charset="0"/>
+                          </a:rPr>
+                          <m:t>∙</m:t>
+                        </m:r>
+                        <m:r>
+                          <a:rPr lang="nl-NL" b="0" i="1" smtClean="0">
+                            <a:latin typeface="Cambria Math" panose="02040503050406030204" pitchFamily="18" charset="0"/>
+                          </a:rPr>
+                          <m:t>10</m:t>
+                        </m:r>
+                      </m:e>
+                      <m:sup>
+                        <m:r>
+                          <a:rPr lang="nl-NL" b="0" i="1" smtClean="0">
+                            <a:latin typeface="Cambria Math" panose="02040503050406030204" pitchFamily="18" charset="0"/>
+                          </a:rPr>
+                          <m:t>10</m:t>
+                        </m:r>
+                      </m:sup>
+                    </m:sSup>
+                    <m:r>
+                      <a:rPr lang="nl-NL" b="0" i="1" smtClean="0">
+                        <a:latin typeface="Cambria Math" panose="02040503050406030204" pitchFamily="18" charset="0"/>
+                      </a:rPr>
+                      <m:t> </m:t>
+                    </m:r>
+                    <m:sSub>
+                      <m:sSubPr>
+                        <m:ctrlPr>
+                          <a:rPr lang="nl-NL" b="0" i="1" smtClean="0">
+                            <a:latin typeface="Cambria Math" panose="02040503050406030204" pitchFamily="18" charset="0"/>
+                          </a:rPr>
+                        </m:ctrlPr>
+                      </m:sSubPr>
+                      <m:e>
+                        <m:r>
+                          <a:rPr lang="nl-NL" b="0" i="1" smtClean="0">
+                            <a:latin typeface="Cambria Math" panose="02040503050406030204" pitchFamily="18" charset="0"/>
+                          </a:rPr>
+                          <m:t>𝑀</m:t>
+                        </m:r>
+                      </m:e>
+                      <m:sub>
+                        <m:r>
+                          <a:rPr lang="nl-NL" i="1">
+                            <a:latin typeface="Cambria Math" panose="02040503050406030204" pitchFamily="18" charset="0"/>
+                            <a:ea typeface="Cambria Math" panose="02040503050406030204" pitchFamily="18" charset="0"/>
+                          </a:rPr>
+                          <m:t>⨀</m:t>
+                        </m:r>
+                      </m:sub>
+                    </m:sSub>
+                  </m:oMath>
+                </a14:m>
+                <a:endParaRPr lang="nl-NL" dirty="0"/>
+              </a:p>
+              <a:p>
+                <a:r>
+                  <a:rPr lang="nl-NL" dirty="0"/>
+                  <a:t>A lot of time </a:t>
+                </a:r>
+                <a:r>
+                  <a:rPr lang="nl-NL" dirty="0" err="1"/>
+                  <a:t>spend</a:t>
+                </a:r>
+                <a:r>
+                  <a:rPr lang="nl-NL" dirty="0"/>
+                  <a:t> on </a:t>
+                </a:r>
+                <a:r>
+                  <a:rPr lang="nl-NL" dirty="0" err="1"/>
+                  <a:t>optimization</a:t>
+                </a:r>
+                <a:endParaRPr lang="nl-NL" dirty="0"/>
+              </a:p>
+              <a:p>
+                <a:pPr lvl="1"/>
+                <a:r>
+                  <a:rPr lang="nl-NL" dirty="0" err="1"/>
+                  <a:t>Need</a:t>
+                </a:r>
+                <a:r>
+                  <a:rPr lang="nl-NL" dirty="0"/>
+                  <a:t> </a:t>
+                </a:r>
+                <a:r>
+                  <a:rPr lang="nl-NL" dirty="0" err="1"/>
+                  <a:t>to</a:t>
+                </a:r>
+                <a:r>
+                  <a:rPr lang="nl-NL" dirty="0"/>
+                  <a:t> loop </a:t>
+                </a:r>
+                <a:r>
+                  <a:rPr lang="nl-NL" dirty="0" err="1"/>
+                  <a:t>through</a:t>
+                </a:r>
+                <a:r>
+                  <a:rPr lang="nl-NL" dirty="0"/>
+                  <a:t> 13 </a:t>
+                </a:r>
+                <a:r>
+                  <a:rPr lang="nl-NL" dirty="0" err="1"/>
+                  <a:t>million</a:t>
+                </a:r>
+                <a:r>
+                  <a:rPr lang="nl-NL" dirty="0"/>
+                  <a:t> sub-</a:t>
+                </a:r>
+                <a:r>
+                  <a:rPr lang="nl-NL" dirty="0" err="1"/>
+                  <a:t>haloes</a:t>
+                </a:r>
+                <a:r>
+                  <a:rPr lang="nl-NL" dirty="0"/>
+                  <a:t>, </a:t>
+                </a:r>
+                <a:r>
+                  <a:rPr lang="nl-NL" dirty="0" err="1"/>
+                  <a:t>apply</a:t>
+                </a:r>
+                <a:r>
+                  <a:rPr lang="nl-NL" dirty="0"/>
+                  <a:t> </a:t>
+                </a:r>
+                <a:r>
+                  <a:rPr lang="nl-NL" dirty="0" err="1"/>
+                  <a:t>particle</a:t>
+                </a:r>
+                <a:r>
+                  <a:rPr lang="nl-NL" dirty="0"/>
+                  <a:t> </a:t>
+                </a:r>
+                <a:r>
+                  <a:rPr lang="nl-NL" dirty="0" err="1"/>
+                  <a:t>mask</a:t>
+                </a:r>
+                <a:r>
+                  <a:rPr lang="nl-NL" dirty="0"/>
+                  <a:t> per iteration</a:t>
+                </a:r>
+              </a:p>
+              <a:p>
+                <a:pPr lvl="1"/>
+                <a:r>
+                  <a:rPr lang="nl-NL" dirty="0"/>
+                  <a:t>Solution: look-up </a:t>
+                </a:r>
+                <a:r>
+                  <a:rPr lang="nl-NL" dirty="0" err="1"/>
+                  <a:t>table</a:t>
+                </a:r>
+                <a:r>
+                  <a:rPr lang="nl-NL" dirty="0"/>
+                  <a:t>, </a:t>
+                </a:r>
+                <a:r>
+                  <a:rPr lang="nl-NL" dirty="0" err="1"/>
+                  <a:t>requires</a:t>
+                </a:r>
+                <a:r>
+                  <a:rPr lang="nl-NL" dirty="0"/>
+                  <a:t> extra </a:t>
+                </a:r>
+                <a:r>
+                  <a:rPr lang="nl-NL" dirty="0" err="1"/>
+                  <a:t>mask</a:t>
+                </a:r>
+                <a:r>
+                  <a:rPr lang="nl-NL" dirty="0"/>
+                  <a:t>, but </a:t>
+                </a:r>
+                <a:r>
+                  <a:rPr lang="nl-NL" dirty="0" err="1"/>
+                  <a:t>significantly</a:t>
+                </a:r>
+                <a:r>
+                  <a:rPr lang="nl-NL" dirty="0"/>
+                  <a:t> </a:t>
+                </a:r>
+                <a:r>
+                  <a:rPr lang="nl-NL" dirty="0" err="1"/>
+                  <a:t>faster</a:t>
+                </a:r>
+                <a:r>
+                  <a:rPr lang="nl-NL" dirty="0"/>
+                  <a:t>! </a:t>
+                </a:r>
+              </a:p>
+              <a:p>
+                <a:pPr marL="0" indent="0">
+                  <a:buNone/>
+                </a:pPr>
+                <a:endParaRPr lang="nl-NL" dirty="0"/>
+              </a:p>
+            </p:txBody>
+          </p:sp>
+        </mc:Choice>
+        <mc:Fallback>
+          <p:sp>
+            <p:nvSpPr>
+              <p:cNvPr id="3" name="Content Placeholder 2">
+                <a:extLst>
+                  <a:ext uri="{FF2B5EF4-FFF2-40B4-BE49-F238E27FC236}">
+                    <a16:creationId xmlns:a16="http://schemas.microsoft.com/office/drawing/2014/main" id="{230D7082-D5D2-0BF4-0CA1-D50114418D39}"/>
+                  </a:ext>
+                </a:extLst>
+              </p:cNvPr>
+              <p:cNvSpPr>
+                <a:spLocks noGrp="1" noRot="1" noChangeAspect="1" noMove="1" noResize="1" noEditPoints="1" noAdjustHandles="1" noChangeArrowheads="1" noChangeShapeType="1" noTextEdit="1"/>
+              </p:cNvSpPr>
+              <p:nvPr>
+                <p:ph idx="1"/>
+              </p:nvPr>
+            </p:nvSpPr>
+            <p:spPr>
+              <a:xfrm>
+                <a:off x="838199" y="1825625"/>
+                <a:ext cx="6066453" cy="4351338"/>
+              </a:xfrm>
+              <a:blipFill>
+                <a:blip r:embed="rId2"/>
+                <a:stretch>
+                  <a:fillRect l="-1707" t="-3081"/>
+                </a:stretch>
+              </a:blipFill>
+            </p:spPr>
+            <p:txBody>
+              <a:bodyPr/>
+              <a:lstStyle/>
+              <a:p>
+                <a:r>
+                  <a:rPr lang="en-GB">
+                    <a:noFill/>
+                  </a:rPr>
+                  <a:t> </a:t>
+                </a:r>
+              </a:p>
+            </p:txBody>
+          </p:sp>
+        </mc:Fallback>
+      </mc:AlternateContent>
+      <p:pic>
+        <p:nvPicPr>
+          <p:cNvPr id="5" name="Picture 4">
+            <a:extLst>
+              <a:ext uri="{FF2B5EF4-FFF2-40B4-BE49-F238E27FC236}">
+                <a16:creationId xmlns:a16="http://schemas.microsoft.com/office/drawing/2014/main" id="{8D011F3A-950D-5E6A-35B2-41C22F863B7A}"/>
+              </a:ext>
+            </a:extLst>
+          </p:cNvPr>
+          <p:cNvPicPr>
+            <a:picLocks noChangeAspect="1"/>
+          </p:cNvPicPr>
+          <p:nvPr/>
+        </p:nvPicPr>
+        <p:blipFill>
+          <a:blip r:embed="rId3">
+            <a:extLst>
+              <a:ext uri="{28A0092B-C50C-407E-A947-70E740481C1C}">
+                <a14:useLocalDpi xmlns:a14="http://schemas.microsoft.com/office/drawing/2010/main" val="0"/>
+              </a:ext>
+            </a:extLst>
+          </a:blip>
+          <a:stretch>
+            <a:fillRect/>
+          </a:stretch>
+        </p:blipFill>
+        <p:spPr>
+          <a:xfrm>
+            <a:off x="7085044" y="1343608"/>
+            <a:ext cx="5019877" cy="3764907"/>
+          </a:xfrm>
+          <a:prstGeom prst="rect">
+            <a:avLst/>
+          </a:prstGeom>
+        </p:spPr>
+      </p:pic>
+    </p:spTree>
+    <p:extLst>
+      <p:ext uri="{BB962C8B-B14F-4D97-AF65-F5344CB8AC3E}">
+        <p14:creationId xmlns:p14="http://schemas.microsoft.com/office/powerpoint/2010/main" val="4179230099"/>
+      </p:ext>
+    </p:extLst>
+  </p:cSld>
+  <p:clrMapOvr>
+    <a:masterClrMapping/>
+  </p:clrMapOvr>
+</p:sld>
+</file>
+
+<file path=ppt/slides/slide8.xml><?xml version="1.0" encoding="utf-8"?>
+<p:sld xmlns:a="http://schemas.openxmlformats.org/drawingml/2006/main" xmlns:r="http://schemas.openxmlformats.org/officeDocument/2006/relationships" xmlns:p="http://schemas.openxmlformats.org/presentationml/2006/main">
+  <p:cSld>
+    <p:spTree>
+      <p:nvGrpSpPr>
+        <p:cNvPr id="1" name=""/>
+        <p:cNvGrpSpPr/>
+        <p:nvPr/>
+      </p:nvGrpSpPr>
+      <p:grpSpPr>
+        <a:xfrm>
+          <a:off x="0" y="0"/>
+          <a:ext cx="0" cy="0"/>
+          <a:chOff x="0" y="0"/>
+          <a:chExt cx="0" cy="0"/>
+        </a:xfrm>
+      </p:grpSpPr>
+      <p:sp>
+        <p:nvSpPr>
+          <p:cNvPr id="2" name="Title 1">
+            <a:extLst>
+              <a:ext uri="{FF2B5EF4-FFF2-40B4-BE49-F238E27FC236}">
+                <a16:creationId xmlns:a16="http://schemas.microsoft.com/office/drawing/2014/main" id="{071E2EA4-D7B2-2D47-9A5C-A248A1F05799}"/>
+              </a:ext>
+            </a:extLst>
+          </p:cNvPr>
+          <p:cNvSpPr>
+            <a:spLocks noGrp="1"/>
+          </p:cNvSpPr>
+          <p:nvPr>
+            <p:ph type="title"/>
+          </p:nvPr>
+        </p:nvSpPr>
+        <p:spPr/>
+        <p:txBody>
+          <a:bodyPr/>
+          <a:lstStyle/>
+          <a:p>
+            <a:r>
+              <a:rPr lang="nl-NL" b="1" dirty="0" err="1"/>
+              <a:t>Methods</a:t>
+            </a:r>
+            <a:r>
+              <a:rPr lang="nl-NL" b="1" dirty="0"/>
+              <a:t>: </a:t>
+            </a:r>
+            <a:r>
+              <a:rPr lang="nl-NL" b="1" dirty="0" err="1"/>
+              <a:t>redshift-space</a:t>
+            </a:r>
+            <a:r>
+              <a:rPr lang="nl-NL" b="1" dirty="0"/>
+              <a:t> </a:t>
+            </a:r>
+            <a:r>
+              <a:rPr lang="nl-NL" b="1" dirty="0" err="1"/>
+              <a:t>positions</a:t>
+            </a:r>
+            <a:endParaRPr lang="en-GB" b="1" dirty="0"/>
+          </a:p>
+        </p:txBody>
+      </p:sp>
+      <mc:AlternateContent xmlns:mc="http://schemas.openxmlformats.org/markup-compatibility/2006">
+        <mc:Choice xmlns:a14="http://schemas.microsoft.com/office/drawing/2010/main" Requires="a14">
+          <p:sp>
+            <p:nvSpPr>
+              <p:cNvPr id="3" name="Content Placeholder 2">
+                <a:extLst>
+                  <a:ext uri="{FF2B5EF4-FFF2-40B4-BE49-F238E27FC236}">
+                    <a16:creationId xmlns:a16="http://schemas.microsoft.com/office/drawing/2014/main" id="{897E4D6E-BE92-228C-550D-E554EFFA2197}"/>
+                  </a:ext>
+                </a:extLst>
+              </p:cNvPr>
+              <p:cNvSpPr>
+                <a:spLocks noGrp="1"/>
+              </p:cNvSpPr>
+              <p:nvPr>
+                <p:ph idx="1"/>
+              </p:nvPr>
+            </p:nvSpPr>
+            <p:spPr>
+              <a:xfrm>
+                <a:off x="808653" y="1816294"/>
+                <a:ext cx="4640425" cy="4351338"/>
+              </a:xfrm>
+            </p:spPr>
+            <p:txBody>
+              <a:bodyPr/>
+              <a:lstStyle/>
+              <a:p>
+                <a:r>
+                  <a:rPr lang="nl-NL" dirty="0"/>
+                  <a:t>How </a:t>
+                </a:r>
+                <a:r>
+                  <a:rPr lang="nl-NL" dirty="0" err="1"/>
+                  <a:t>to</a:t>
+                </a:r>
+                <a:r>
+                  <a:rPr lang="nl-NL" dirty="0"/>
+                  <a:t> </a:t>
+                </a:r>
+                <a:r>
+                  <a:rPr lang="nl-NL" dirty="0" err="1"/>
+                  <a:t>convert</a:t>
+                </a:r>
+                <a:r>
+                  <a:rPr lang="nl-NL" dirty="0"/>
+                  <a:t> real-</a:t>
+                </a:r>
+                <a:r>
+                  <a:rPr lang="nl-NL" dirty="0" err="1"/>
+                  <a:t>space</a:t>
+                </a:r>
+                <a:r>
+                  <a:rPr lang="nl-NL" dirty="0"/>
+                  <a:t> </a:t>
+                </a:r>
+                <a:r>
+                  <a:rPr lang="nl-NL" dirty="0" err="1"/>
+                  <a:t>positions</a:t>
+                </a:r>
+                <a:r>
+                  <a:rPr lang="nl-NL" dirty="0"/>
+                  <a:t> </a:t>
+                </a:r>
+                <a:r>
+                  <a:rPr lang="nl-NL" dirty="0" err="1"/>
+                  <a:t>to</a:t>
+                </a:r>
+                <a:r>
+                  <a:rPr lang="nl-NL" dirty="0"/>
+                  <a:t> </a:t>
+                </a:r>
+                <a:r>
+                  <a:rPr lang="nl-NL" dirty="0" err="1"/>
+                  <a:t>redshift</a:t>
+                </a:r>
+                <a:r>
+                  <a:rPr lang="nl-NL" dirty="0"/>
+                  <a:t> </a:t>
+                </a:r>
+                <a:r>
+                  <a:rPr lang="nl-NL" dirty="0" err="1"/>
+                  <a:t>space</a:t>
+                </a:r>
+                <a:r>
+                  <a:rPr lang="nl-NL" dirty="0"/>
+                  <a:t>? </a:t>
+                </a:r>
+              </a:p>
+              <a:p>
+                <a:pPr lvl="1"/>
+                <a14:m>
+                  <m:oMath xmlns:m="http://schemas.openxmlformats.org/officeDocument/2006/math">
+                    <m:r>
+                      <a:rPr lang="nl-NL" i="1" dirty="0" smtClean="0">
+                        <a:latin typeface="Cambria Math" panose="02040503050406030204" pitchFamily="18" charset="0"/>
+                      </a:rPr>
+                      <m:t>𝑠</m:t>
+                    </m:r>
+                    <m:r>
+                      <a:rPr lang="nl-NL" i="1" dirty="0" smtClean="0">
+                        <a:latin typeface="Cambria Math" panose="02040503050406030204" pitchFamily="18" charset="0"/>
+                      </a:rPr>
+                      <m:t> = </m:t>
+                    </m:r>
+                    <m:r>
+                      <a:rPr lang="nl-NL" i="1" dirty="0" smtClean="0">
+                        <a:latin typeface="Cambria Math" panose="02040503050406030204" pitchFamily="18" charset="0"/>
+                      </a:rPr>
+                      <m:t>𝑟</m:t>
+                    </m:r>
+                    <m:r>
+                      <a:rPr lang="nl-NL" i="1" dirty="0" smtClean="0">
+                        <a:latin typeface="Cambria Math" panose="02040503050406030204" pitchFamily="18" charset="0"/>
+                      </a:rPr>
+                      <m:t> + </m:t>
+                    </m:r>
+                    <m:f>
+                      <m:fPr>
+                        <m:ctrlPr>
+                          <a:rPr lang="nl-NL" i="1" dirty="0" smtClean="0">
+                            <a:latin typeface="Cambria Math" panose="02040503050406030204" pitchFamily="18" charset="0"/>
+                          </a:rPr>
+                        </m:ctrlPr>
+                      </m:fPr>
+                      <m:num>
+                        <m:r>
+                          <a:rPr lang="nl-NL" b="0" i="1" dirty="0" smtClean="0">
+                            <a:latin typeface="Cambria Math" panose="02040503050406030204" pitchFamily="18" charset="0"/>
+                          </a:rPr>
+                          <m:t>𝑣</m:t>
+                        </m:r>
+                        <m:r>
+                          <a:rPr lang="nl-NL" b="0" i="1" dirty="0" smtClean="0">
+                            <a:latin typeface="Cambria Math" panose="02040503050406030204" pitchFamily="18" charset="0"/>
+                          </a:rPr>
+                          <m:t> ∙</m:t>
+                        </m:r>
+                        <m:acc>
+                          <m:accPr>
+                            <m:chr m:val="̂"/>
+                            <m:ctrlPr>
+                              <a:rPr lang="nl-NL" b="0" i="1" dirty="0" smtClean="0">
+                                <a:latin typeface="Cambria Math" panose="02040503050406030204" pitchFamily="18" charset="0"/>
+                                <a:ea typeface="Cambria Math" panose="02040503050406030204" pitchFamily="18" charset="0"/>
+                              </a:rPr>
+                            </m:ctrlPr>
+                          </m:accPr>
+                          <m:e>
+                            <m:r>
+                              <a:rPr lang="nl-NL" b="0" i="1" dirty="0" smtClean="0">
+                                <a:latin typeface="Cambria Math" panose="02040503050406030204" pitchFamily="18" charset="0"/>
+                                <a:ea typeface="Cambria Math" panose="02040503050406030204" pitchFamily="18" charset="0"/>
+                              </a:rPr>
+                              <m:t>𝑟</m:t>
+                            </m:r>
+                          </m:e>
+                        </m:acc>
+                      </m:num>
+                      <m:den>
+                        <m:r>
+                          <a:rPr lang="nl-NL" b="0" i="1" dirty="0" smtClean="0">
+                            <a:latin typeface="Cambria Math" panose="02040503050406030204" pitchFamily="18" charset="0"/>
+                          </a:rPr>
+                          <m:t>𝑎𝐻</m:t>
+                        </m:r>
+                        <m:r>
+                          <a:rPr lang="nl-NL" b="0" i="1" dirty="0" smtClean="0">
+                            <a:latin typeface="Cambria Math" panose="02040503050406030204" pitchFamily="18" charset="0"/>
+                          </a:rPr>
+                          <m:t>(</m:t>
+                        </m:r>
+                        <m:r>
+                          <a:rPr lang="nl-NL" b="0" i="1" dirty="0" smtClean="0">
+                            <a:latin typeface="Cambria Math" panose="02040503050406030204" pitchFamily="18" charset="0"/>
+                          </a:rPr>
+                          <m:t>𝑎</m:t>
+                        </m:r>
+                        <m:r>
+                          <a:rPr lang="nl-NL" b="0" i="1" dirty="0" smtClean="0">
+                            <a:latin typeface="Cambria Math" panose="02040503050406030204" pitchFamily="18" charset="0"/>
+                          </a:rPr>
+                          <m:t>)</m:t>
+                        </m:r>
+                      </m:den>
+                    </m:f>
+                    <m:r>
+                      <a:rPr lang="nl-NL" i="1" dirty="0" smtClean="0">
+                        <a:latin typeface="Cambria Math" panose="02040503050406030204" pitchFamily="18" charset="0"/>
+                      </a:rPr>
+                      <m:t> </m:t>
+                    </m:r>
+                  </m:oMath>
+                </a14:m>
+                <a:r>
+                  <a:rPr lang="nl-NL" dirty="0"/>
+                  <a:t>,</a:t>
+                </a:r>
+                <a:endParaRPr lang="nl-NL" b="0" i="1" dirty="0">
+                  <a:latin typeface="Cambria Math" panose="02040503050406030204" pitchFamily="18" charset="0"/>
+                </a:endParaRPr>
+              </a:p>
+              <a:p>
+                <a:pPr lvl="1"/>
+                <a14:m>
+                  <m:oMath xmlns:m="http://schemas.openxmlformats.org/officeDocument/2006/math">
+                    <m:r>
+                      <a:rPr lang="nl-NL" b="0" i="1" dirty="0" smtClean="0">
+                        <a:latin typeface="Cambria Math" panose="02040503050406030204" pitchFamily="18" charset="0"/>
+                      </a:rPr>
+                      <m:t>𝐻</m:t>
+                    </m:r>
+                    <m:d>
+                      <m:dPr>
+                        <m:ctrlPr>
+                          <a:rPr lang="nl-NL" b="0" i="1" dirty="0" smtClean="0">
+                            <a:latin typeface="Cambria Math" panose="02040503050406030204" pitchFamily="18" charset="0"/>
+                          </a:rPr>
+                        </m:ctrlPr>
+                      </m:dPr>
+                      <m:e>
+                        <m:r>
+                          <a:rPr lang="nl-NL" b="0" i="1" dirty="0" smtClean="0">
+                            <a:latin typeface="Cambria Math" panose="02040503050406030204" pitchFamily="18" charset="0"/>
+                          </a:rPr>
+                          <m:t>𝑎</m:t>
+                        </m:r>
+                      </m:e>
+                    </m:d>
+                    <m:r>
+                      <a:rPr lang="nl-NL" b="0" i="1" dirty="0" smtClean="0">
+                        <a:latin typeface="Cambria Math" panose="02040503050406030204" pitchFamily="18" charset="0"/>
+                      </a:rPr>
+                      <m:t>=</m:t>
+                    </m:r>
+                    <m:sSub>
+                      <m:sSubPr>
+                        <m:ctrlPr>
+                          <a:rPr lang="nl-NL" b="0" i="1" dirty="0" smtClean="0">
+                            <a:latin typeface="Cambria Math" panose="02040503050406030204" pitchFamily="18" charset="0"/>
+                          </a:rPr>
+                        </m:ctrlPr>
+                      </m:sSubPr>
+                      <m:e>
+                        <m:r>
+                          <a:rPr lang="nl-NL" b="0" i="1" dirty="0" smtClean="0">
+                            <a:latin typeface="Cambria Math" panose="02040503050406030204" pitchFamily="18" charset="0"/>
+                          </a:rPr>
+                          <m:t>𝐻</m:t>
+                        </m:r>
+                      </m:e>
+                      <m:sub>
+                        <m:r>
+                          <a:rPr lang="nl-NL" b="0" i="1" dirty="0" smtClean="0">
+                            <a:latin typeface="Cambria Math" panose="02040503050406030204" pitchFamily="18" charset="0"/>
+                          </a:rPr>
+                          <m:t>0 </m:t>
+                        </m:r>
+                      </m:sub>
+                    </m:sSub>
+                    <m:rad>
+                      <m:radPr>
+                        <m:degHide m:val="on"/>
+                        <m:ctrlPr>
+                          <a:rPr lang="nl-NL" b="0" i="1" dirty="0" smtClean="0">
+                            <a:latin typeface="Cambria Math" panose="02040503050406030204" pitchFamily="18" charset="0"/>
+                          </a:rPr>
+                        </m:ctrlPr>
+                      </m:radPr>
+                      <m:deg/>
+                      <m:e>
+                        <m:sSub>
+                          <m:sSubPr>
+                            <m:ctrlPr>
+                              <a:rPr lang="nl-NL" b="0" i="1" dirty="0" smtClean="0">
+                                <a:latin typeface="Cambria Math" panose="02040503050406030204" pitchFamily="18" charset="0"/>
+                              </a:rPr>
+                            </m:ctrlPr>
+                          </m:sSubPr>
+                          <m:e>
+                            <m:r>
+                              <m:rPr>
+                                <m:sty m:val="p"/>
+                              </m:rPr>
+                              <a:rPr lang="el-GR" b="0" i="1" dirty="0" smtClean="0">
+                                <a:latin typeface="Cambria Math" panose="02040503050406030204" pitchFamily="18" charset="0"/>
+                              </a:rPr>
+                              <m:t>Ω</m:t>
+                            </m:r>
+                          </m:e>
+                          <m:sub>
+                            <m:r>
+                              <a:rPr lang="nl-NL" b="0" i="1" dirty="0" smtClean="0">
+                                <a:latin typeface="Cambria Math" panose="02040503050406030204" pitchFamily="18" charset="0"/>
+                              </a:rPr>
+                              <m:t>𝑚</m:t>
+                            </m:r>
+                            <m:r>
+                              <a:rPr lang="nl-NL" b="0" i="1" dirty="0" smtClean="0">
+                                <a:latin typeface="Cambria Math" panose="02040503050406030204" pitchFamily="18" charset="0"/>
+                              </a:rPr>
+                              <m:t>,0</m:t>
+                            </m:r>
+                          </m:sub>
+                        </m:sSub>
+                        <m:sSup>
+                          <m:sSupPr>
+                            <m:ctrlPr>
+                              <a:rPr lang="nl-NL" b="0" i="1" dirty="0" smtClean="0">
+                                <a:latin typeface="Cambria Math" panose="02040503050406030204" pitchFamily="18" charset="0"/>
+                              </a:rPr>
+                            </m:ctrlPr>
+                          </m:sSupPr>
+                          <m:e>
+                            <m:r>
+                              <a:rPr lang="nl-NL" b="0" i="1" dirty="0" smtClean="0">
+                                <a:latin typeface="Cambria Math" panose="02040503050406030204" pitchFamily="18" charset="0"/>
+                              </a:rPr>
+                              <m:t>𝑎</m:t>
+                            </m:r>
+                          </m:e>
+                          <m:sup>
+                            <m:r>
+                              <a:rPr lang="nl-NL" b="0" i="1" dirty="0" smtClean="0">
+                                <a:latin typeface="Cambria Math" panose="02040503050406030204" pitchFamily="18" charset="0"/>
+                              </a:rPr>
+                              <m:t>−3</m:t>
+                            </m:r>
+                          </m:sup>
+                        </m:sSup>
+                        <m:r>
+                          <a:rPr lang="nl-NL" b="0" i="1" dirty="0" smtClean="0">
+                            <a:latin typeface="Cambria Math" panose="02040503050406030204" pitchFamily="18" charset="0"/>
+                          </a:rPr>
+                          <m:t>+</m:t>
+                        </m:r>
+                        <m:sSub>
+                          <m:sSubPr>
+                            <m:ctrlPr>
+                              <a:rPr lang="nl-NL" b="0" i="1" dirty="0" smtClean="0">
+                                <a:latin typeface="Cambria Math" panose="02040503050406030204" pitchFamily="18" charset="0"/>
+                              </a:rPr>
+                            </m:ctrlPr>
+                          </m:sSubPr>
+                          <m:e>
+                            <m:r>
+                              <m:rPr>
+                                <m:sty m:val="p"/>
+                              </m:rPr>
+                              <a:rPr lang="el-GR" b="0" i="1" dirty="0" smtClean="0">
+                                <a:latin typeface="Cambria Math" panose="02040503050406030204" pitchFamily="18" charset="0"/>
+                              </a:rPr>
+                              <m:t>Ω</m:t>
+                            </m:r>
+                          </m:e>
+                          <m:sub>
+                            <m:r>
+                              <m:rPr>
+                                <m:sty m:val="p"/>
+                              </m:rPr>
+                              <a:rPr lang="el-GR" b="0" i="1" dirty="0" smtClean="0">
+                                <a:latin typeface="Cambria Math" panose="02040503050406030204" pitchFamily="18" charset="0"/>
+                              </a:rPr>
+                              <m:t>Λ</m:t>
+                            </m:r>
+                            <m:r>
+                              <a:rPr lang="nl-NL" b="0" i="1" dirty="0" smtClean="0">
+                                <a:latin typeface="Cambria Math" panose="02040503050406030204" pitchFamily="18" charset="0"/>
+                              </a:rPr>
+                              <m:t>,0</m:t>
+                            </m:r>
+                          </m:sub>
+                        </m:sSub>
+                      </m:e>
+                    </m:rad>
+                  </m:oMath>
+                </a14:m>
+                <a:endParaRPr lang="nl-NL" dirty="0"/>
+              </a:p>
+              <a:p>
+                <a:r>
+                  <a:rPr lang="nl-NL" dirty="0"/>
+                  <a:t>On 1-10 </a:t>
+                </a:r>
+                <a:r>
+                  <a:rPr lang="nl-NL" dirty="0" err="1"/>
+                  <a:t>Mpc</a:t>
+                </a:r>
+                <a:r>
+                  <a:rPr lang="nl-NL" dirty="0"/>
+                  <a:t> </a:t>
+                </a:r>
+                <a:r>
+                  <a:rPr lang="nl-NL" dirty="0" err="1"/>
+                  <a:t>scale</a:t>
+                </a:r>
+                <a:r>
+                  <a:rPr lang="nl-NL" dirty="0"/>
+                  <a:t>, </a:t>
+                </a:r>
+                <a:r>
+                  <a:rPr lang="nl-NL" dirty="0" err="1"/>
+                  <a:t>galaxies</a:t>
+                </a:r>
+                <a:r>
+                  <a:rPr lang="nl-NL" dirty="0"/>
+                  <a:t> shift </a:t>
+                </a:r>
+                <a:r>
+                  <a:rPr lang="nl-NL" dirty="0" err="1"/>
+                  <a:t>toward</a:t>
+                </a:r>
+                <a:r>
+                  <a:rPr lang="nl-NL" dirty="0"/>
+                  <a:t> cluster center (in </a:t>
+                </a:r>
+                <a:r>
+                  <a:rPr lang="nl-NL" dirty="0" err="1"/>
+                  <a:t>redshift-space</a:t>
+                </a:r>
+                <a:r>
+                  <a:rPr lang="nl-NL" dirty="0"/>
+                  <a:t>)</a:t>
+                </a:r>
+              </a:p>
+              <a:p>
+                <a:r>
+                  <a:rPr lang="nl-NL" dirty="0" err="1"/>
+                  <a:t>Stronger</a:t>
+                </a:r>
+                <a:r>
+                  <a:rPr lang="nl-NL" dirty="0"/>
+                  <a:t> effect closer </a:t>
+                </a:r>
+                <a:r>
+                  <a:rPr lang="nl-NL" dirty="0" err="1"/>
+                  <a:t>to</a:t>
+                </a:r>
+                <a:r>
+                  <a:rPr lang="nl-NL" dirty="0"/>
+                  <a:t> </a:t>
+                </a:r>
+                <a:r>
+                  <a:rPr lang="nl-NL" dirty="0" err="1"/>
+                  <a:t>filaments</a:t>
+                </a:r>
+                <a:r>
+                  <a:rPr lang="nl-NL" dirty="0"/>
+                  <a:t>/cluster</a:t>
+                </a:r>
+                <a:endParaRPr lang="en-GB" dirty="0"/>
+              </a:p>
+            </p:txBody>
+          </p:sp>
+        </mc:Choice>
+        <mc:Fallback>
+          <p:sp>
+            <p:nvSpPr>
+              <p:cNvPr id="3" name="Content Placeholder 2">
+                <a:extLst>
+                  <a:ext uri="{FF2B5EF4-FFF2-40B4-BE49-F238E27FC236}">
+                    <a16:creationId xmlns:a16="http://schemas.microsoft.com/office/drawing/2014/main" id="{897E4D6E-BE92-228C-550D-E554EFFA2197}"/>
+                  </a:ext>
+                </a:extLst>
+              </p:cNvPr>
+              <p:cNvSpPr>
+                <a:spLocks noGrp="1" noRot="1" noChangeAspect="1" noMove="1" noResize="1" noEditPoints="1" noAdjustHandles="1" noChangeArrowheads="1" noChangeShapeType="1" noTextEdit="1"/>
+              </p:cNvSpPr>
+              <p:nvPr>
+                <p:ph idx="1"/>
+              </p:nvPr>
+            </p:nvSpPr>
+            <p:spPr>
+              <a:xfrm>
+                <a:off x="808653" y="1816294"/>
+                <a:ext cx="4640425" cy="4351338"/>
+              </a:xfrm>
+              <a:blipFill>
+                <a:blip r:embed="rId2"/>
+                <a:stretch>
+                  <a:fillRect l="-2365" t="-2381"/>
+                </a:stretch>
+              </a:blipFill>
+            </p:spPr>
+            <p:txBody>
+              <a:bodyPr/>
+              <a:lstStyle/>
+              <a:p>
+                <a:r>
+                  <a:rPr lang="en-GB">
+                    <a:noFill/>
+                  </a:rPr>
+                  <a:t> </a:t>
+                </a:r>
+              </a:p>
+            </p:txBody>
+          </p:sp>
+        </mc:Fallback>
+      </mc:AlternateContent>
+      <p:pic>
+        <p:nvPicPr>
+          <p:cNvPr id="5" name="Picture 4">
+            <a:extLst>
+              <a:ext uri="{FF2B5EF4-FFF2-40B4-BE49-F238E27FC236}">
+                <a16:creationId xmlns:a16="http://schemas.microsoft.com/office/drawing/2014/main" id="{90F4F0C5-A5AE-0AD9-9217-4BC32161AA99}"/>
+              </a:ext>
+            </a:extLst>
+          </p:cNvPr>
+          <p:cNvPicPr>
+            <a:picLocks noChangeAspect="1"/>
+          </p:cNvPicPr>
+          <p:nvPr/>
+        </p:nvPicPr>
+        <p:blipFill>
+          <a:blip r:embed="rId3">
+            <a:extLst>
+              <a:ext uri="{28A0092B-C50C-407E-A947-70E740481C1C}">
+                <a14:useLocalDpi xmlns:a14="http://schemas.microsoft.com/office/drawing/2010/main" val="0"/>
+              </a:ext>
+            </a:extLst>
+          </a:blip>
+          <a:stretch>
+            <a:fillRect/>
+          </a:stretch>
+        </p:blipFill>
+        <p:spPr>
+          <a:xfrm>
+            <a:off x="5772541" y="1449138"/>
+            <a:ext cx="6291325" cy="4718494"/>
+          </a:xfrm>
+          <a:prstGeom prst="rect">
+            <a:avLst/>
+          </a:prstGeom>
+        </p:spPr>
+      </p:pic>
+    </p:spTree>
+    <p:extLst>
+      <p:ext uri="{BB962C8B-B14F-4D97-AF65-F5344CB8AC3E}">
+        <p14:creationId xmlns:p14="http://schemas.microsoft.com/office/powerpoint/2010/main" val="2920067106"/>
+      </p:ext>
+    </p:extLst>
+  </p:cSld>
+  <p:clrMapOvr>
+    <a:masterClrMapping/>
+  </p:clrMapOvr>
+</p:sld>
+</file>
+
+<file path=ppt/slides/slide9.xml><?xml version="1.0" encoding="utf-8"?>
+<p:sld xmlns:a="http://schemas.openxmlformats.org/drawingml/2006/main" xmlns:r="http://schemas.openxmlformats.org/officeDocument/2006/relationships" xmlns:p="http://schemas.openxmlformats.org/presentationml/2006/main">
+  <p:cSld>
+    <p:spTree>
+      <p:nvGrpSpPr>
+        <p:cNvPr id="1" name=""/>
+        <p:cNvGrpSpPr/>
+        <p:nvPr/>
+      </p:nvGrpSpPr>
+      <p:grpSpPr>
+        <a:xfrm>
+          <a:off x="0" y="0"/>
+          <a:ext cx="0" cy="0"/>
+          <a:chOff x="0" y="0"/>
+          <a:chExt cx="0" cy="0"/>
+        </a:xfrm>
+      </p:grpSpPr>
+      <p:sp>
+        <p:nvSpPr>
+          <p:cNvPr id="2" name="Title 1">
+            <a:extLst>
+              <a:ext uri="{FF2B5EF4-FFF2-40B4-BE49-F238E27FC236}">
+                <a16:creationId xmlns:a16="http://schemas.microsoft.com/office/drawing/2014/main" id="{7C675E34-D7CC-CB21-A87F-92EF54935D0F}"/>
+              </a:ext>
+            </a:extLst>
+          </p:cNvPr>
+          <p:cNvSpPr>
+            <a:spLocks noGrp="1"/>
+          </p:cNvSpPr>
+          <p:nvPr>
+            <p:ph type="title"/>
+          </p:nvPr>
+        </p:nvSpPr>
+        <p:spPr>
+          <a:xfrm>
+            <a:off x="838200" y="365125"/>
+            <a:ext cx="7876592" cy="1325563"/>
+          </a:xfrm>
+        </p:spPr>
+        <p:txBody>
+          <a:bodyPr/>
+          <a:lstStyle/>
+          <a:p>
+            <a:r>
+              <a:rPr lang="nl-NL" b="1" dirty="0" err="1"/>
+              <a:t>Methods</a:t>
+            </a:r>
+            <a:r>
+              <a:rPr lang="nl-NL" b="1" dirty="0"/>
+              <a:t>: 2D power-spectrum </a:t>
+            </a:r>
+            <a:r>
+              <a:rPr lang="nl-NL" b="1" dirty="0" err="1"/>
+              <a:t>grid</a:t>
+            </a:r>
+            <a:r>
+              <a:rPr lang="nl-NL" b="1" dirty="0"/>
+              <a:t> </a:t>
+            </a:r>
+            <a:endParaRPr lang="en-GB" dirty="0"/>
+          </a:p>
+        </p:txBody>
+      </p:sp>
+      <mc:AlternateContent xmlns:mc="http://schemas.openxmlformats.org/markup-compatibility/2006">
+        <mc:Choice xmlns:a14="http://schemas.microsoft.com/office/drawing/2010/main" Requires="a14">
+          <p:sp>
+            <p:nvSpPr>
+              <p:cNvPr id="3" name="Content Placeholder 2">
+                <a:extLst>
+                  <a:ext uri="{FF2B5EF4-FFF2-40B4-BE49-F238E27FC236}">
+                    <a16:creationId xmlns:a16="http://schemas.microsoft.com/office/drawing/2014/main" id="{ED3A0075-ECC0-B9BF-83D3-F9F61CD66EC2}"/>
+                  </a:ext>
+                </a:extLst>
+              </p:cNvPr>
+              <p:cNvSpPr>
+                <a:spLocks noGrp="1"/>
+              </p:cNvSpPr>
+              <p:nvPr>
+                <p:ph idx="1"/>
+              </p:nvPr>
+            </p:nvSpPr>
+            <p:spPr>
+              <a:xfrm>
+                <a:off x="838200" y="1825625"/>
+                <a:ext cx="6010470" cy="4351338"/>
+              </a:xfrm>
+            </p:spPr>
+            <p:txBody>
+              <a:bodyPr>
+                <a:normAutofit/>
+              </a:bodyPr>
+              <a:lstStyle/>
+              <a:p>
+                <a:r>
+                  <a:rPr lang="nl-NL" dirty="0"/>
+                  <a:t>FFTPower from </a:t>
+                </a:r>
+                <a:r>
+                  <a:rPr lang="nl-NL" dirty="0" err="1"/>
+                  <a:t>nbodykit</a:t>
+                </a:r>
+                <a:r>
+                  <a:rPr lang="nl-NL" dirty="0"/>
+                  <a:t> module </a:t>
+                </a:r>
+                <a:r>
+                  <a:rPr lang="nl-NL" dirty="0" err="1"/>
+                  <a:t>calculates</a:t>
+                </a:r>
+                <a:r>
+                  <a:rPr lang="nl-NL" dirty="0"/>
+                  <a:t> P(k) from </a:t>
+                </a:r>
+                <a:r>
+                  <a:rPr lang="nl-NL" dirty="0" err="1"/>
+                  <a:t>galaxy</a:t>
+                </a:r>
+                <a:r>
+                  <a:rPr lang="nl-NL" dirty="0"/>
+                  <a:t> </a:t>
+                </a:r>
+                <a:r>
+                  <a:rPr lang="nl-NL" dirty="0" err="1"/>
+                  <a:t>catalogue</a:t>
+                </a:r>
+                <a:endParaRPr lang="nl-NL" dirty="0"/>
+              </a:p>
+              <a:p>
+                <a:pPr lvl="1"/>
+                <a:r>
+                  <a:rPr lang="nl-NL" dirty="0" err="1"/>
+                  <a:t>Outputs</a:t>
+                </a:r>
+                <a:r>
+                  <a:rPr lang="nl-NL" dirty="0"/>
+                  <a:t> (</a:t>
+                </a:r>
+                <a:r>
+                  <a:rPr lang="el-GR" dirty="0"/>
+                  <a:t>μ</a:t>
+                </a:r>
+                <a:r>
+                  <a:rPr lang="nl-NL" dirty="0"/>
+                  <a:t>,</a:t>
+                </a:r>
+                <a:r>
+                  <a:rPr lang="nl-NL" dirty="0" err="1"/>
+                  <a:t>k,P</a:t>
+                </a:r>
+                <a:r>
+                  <a:rPr lang="nl-NL" dirty="0"/>
+                  <a:t>(k,</a:t>
+                </a:r>
+                <a:r>
+                  <a:rPr lang="el-GR" dirty="0"/>
+                  <a:t>μ</a:t>
+                </a:r>
+                <a:r>
+                  <a:rPr lang="nl-NL" dirty="0"/>
+                  <a:t>))</a:t>
+                </a:r>
+              </a:p>
+              <a:p>
+                <a:pPr lvl="1"/>
+                <a:r>
+                  <a:rPr lang="el-GR" dirty="0"/>
+                  <a:t>μ</a:t>
+                </a:r>
+                <a:r>
+                  <a:rPr lang="nl-NL" dirty="0"/>
+                  <a:t> = </a:t>
+                </a:r>
+                <a:r>
+                  <a:rPr lang="nl-NL" dirty="0" err="1"/>
+                  <a:t>cos</a:t>
+                </a:r>
+                <a:r>
+                  <a:rPr lang="nl-NL" dirty="0"/>
+                  <a:t>(</a:t>
+                </a:r>
+                <a:r>
+                  <a:rPr lang="el-GR" dirty="0"/>
+                  <a:t>θ</a:t>
+                </a:r>
+                <a:r>
+                  <a:rPr lang="nl-NL" dirty="0"/>
+                  <a:t>), {</a:t>
+                </a:r>
+                <a14:m>
+                  <m:oMath xmlns:m="http://schemas.openxmlformats.org/officeDocument/2006/math">
+                    <m:sSub>
+                      <m:sSubPr>
+                        <m:ctrlPr>
+                          <a:rPr lang="nl-NL" i="1">
+                            <a:latin typeface="Cambria Math" panose="02040503050406030204" pitchFamily="18" charset="0"/>
+                          </a:rPr>
+                        </m:ctrlPr>
+                      </m:sSubPr>
+                      <m:e>
+                        <m:r>
+                          <a:rPr lang="nl-NL" i="1">
+                            <a:latin typeface="Cambria Math" panose="02040503050406030204" pitchFamily="18" charset="0"/>
+                          </a:rPr>
+                          <m:t>𝑘</m:t>
+                        </m:r>
+                      </m:e>
+                      <m:sub>
+                        <m:r>
+                          <m:rPr>
+                            <m:nor/>
+                          </m:rPr>
+                          <a:rPr lang="en-GB" b="1"/>
+                          <m:t>⊥</m:t>
+                        </m:r>
+                      </m:sub>
+                    </m:sSub>
+                  </m:oMath>
+                </a14:m>
+                <a:r>
+                  <a:rPr lang="nl-NL" dirty="0"/>
+                  <a:t> = </a:t>
+                </a:r>
+                <a14:m>
+                  <m:oMath xmlns:m="http://schemas.openxmlformats.org/officeDocument/2006/math">
+                    <m:r>
+                      <m:rPr>
+                        <m:sty m:val="p"/>
+                      </m:rPr>
+                      <a:rPr lang="nl-NL" b="0" i="0" smtClean="0">
+                        <a:latin typeface="Cambria Math" panose="02040503050406030204" pitchFamily="18" charset="0"/>
+                      </a:rPr>
+                      <m:t>k</m:t>
+                    </m:r>
+                    <m:rad>
+                      <m:radPr>
+                        <m:degHide m:val="on"/>
+                        <m:ctrlPr>
+                          <a:rPr lang="nl-NL" i="1">
+                            <a:latin typeface="Cambria Math" panose="02040503050406030204" pitchFamily="18" charset="0"/>
+                          </a:rPr>
+                        </m:ctrlPr>
+                      </m:radPr>
+                      <m:deg/>
+                      <m:e>
+                        <m:r>
+                          <a:rPr lang="nl-NL" b="0" i="1" smtClean="0">
+                            <a:latin typeface="Cambria Math" panose="02040503050406030204" pitchFamily="18" charset="0"/>
+                          </a:rPr>
+                          <m:t>1−</m:t>
+                        </m:r>
+                        <m:sSup>
+                          <m:sSupPr>
+                            <m:ctrlPr>
+                              <a:rPr lang="nl-NL" i="1">
+                                <a:latin typeface="Cambria Math" panose="02040503050406030204" pitchFamily="18" charset="0"/>
+                              </a:rPr>
+                            </m:ctrlPr>
+                          </m:sSupPr>
+                          <m:e>
+                            <m:r>
+                              <m:rPr>
+                                <m:nor/>
+                              </m:rPr>
+                              <a:rPr lang="el-GR" dirty="0"/>
+                              <m:t>μ</m:t>
+                            </m:r>
+                          </m:e>
+                          <m:sup>
+                            <m:r>
+                              <a:rPr lang="nl-NL" i="1">
+                                <a:latin typeface="Cambria Math" panose="02040503050406030204" pitchFamily="18" charset="0"/>
+                              </a:rPr>
+                              <m:t>2</m:t>
+                            </m:r>
+                          </m:sup>
+                        </m:sSup>
+                      </m:e>
+                    </m:rad>
+                  </m:oMath>
+                </a14:m>
+                <a:r>
+                  <a:rPr lang="nl-NL" dirty="0"/>
+                  <a:t>, </a:t>
+                </a:r>
+                <a14:m>
+                  <m:oMath xmlns:m="http://schemas.openxmlformats.org/officeDocument/2006/math">
+                    <m:sSub>
+                      <m:sSubPr>
+                        <m:ctrlPr>
+                          <a:rPr lang="nl-NL" i="1">
+                            <a:latin typeface="Cambria Math" panose="02040503050406030204" pitchFamily="18" charset="0"/>
+                          </a:rPr>
+                        </m:ctrlPr>
+                      </m:sSubPr>
+                      <m:e>
+                        <m:r>
+                          <a:rPr lang="nl-NL" i="1">
+                            <a:latin typeface="Cambria Math" panose="02040503050406030204" pitchFamily="18" charset="0"/>
+                          </a:rPr>
+                          <m:t>𝑘</m:t>
+                        </m:r>
+                      </m:e>
+                      <m:sub>
+                        <m:r>
+                          <a:rPr lang="nl-NL" i="1">
+                            <a:latin typeface="Cambria Math" panose="02040503050406030204" pitchFamily="18" charset="0"/>
+                            <a:ea typeface="Cambria Math" panose="02040503050406030204" pitchFamily="18" charset="0"/>
+                          </a:rPr>
+                          <m:t>=</m:t>
+                        </m:r>
+                      </m:sub>
+                    </m:sSub>
+                  </m:oMath>
+                </a14:m>
+                <a:r>
+                  <a:rPr lang="nl-NL" dirty="0"/>
+                  <a:t> = k</a:t>
+                </a:r>
+                <a:r>
+                  <a:rPr lang="el-GR" dirty="0"/>
+                  <a:t>μ</a:t>
+                </a:r>
+                <a:r>
+                  <a:rPr lang="nl-NL" dirty="0"/>
+                  <a:t>}</a:t>
+                </a:r>
+              </a:p>
+              <a:p>
+                <a:r>
+                  <a:rPr lang="nl-NL" dirty="0" err="1"/>
+                  <a:t>However</a:t>
+                </a:r>
+                <a:r>
+                  <a:rPr lang="nl-NL" dirty="0"/>
+                  <a:t>, missing </a:t>
+                </a:r>
+                <a:r>
+                  <a:rPr lang="nl-NL" dirty="0" err="1"/>
+                  <a:t>grid</a:t>
+                </a:r>
+                <a:r>
+                  <a:rPr lang="nl-NL" dirty="0"/>
+                  <a:t> points at low </a:t>
+                </a:r>
+                <a:r>
+                  <a:rPr lang="el-GR" dirty="0"/>
+                  <a:t>θ</a:t>
+                </a:r>
+                <a:r>
+                  <a:rPr lang="nl-NL" dirty="0"/>
+                  <a:t>! </a:t>
+                </a:r>
+              </a:p>
+              <a:p>
+                <a:pPr lvl="1"/>
+                <a:r>
+                  <a:rPr lang="nl-NL" dirty="0"/>
+                  <a:t>Solution: </a:t>
+                </a:r>
+                <a:r>
+                  <a:rPr lang="nl-NL" dirty="0" err="1"/>
+                  <a:t>custom</a:t>
+                </a:r>
+                <a:r>
+                  <a:rPr lang="nl-NL" dirty="0"/>
+                  <a:t> basis </a:t>
+                </a:r>
+                <a14:m>
+                  <m:oMath xmlns:m="http://schemas.openxmlformats.org/officeDocument/2006/math">
+                    <m:sSub>
+                      <m:sSubPr>
+                        <m:ctrlPr>
+                          <a:rPr lang="nl-NL" i="1" smtClean="0">
+                            <a:latin typeface="Cambria Math" panose="02040503050406030204" pitchFamily="18" charset="0"/>
+                          </a:rPr>
+                        </m:ctrlPr>
+                      </m:sSubPr>
+                      <m:e>
+                        <m:r>
+                          <a:rPr lang="nl-NL" b="0" i="1" smtClean="0">
+                            <a:latin typeface="Cambria Math" panose="02040503050406030204" pitchFamily="18" charset="0"/>
+                          </a:rPr>
+                          <m:t>𝑘</m:t>
+                        </m:r>
+                      </m:e>
+                      <m:sub>
+                        <m:r>
+                          <m:rPr>
+                            <m:nor/>
+                          </m:rPr>
+                          <a:rPr lang="en-GB" b="1"/>
+                          <m:t>⊥</m:t>
+                        </m:r>
+                      </m:sub>
+                    </m:sSub>
+                  </m:oMath>
+                </a14:m>
+                <a:r>
+                  <a:rPr lang="nl-NL" dirty="0"/>
+                  <a:t> = </a:t>
+                </a:r>
+                <a14:m>
+                  <m:oMath xmlns:m="http://schemas.openxmlformats.org/officeDocument/2006/math">
+                    <m:rad>
+                      <m:radPr>
+                        <m:degHide m:val="on"/>
+                        <m:ctrlPr>
+                          <a:rPr lang="nl-NL" i="1" smtClean="0">
+                            <a:latin typeface="Cambria Math" panose="02040503050406030204" pitchFamily="18" charset="0"/>
+                          </a:rPr>
+                        </m:ctrlPr>
+                      </m:radPr>
+                      <m:deg/>
+                      <m:e>
+                        <m:sSup>
+                          <m:sSupPr>
+                            <m:ctrlPr>
+                              <a:rPr lang="nl-NL" i="1" smtClean="0">
+                                <a:latin typeface="Cambria Math" panose="02040503050406030204" pitchFamily="18" charset="0"/>
+                              </a:rPr>
+                            </m:ctrlPr>
+                          </m:sSupPr>
+                          <m:e>
+                            <m:sSub>
+                              <m:sSubPr>
+                                <m:ctrlPr>
+                                  <a:rPr lang="nl-NL" i="1" smtClean="0">
+                                    <a:latin typeface="Cambria Math" panose="02040503050406030204" pitchFamily="18" charset="0"/>
+                                  </a:rPr>
+                                </m:ctrlPr>
+                              </m:sSubPr>
+                              <m:e>
+                                <m:r>
+                                  <a:rPr lang="nl-NL" b="0" i="1" smtClean="0">
+                                    <a:latin typeface="Cambria Math" panose="02040503050406030204" pitchFamily="18" charset="0"/>
+                                  </a:rPr>
+                                  <m:t>𝑘</m:t>
+                                </m:r>
+                              </m:e>
+                              <m:sub>
+                                <m:r>
+                                  <a:rPr lang="nl-NL" b="0" i="1" smtClean="0">
+                                    <a:latin typeface="Cambria Math" panose="02040503050406030204" pitchFamily="18" charset="0"/>
+                                  </a:rPr>
+                                  <m:t>𝑥</m:t>
+                                </m:r>
+                              </m:sub>
+                            </m:sSub>
+                          </m:e>
+                          <m:sup>
+                            <m:r>
+                              <a:rPr lang="nl-NL" b="0" i="1" smtClean="0">
+                                <a:latin typeface="Cambria Math" panose="02040503050406030204" pitchFamily="18" charset="0"/>
+                              </a:rPr>
+                              <m:t>2</m:t>
+                            </m:r>
+                          </m:sup>
+                        </m:sSup>
+                        <m:r>
+                          <a:rPr lang="nl-NL" b="0" i="1" smtClean="0">
+                            <a:latin typeface="Cambria Math" panose="02040503050406030204" pitchFamily="18" charset="0"/>
+                          </a:rPr>
+                          <m:t>+</m:t>
+                        </m:r>
+                        <m:sSup>
+                          <m:sSupPr>
+                            <m:ctrlPr>
+                              <a:rPr lang="nl-NL" b="0" i="1" smtClean="0">
+                                <a:latin typeface="Cambria Math" panose="02040503050406030204" pitchFamily="18" charset="0"/>
+                              </a:rPr>
+                            </m:ctrlPr>
+                          </m:sSupPr>
+                          <m:e>
+                            <m:sSub>
+                              <m:sSubPr>
+                                <m:ctrlPr>
+                                  <a:rPr lang="nl-NL" b="0" i="1" smtClean="0">
+                                    <a:latin typeface="Cambria Math" panose="02040503050406030204" pitchFamily="18" charset="0"/>
+                                  </a:rPr>
+                                </m:ctrlPr>
+                              </m:sSubPr>
+                              <m:e>
+                                <m:r>
+                                  <a:rPr lang="nl-NL" b="0" i="1" smtClean="0">
+                                    <a:latin typeface="Cambria Math" panose="02040503050406030204" pitchFamily="18" charset="0"/>
+                                  </a:rPr>
+                                  <m:t>𝑘</m:t>
+                                </m:r>
+                              </m:e>
+                              <m:sub>
+                                <m:r>
+                                  <a:rPr lang="nl-NL" b="0" i="1" smtClean="0">
+                                    <a:latin typeface="Cambria Math" panose="02040503050406030204" pitchFamily="18" charset="0"/>
+                                  </a:rPr>
+                                  <m:t>𝑦</m:t>
+                                </m:r>
+                              </m:sub>
+                            </m:sSub>
+                          </m:e>
+                          <m:sup>
+                            <m:r>
+                              <a:rPr lang="nl-NL" b="0" i="1" smtClean="0">
+                                <a:latin typeface="Cambria Math" panose="02040503050406030204" pitchFamily="18" charset="0"/>
+                              </a:rPr>
+                              <m:t>2</m:t>
+                            </m:r>
+                          </m:sup>
+                        </m:sSup>
+                      </m:e>
+                    </m:rad>
+                  </m:oMath>
+                </a14:m>
+                <a:r>
+                  <a:rPr lang="nl-NL" dirty="0"/>
+                  <a:t> and </a:t>
+                </a:r>
+                <a14:m>
+                  <m:oMath xmlns:m="http://schemas.openxmlformats.org/officeDocument/2006/math">
+                    <m:sSub>
+                      <m:sSubPr>
+                        <m:ctrlPr>
+                          <a:rPr lang="nl-NL" i="1" smtClean="0">
+                            <a:latin typeface="Cambria Math" panose="02040503050406030204" pitchFamily="18" charset="0"/>
+                          </a:rPr>
+                        </m:ctrlPr>
+                      </m:sSubPr>
+                      <m:e>
+                        <m:r>
+                          <a:rPr lang="nl-NL" b="0" i="1" smtClean="0">
+                            <a:latin typeface="Cambria Math" panose="02040503050406030204" pitchFamily="18" charset="0"/>
+                          </a:rPr>
+                          <m:t>𝑘</m:t>
+                        </m:r>
+                      </m:e>
+                      <m:sub>
+                        <m:r>
+                          <a:rPr lang="nl-NL" i="1" smtClean="0">
+                            <a:latin typeface="Cambria Math" panose="02040503050406030204" pitchFamily="18" charset="0"/>
+                            <a:ea typeface="Cambria Math" panose="02040503050406030204" pitchFamily="18" charset="0"/>
+                          </a:rPr>
+                          <m:t>=</m:t>
+                        </m:r>
+                      </m:sub>
+                    </m:sSub>
+                    <m:r>
+                      <a:rPr lang="nl-NL" b="0" i="0" smtClean="0">
+                        <a:latin typeface="Cambria Math" panose="02040503050406030204" pitchFamily="18" charset="0"/>
+                      </a:rPr>
+                      <m:t>=</m:t>
+                    </m:r>
+                    <m:sSub>
+                      <m:sSubPr>
+                        <m:ctrlPr>
+                          <a:rPr lang="nl-NL" b="0" i="1" smtClean="0">
+                            <a:latin typeface="Cambria Math" panose="02040503050406030204" pitchFamily="18" charset="0"/>
+                          </a:rPr>
+                        </m:ctrlPr>
+                      </m:sSubPr>
+                      <m:e>
+                        <m:r>
+                          <a:rPr lang="nl-NL" b="0" i="1" smtClean="0">
+                            <a:latin typeface="Cambria Math" panose="02040503050406030204" pitchFamily="18" charset="0"/>
+                          </a:rPr>
+                          <m:t>𝑘</m:t>
+                        </m:r>
+                      </m:e>
+                      <m:sub>
+                        <m:r>
+                          <a:rPr lang="nl-NL" b="0" i="1" smtClean="0">
+                            <a:latin typeface="Cambria Math" panose="02040503050406030204" pitchFamily="18" charset="0"/>
+                          </a:rPr>
+                          <m:t>𝑧</m:t>
+                        </m:r>
+                      </m:sub>
+                    </m:sSub>
+                  </m:oMath>
+                </a14:m>
+                <a:endParaRPr lang="nl-NL" dirty="0"/>
+              </a:p>
+              <a:p>
+                <a:r>
+                  <a:rPr lang="nl-NL" dirty="0" err="1"/>
+                  <a:t>Compute</a:t>
+                </a:r>
+                <a:r>
+                  <a:rPr lang="nl-NL" dirty="0"/>
+                  <a:t> 2D power P(k) </a:t>
+                </a:r>
+                <a:r>
+                  <a:rPr lang="nl-NL" dirty="0" err="1"/>
+                  <a:t>grids</a:t>
+                </a:r>
+                <a:r>
+                  <a:rPr lang="nl-NL" dirty="0"/>
+                  <a:t> </a:t>
+                </a:r>
+                <a:r>
+                  <a:rPr lang="nl-NL" dirty="0" err="1"/>
+                  <a:t>for</a:t>
+                </a:r>
+                <a:r>
+                  <a:rPr lang="nl-NL" dirty="0"/>
+                  <a:t> </a:t>
+                </a:r>
+                <a:r>
+                  <a:rPr lang="nl-NL" dirty="0" err="1"/>
+                  <a:t>both</a:t>
+                </a:r>
+                <a:r>
+                  <a:rPr lang="nl-NL" dirty="0"/>
+                  <a:t> real- and </a:t>
+                </a:r>
+                <a:r>
+                  <a:rPr lang="nl-NL" dirty="0" err="1"/>
+                  <a:t>redshift-space</a:t>
+                </a:r>
+                <a:r>
+                  <a:rPr lang="nl-NL" dirty="0"/>
+                  <a:t> </a:t>
+                </a:r>
+                <a:r>
+                  <a:rPr lang="nl-NL" dirty="0" err="1"/>
+                  <a:t>positions</a:t>
+                </a:r>
+                <a:endParaRPr lang="nl-NL" dirty="0"/>
+              </a:p>
+              <a:p>
+                <a:endParaRPr lang="en-GB" dirty="0"/>
+              </a:p>
+            </p:txBody>
+          </p:sp>
+        </mc:Choice>
+        <mc:Fallback>
+          <p:sp>
+            <p:nvSpPr>
+              <p:cNvPr id="3" name="Content Placeholder 2">
+                <a:extLst>
+                  <a:ext uri="{FF2B5EF4-FFF2-40B4-BE49-F238E27FC236}">
+                    <a16:creationId xmlns:a16="http://schemas.microsoft.com/office/drawing/2014/main" id="{ED3A0075-ECC0-B9BF-83D3-F9F61CD66EC2}"/>
+                  </a:ext>
+                </a:extLst>
+              </p:cNvPr>
+              <p:cNvSpPr>
+                <a:spLocks noGrp="1" noRot="1" noChangeAspect="1" noMove="1" noResize="1" noEditPoints="1" noAdjustHandles="1" noChangeArrowheads="1" noChangeShapeType="1" noTextEdit="1"/>
+              </p:cNvSpPr>
+              <p:nvPr>
+                <p:ph idx="1"/>
+              </p:nvPr>
+            </p:nvSpPr>
+            <p:spPr>
+              <a:xfrm>
+                <a:off x="838200" y="1825625"/>
+                <a:ext cx="6010470" cy="4351338"/>
+              </a:xfrm>
+              <a:blipFill>
+                <a:blip r:embed="rId2"/>
+                <a:stretch>
+                  <a:fillRect l="-1827" t="-2241" r="-1624" b="-140"/>
+                </a:stretch>
+              </a:blipFill>
+            </p:spPr>
+            <p:txBody>
+              <a:bodyPr/>
+              <a:lstStyle/>
+              <a:p>
+                <a:r>
+                  <a:rPr lang="en-GB">
+                    <a:noFill/>
+                  </a:rPr>
+                  <a:t> </a:t>
+                </a:r>
+              </a:p>
+            </p:txBody>
+          </p:sp>
+        </mc:Fallback>
+      </mc:AlternateContent>
+      <p:pic>
+        <p:nvPicPr>
+          <p:cNvPr id="5" name="Picture 4">
+            <a:extLst>
+              <a:ext uri="{FF2B5EF4-FFF2-40B4-BE49-F238E27FC236}">
+                <a16:creationId xmlns:a16="http://schemas.microsoft.com/office/drawing/2014/main" id="{FEAB818C-51B4-8C49-3581-DF4E1056ED83}"/>
+              </a:ext>
+            </a:extLst>
+          </p:cNvPr>
+          <p:cNvPicPr>
+            <a:picLocks noChangeAspect="1"/>
+          </p:cNvPicPr>
+          <p:nvPr/>
+        </p:nvPicPr>
+        <p:blipFill>
+          <a:blip r:embed="rId3">
+            <a:extLst>
+              <a:ext uri="{28A0092B-C50C-407E-A947-70E740481C1C}">
+                <a14:useLocalDpi xmlns:a14="http://schemas.microsoft.com/office/drawing/2010/main" val="0"/>
+              </a:ext>
+            </a:extLst>
+          </a:blip>
+          <a:stretch>
+            <a:fillRect/>
+          </a:stretch>
+        </p:blipFill>
+        <p:spPr>
+          <a:xfrm>
+            <a:off x="7555733" y="2893721"/>
+            <a:ext cx="4458986" cy="3553118"/>
+          </a:xfrm>
+          <a:prstGeom prst="rect">
+            <a:avLst/>
+          </a:prstGeom>
+        </p:spPr>
+      </p:pic>
+      <p:pic>
+        <p:nvPicPr>
+          <p:cNvPr id="9" name="Picture 8">
+            <a:extLst>
+              <a:ext uri="{FF2B5EF4-FFF2-40B4-BE49-F238E27FC236}">
+                <a16:creationId xmlns:a16="http://schemas.microsoft.com/office/drawing/2014/main" id="{DF2EA79E-D726-F6C0-7C33-07DC016FB755}"/>
+              </a:ext>
+            </a:extLst>
+          </p:cNvPr>
+          <p:cNvPicPr>
+            <a:picLocks noChangeAspect="1"/>
+          </p:cNvPicPr>
+          <p:nvPr/>
+        </p:nvPicPr>
+        <p:blipFill>
+          <a:blip r:embed="rId4">
+            <a:extLst>
+              <a:ext uri="{28A0092B-C50C-407E-A947-70E740481C1C}">
+                <a14:useLocalDpi xmlns:a14="http://schemas.microsoft.com/office/drawing/2010/main" val="0"/>
+              </a:ext>
+            </a:extLst>
+          </a:blip>
+          <a:stretch>
+            <a:fillRect/>
+          </a:stretch>
+        </p:blipFill>
+        <p:spPr>
+          <a:xfrm>
+            <a:off x="8714793" y="1"/>
+            <a:ext cx="3477208" cy="2528596"/>
+          </a:xfrm>
+          <a:prstGeom prst="rect">
+            <a:avLst/>
+          </a:prstGeom>
+        </p:spPr>
+      </p:pic>
+    </p:spTree>
+    <p:extLst>
+      <p:ext uri="{BB962C8B-B14F-4D97-AF65-F5344CB8AC3E}">
+        <p14:creationId xmlns:p14="http://schemas.microsoft.com/office/powerpoint/2010/main" val="2827666373"/>
       </p:ext>
     </p:extLst>
   </p:cSld>
@@ -7634,4 +9056,299 @@
     </a:ext>
   </a:extLst>
 </a:theme>
+</file>
+
+<file path=ppt/theme/theme2.xml><?xml version="1.0" encoding="utf-8"?>
+<a:theme xmlns:a="http://schemas.openxmlformats.org/drawingml/2006/main" name="Office Theme">
+  <a:themeElements>
+    <a:clrScheme name="Office">
+      <a:dk1>
+        <a:sysClr val="windowText" lastClr="000000"/>
+      </a:dk1>
+      <a:lt1>
+        <a:sysClr val="window" lastClr="FFFFFF"/>
+      </a:lt1>
+      <a:dk2>
+        <a:srgbClr val="44546A"/>
+      </a:dk2>
+      <a:lt2>
+        <a:srgbClr val="E7E6E6"/>
+      </a:lt2>
+      <a:accent1>
+        <a:srgbClr val="4472C4"/>
+      </a:accent1>
+      <a:accent2>
+        <a:srgbClr val="ED7D31"/>
+      </a:accent2>
+      <a:accent3>
+        <a:srgbClr val="A5A5A5"/>
+      </a:accent3>
+      <a:accent4>
+        <a:srgbClr val="FFC000"/>
+      </a:accent4>
+      <a:accent5>
+        <a:srgbClr val="5B9BD5"/>
+      </a:accent5>
+      <a:accent6>
+        <a:srgbClr val="70AD47"/>
+      </a:accent6>
+      <a:hlink>
+        <a:srgbClr val="0563C1"/>
+      </a:hlink>
+      <a:folHlink>
+        <a:srgbClr val="954F72"/>
+      </a:folHlink>
+    </a:clrScheme>
+    <a:fontScheme name="Office">
+      <a:majorFont>
+        <a:latin typeface="Calibri Light" panose="020F0302020204030204"/>
+        <a:ea typeface=""/>
+        <a:cs typeface=""/>
+        <a:font script="Jpan" typeface="游ゴシック Light"/>
+        <a:font script="Hang" typeface="맑은 고딕"/>
+        <a:font script="Hans" typeface="等线 Light"/>
+        <a:font script="Hant" typeface="新細明體"/>
+        <a:font script="Arab" typeface="Times New Roman"/>
+        <a:font script="Hebr" typeface="Times New Roman"/>
+        <a:font script="Thai" typeface="Angsana New"/>
+        <a:font script="Ethi" typeface="Nyala"/>
+        <a:font script="Beng" typeface="Vrinda"/>
+        <a:font script="Gujr" typeface="Shruti"/>
+        <a:font script="Khmr" typeface="MoolBoran"/>
+        <a:font script="Knda" typeface="Tunga"/>
+        <a:font script="Guru" typeface="Raavi"/>
+        <a:font script="Cans" typeface="Euphemia"/>
+        <a:font script="Cher" typeface="Plantagenet Cherokee"/>
+        <a:font script="Yiii" typeface="Microsoft Yi Baiti"/>
+        <a:font script="Tibt" typeface="Microsoft Himalaya"/>
+        <a:font script="Thaa" typeface="MV Boli"/>
+        <a:font script="Deva" typeface="Mangal"/>
+        <a:font script="Telu" typeface="Gautami"/>
+        <a:font script="Taml" typeface="Latha"/>
+        <a:font script="Syrc" typeface="Estrangelo Edessa"/>
+        <a:font script="Orya" typeface="Kalinga"/>
+        <a:font script="Mlym" typeface="Kartika"/>
+        <a:font script="Laoo" typeface="DokChampa"/>
+        <a:font script="Sinh" typeface="Iskoola Pota"/>
+        <a:font script="Mong" typeface="Mongolian Baiti"/>
+        <a:font script="Viet" typeface="Times New Roman"/>
+        <a:font script="Uigh" typeface="Microsoft Uighur"/>
+        <a:font script="Geor" typeface="Sylfaen"/>
+        <a:font script="Armn" typeface="Arial"/>
+        <a:font script="Bugi" typeface="Leelawadee UI"/>
+        <a:font script="Bopo" typeface="Microsoft JhengHei"/>
+        <a:font script="Java" typeface="Javanese Text"/>
+        <a:font script="Lisu" typeface="Segoe UI"/>
+        <a:font script="Mymr" typeface="Myanmar Text"/>
+        <a:font script="Nkoo" typeface="Ebrima"/>
+        <a:font script="Olck" typeface="Nirmala UI"/>
+        <a:font script="Osma" typeface="Ebrima"/>
+        <a:font script="Phag" typeface="Phagspa"/>
+        <a:font script="Syrn" typeface="Estrangelo Edessa"/>
+        <a:font script="Syrj" typeface="Estrangelo Edessa"/>
+        <a:font script="Syre" typeface="Estrangelo Edessa"/>
+        <a:font script="Sora" typeface="Nirmala UI"/>
+        <a:font script="Tale" typeface="Microsoft Tai Le"/>
+        <a:font script="Talu" typeface="Microsoft New Tai Lue"/>
+        <a:font script="Tfng" typeface="Ebrima"/>
+      </a:majorFont>
+      <a:minorFont>
+        <a:latin typeface="Calibri" panose="020F0502020204030204"/>
+        <a:ea typeface=""/>
+        <a:cs typeface=""/>
+        <a:font script="Jpan" typeface="游ゴシック"/>
+        <a:font script="Hang" typeface="맑은 고딕"/>
+        <a:font script="Hans" typeface="等线"/>
+        <a:font script="Hant" typeface="新細明體"/>
+        <a:font script="Arab" typeface="Arial"/>
+        <a:font script="Hebr" typeface="Arial"/>
+        <a:font script="Thai" typeface="Cordia New"/>
+        <a:font script="Ethi" typeface="Nyala"/>
+        <a:font script="Beng" typeface="Vrinda"/>
+        <a:font script="Gujr" typeface="Shruti"/>
+        <a:font script="Khmr" typeface="DaunPenh"/>
+        <a:font script="Knda" typeface="Tunga"/>
+        <a:font script="Guru" typeface="Raavi"/>
+        <a:font script="Cans" typeface="Euphemia"/>
+        <a:font script="Cher" typeface="Plantagenet Cherokee"/>
+        <a:font script="Yiii" typeface="Microsoft Yi Baiti"/>
+        <a:font script="Tibt" typeface="Microsoft Himalaya"/>
+        <a:font script="Thaa" typeface="MV Boli"/>
+        <a:font script="Deva" typeface="Mangal"/>
+        <a:font script="Telu" typeface="Gautami"/>
+        <a:font script="Taml" typeface="Latha"/>
+        <a:font script="Syrc" typeface="Estrangelo Edessa"/>
+        <a:font script="Orya" typeface="Kalinga"/>
+        <a:font script="Mlym" typeface="Kartika"/>
+        <a:font script="Laoo" typeface="DokChampa"/>
+        <a:font script="Sinh" typeface="Iskoola Pota"/>
+        <a:font script="Mong" typeface="Mongolian Baiti"/>
+        <a:font script="Viet" typeface="Arial"/>
+        <a:font script="Uigh" typeface="Microsoft Uighur"/>
+        <a:font script="Geor" typeface="Sylfaen"/>
+        <a:font script="Armn" typeface="Arial"/>
+        <a:font script="Bugi" typeface="Leelawadee UI"/>
+        <a:font script="Bopo" typeface="Microsoft JhengHei"/>
+        <a:font script="Java" typeface="Javanese Text"/>
+        <a:font script="Lisu" typeface="Segoe UI"/>
+        <a:font script="Mymr" typeface="Myanmar Text"/>
+        <a:font script="Nkoo" typeface="Ebrima"/>
+        <a:font script="Olck" typeface="Nirmala UI"/>
+        <a:font script="Osma" typeface="Ebrima"/>
+        <a:font script="Phag" typeface="Phagspa"/>
+        <a:font script="Syrn" typeface="Estrangelo Edessa"/>
+        <a:font script="Syrj" typeface="Estrangelo Edessa"/>
+        <a:font script="Syre" typeface="Estrangelo Edessa"/>
+        <a:font script="Sora" typeface="Nirmala UI"/>
+        <a:font script="Tale" typeface="Microsoft Tai Le"/>
+        <a:font script="Talu" typeface="Microsoft New Tai Lue"/>
+        <a:font script="Tfng" typeface="Ebrima"/>
+      </a:minorFont>
+    </a:fontScheme>
+    <a:fmtScheme name="Office">
+      <a:fillStyleLst>
+        <a:solidFill>
+          <a:schemeClr val="phClr"/>
+        </a:solidFill>
+        <a:gradFill rotWithShape="1">
+          <a:gsLst>
+            <a:gs pos="0">
+              <a:schemeClr val="phClr">
+                <a:lumMod val="110000"/>
+                <a:satMod val="105000"/>
+                <a:tint val="67000"/>
+              </a:schemeClr>
+            </a:gs>
+            <a:gs pos="50000">
+              <a:schemeClr val="phClr">
+                <a:lumMod val="105000"/>
+                <a:satMod val="103000"/>
+                <a:tint val="73000"/>
+              </a:schemeClr>
+            </a:gs>
+            <a:gs pos="100000">
+              <a:schemeClr val="phClr">
+                <a:lumMod val="105000"/>
+                <a:satMod val="109000"/>
+                <a:tint val="81000"/>
+              </a:schemeClr>
+            </a:gs>
+          </a:gsLst>
+          <a:lin ang="5400000" scaled="0"/>
+        </a:gradFill>
+        <a:gradFill rotWithShape="1">
+          <a:gsLst>
+            <a:gs pos="0">
+              <a:schemeClr val="phClr">
+                <a:satMod val="103000"/>
+                <a:lumMod val="102000"/>
+                <a:tint val="94000"/>
+              </a:schemeClr>
+            </a:gs>
+            <a:gs pos="50000">
+              <a:schemeClr val="phClr">
+                <a:satMod val="110000"/>
+                <a:lumMod val="100000"/>
+                <a:shade val="100000"/>
+              </a:schemeClr>
+            </a:gs>
+            <a:gs pos="100000">
+              <a:schemeClr val="phClr">
+                <a:lumMod val="99000"/>
+                <a:satMod val="120000"/>
+                <a:shade val="78000"/>
+              </a:schemeClr>
+            </a:gs>
+          </a:gsLst>
+          <a:lin ang="5400000" scaled="0"/>
+        </a:gradFill>
+      </a:fillStyleLst>
+      <a:lnStyleLst>
+        <a:ln w="6350" cap="flat" cmpd="sng" algn="ctr">
+          <a:solidFill>
+            <a:schemeClr val="phClr"/>
+          </a:solidFill>
+          <a:prstDash val="solid"/>
+          <a:miter lim="800000"/>
+        </a:ln>
+        <a:ln w="12700" cap="flat" cmpd="sng" algn="ctr">
+          <a:solidFill>
+            <a:schemeClr val="phClr"/>
+          </a:solidFill>
+          <a:prstDash val="solid"/>
+          <a:miter lim="800000"/>
+        </a:ln>
+        <a:ln w="19050" cap="flat" cmpd="sng" algn="ctr">
+          <a:solidFill>
+            <a:schemeClr val="phClr"/>
+          </a:solidFill>
+          <a:prstDash val="solid"/>
+          <a:miter lim="800000"/>
+        </a:ln>
+      </a:lnStyleLst>
+      <a:effectStyleLst>
+        <a:effectStyle>
+          <a:effectLst/>
+        </a:effectStyle>
+        <a:effectStyle>
+          <a:effectLst/>
+        </a:effectStyle>
+        <a:effectStyle>
+          <a:effectLst>
+            <a:outerShdw blurRad="57150" dist="19050" dir="5400000" algn="ctr" rotWithShape="0">
+              <a:srgbClr val="000000">
+                <a:alpha val="63000"/>
+              </a:srgbClr>
+            </a:outerShdw>
+          </a:effectLst>
+        </a:effectStyle>
+      </a:effectStyleLst>
+      <a:bgFillStyleLst>
+        <a:solidFill>
+          <a:schemeClr val="phClr"/>
+        </a:solidFill>
+        <a:solidFill>
+          <a:schemeClr val="phClr">
+            <a:tint val="95000"/>
+            <a:satMod val="170000"/>
+          </a:schemeClr>
+        </a:solidFill>
+        <a:gradFill rotWithShape="1">
+          <a:gsLst>
+            <a:gs pos="0">
+              <a:schemeClr val="phClr">
+                <a:tint val="93000"/>
+                <a:satMod val="150000"/>
+                <a:shade val="98000"/>
+                <a:lumMod val="102000"/>
+              </a:schemeClr>
+            </a:gs>
+            <a:gs pos="50000">
+              <a:schemeClr val="phClr">
+                <a:tint val="98000"/>
+                <a:satMod val="130000"/>
+                <a:shade val="90000"/>
+                <a:lumMod val="103000"/>
+              </a:schemeClr>
+            </a:gs>
+            <a:gs pos="100000">
+              <a:schemeClr val="phClr">
+                <a:shade val="63000"/>
+                <a:satMod val="120000"/>
+              </a:schemeClr>
+            </a:gs>
+          </a:gsLst>
+          <a:lin ang="5400000" scaled="0"/>
+        </a:gradFill>
+      </a:bgFillStyleLst>
+    </a:fmtScheme>
+  </a:themeElements>
+  <a:objectDefaults/>
+  <a:extraClrSchemeLst/>
+  <a:extLst>
+    <a:ext uri="{05A4C25C-085E-4340-85A3-A5531E510DB2}">
+      <thm15:themeFamily xmlns:thm15="http://schemas.microsoft.com/office/thememl/2012/main" name="Office Theme" id="{62F939B6-93AF-4DB8-9C6B-D6C7DFDC589F}" vid="{4A3C46E8-61CC-4603-A589-7422A47A8E4A}"/>
+    </a:ext>
+  </a:extLst>
+</a:theme>
 </file>
--- a/Colloquium.pptx
+++ b/Colloquium.pptx
@@ -5,7 +5,7 @@
     <p:sldMasterId id="2147483648" r:id="rId1"/>
   </p:sldMasterIdLst>
   <p:notesMasterIdLst>
-    <p:notesMasterId r:id="rId18"/>
+    <p:notesMasterId r:id="rId19"/>
   </p:notesMasterIdLst>
   <p:sldIdLst>
     <p:sldId id="256" r:id="rId2"/>
@@ -18,12 +18,13 @@
     <p:sldId id="260" r:id="rId9"/>
     <p:sldId id="261" r:id="rId10"/>
     <p:sldId id="269" r:id="rId11"/>
-    <p:sldId id="262" r:id="rId12"/>
-    <p:sldId id="263" r:id="rId13"/>
-    <p:sldId id="264" r:id="rId14"/>
-    <p:sldId id="266" r:id="rId15"/>
-    <p:sldId id="267" r:id="rId16"/>
-    <p:sldId id="268" r:id="rId17"/>
+    <p:sldId id="272" r:id="rId12"/>
+    <p:sldId id="262" r:id="rId13"/>
+    <p:sldId id="263" r:id="rId14"/>
+    <p:sldId id="264" r:id="rId15"/>
+    <p:sldId id="266" r:id="rId16"/>
+    <p:sldId id="267" r:id="rId17"/>
+    <p:sldId id="268" r:id="rId18"/>
   </p:sldIdLst>
   <p:sldSz cx="12192000" cy="6858000"/>
   <p:notesSz cx="6858000" cy="9144000"/>
@@ -212,7 +213,7 @@
           <a:p>
             <a:fld id="{F88B68F8-21B4-4B34-80C5-14D8D6E67E5F}" type="datetimeFigureOut">
               <a:rPr lang="en-GB" smtClean="0"/>
-              <a:t>05/06/2024</a:t>
+              <a:t>06/06/2024</a:t>
             </a:fld>
             <a:endParaRPr lang="en-GB"/>
           </a:p>
@@ -746,7 +747,7 @@
           <a:p>
             <a:fld id="{C8CB3D59-8FB6-4010-92ED-87FD13766989}" type="datetimeFigureOut">
               <a:rPr lang="nl-NL" smtClean="0"/>
-              <a:t>5-6-2024</a:t>
+              <a:t>6-6-2024</a:t>
             </a:fld>
             <a:endParaRPr lang="nl-NL"/>
           </a:p>
@@ -944,7 +945,7 @@
           <a:p>
             <a:fld id="{C8CB3D59-8FB6-4010-92ED-87FD13766989}" type="datetimeFigureOut">
               <a:rPr lang="nl-NL" smtClean="0"/>
-              <a:t>5-6-2024</a:t>
+              <a:t>6-6-2024</a:t>
             </a:fld>
             <a:endParaRPr lang="nl-NL"/>
           </a:p>
@@ -1152,7 +1153,7 @@
           <a:p>
             <a:fld id="{C8CB3D59-8FB6-4010-92ED-87FD13766989}" type="datetimeFigureOut">
               <a:rPr lang="nl-NL" smtClean="0"/>
-              <a:t>5-6-2024</a:t>
+              <a:t>6-6-2024</a:t>
             </a:fld>
             <a:endParaRPr lang="nl-NL"/>
           </a:p>
@@ -1350,7 +1351,7 @@
           <a:p>
             <a:fld id="{C8CB3D59-8FB6-4010-92ED-87FD13766989}" type="datetimeFigureOut">
               <a:rPr lang="nl-NL" smtClean="0"/>
-              <a:t>5-6-2024</a:t>
+              <a:t>6-6-2024</a:t>
             </a:fld>
             <a:endParaRPr lang="nl-NL"/>
           </a:p>
@@ -1625,7 +1626,7 @@
           <a:p>
             <a:fld id="{C8CB3D59-8FB6-4010-92ED-87FD13766989}" type="datetimeFigureOut">
               <a:rPr lang="nl-NL" smtClean="0"/>
-              <a:t>5-6-2024</a:t>
+              <a:t>6-6-2024</a:t>
             </a:fld>
             <a:endParaRPr lang="nl-NL"/>
           </a:p>
@@ -1890,7 +1891,7 @@
           <a:p>
             <a:fld id="{C8CB3D59-8FB6-4010-92ED-87FD13766989}" type="datetimeFigureOut">
               <a:rPr lang="nl-NL" smtClean="0"/>
-              <a:t>5-6-2024</a:t>
+              <a:t>6-6-2024</a:t>
             </a:fld>
             <a:endParaRPr lang="nl-NL"/>
           </a:p>
@@ -2302,7 +2303,7 @@
           <a:p>
             <a:fld id="{C8CB3D59-8FB6-4010-92ED-87FD13766989}" type="datetimeFigureOut">
               <a:rPr lang="nl-NL" smtClean="0"/>
-              <a:t>5-6-2024</a:t>
+              <a:t>6-6-2024</a:t>
             </a:fld>
             <a:endParaRPr lang="nl-NL"/>
           </a:p>
@@ -2443,7 +2444,7 @@
           <a:p>
             <a:fld id="{C8CB3D59-8FB6-4010-92ED-87FD13766989}" type="datetimeFigureOut">
               <a:rPr lang="nl-NL" smtClean="0"/>
-              <a:t>5-6-2024</a:t>
+              <a:t>6-6-2024</a:t>
             </a:fld>
             <a:endParaRPr lang="nl-NL"/>
           </a:p>
@@ -2556,7 +2557,7 @@
           <a:p>
             <a:fld id="{C8CB3D59-8FB6-4010-92ED-87FD13766989}" type="datetimeFigureOut">
               <a:rPr lang="nl-NL" smtClean="0"/>
-              <a:t>5-6-2024</a:t>
+              <a:t>6-6-2024</a:t>
             </a:fld>
             <a:endParaRPr lang="nl-NL"/>
           </a:p>
@@ -2867,7 +2868,7 @@
           <a:p>
             <a:fld id="{C8CB3D59-8FB6-4010-92ED-87FD13766989}" type="datetimeFigureOut">
               <a:rPr lang="nl-NL" smtClean="0"/>
-              <a:t>5-6-2024</a:t>
+              <a:t>6-6-2024</a:t>
             </a:fld>
             <a:endParaRPr lang="nl-NL"/>
           </a:p>
@@ -3155,7 +3156,7 @@
           <a:p>
             <a:fld id="{C8CB3D59-8FB6-4010-92ED-87FD13766989}" type="datetimeFigureOut">
               <a:rPr lang="nl-NL" smtClean="0"/>
-              <a:t>5-6-2024</a:t>
+              <a:t>6-6-2024</a:t>
             </a:fld>
             <a:endParaRPr lang="nl-NL"/>
           </a:p>
@@ -3396,7 +3397,7 @@
           <a:p>
             <a:fld id="{C8CB3D59-8FB6-4010-92ED-87FD13766989}" type="datetimeFigureOut">
               <a:rPr lang="nl-NL" smtClean="0"/>
-              <a:t>5-6-2024</a:t>
+              <a:t>6-6-2024</a:t>
             </a:fld>
             <a:endParaRPr lang="nl-NL"/>
           </a:p>
@@ -4000,54 +4001,62 @@
           <a:lstStyle/>
           <a:p>
             <a:r>
-              <a:rPr lang="nl-NL" sz="3200" b="1" dirty="0"/>
+              <a:rPr lang="nl-NL" b="1" dirty="0"/>
               <a:t>The real- and </a:t>
             </a:r>
             <a:r>
-              <a:rPr lang="nl-NL" sz="3200" b="1" dirty="0" err="1"/>
+              <a:rPr lang="nl-NL" b="1" dirty="0" err="1"/>
               <a:t>redshift</a:t>
             </a:r>
             <a:r>
-              <a:rPr lang="nl-NL" sz="3200" b="1" dirty="0"/>
+              <a:rPr lang="nl-NL" b="1" dirty="0"/>
               <a:t> </a:t>
             </a:r>
             <a:r>
-              <a:rPr lang="nl-NL" sz="3200" b="1" dirty="0" err="1"/>
+              <a:rPr lang="nl-NL" b="1" dirty="0" err="1"/>
               <a:t>position</a:t>
             </a:r>
             <a:r>
-              <a:rPr lang="nl-NL" sz="3200" b="1" dirty="0"/>
+              <a:rPr lang="nl-NL" b="1" dirty="0"/>
               <a:t> </a:t>
             </a:r>
             <a:r>
-              <a:rPr lang="nl-NL" sz="3200" b="1" dirty="0" err="1"/>
+              <a:rPr lang="nl-NL" b="1" dirty="0" err="1"/>
               <a:t>grids</a:t>
             </a:r>
             <a:r>
-              <a:rPr lang="nl-NL" sz="3200" b="1" dirty="0"/>
+              <a:rPr lang="nl-NL" b="1" dirty="0"/>
               <a:t> </a:t>
             </a:r>
             <a:r>
-              <a:rPr lang="nl-NL" sz="3200" b="1" dirty="0" err="1"/>
+              <a:rPr lang="nl-NL" b="1" dirty="0" err="1"/>
               <a:t>before</a:t>
             </a:r>
             <a:r>
-              <a:rPr lang="nl-NL" sz="3200" b="1" dirty="0"/>
-              <a:t> and </a:t>
-            </a:r>
-            <a:r>
-              <a:rPr lang="nl-NL" sz="3200" b="1" dirty="0" err="1"/>
+              <a:rPr lang="nl-NL" b="1" dirty="0"/>
+              <a:t> (</a:t>
+            </a:r>
+            <a:r>
+              <a:rPr lang="nl-NL" b="1" dirty="0" err="1"/>
+              <a:t>left</a:t>
+            </a:r>
+            <a:r>
+              <a:rPr lang="nl-NL" b="1" dirty="0"/>
+              <a:t>) and </a:t>
+            </a:r>
+            <a:r>
+              <a:rPr lang="nl-NL" b="1" dirty="0" err="1"/>
               <a:t>after</a:t>
             </a:r>
             <a:r>
-              <a:rPr lang="nl-NL" sz="3200" b="1" dirty="0"/>
-              <a:t> re-</a:t>
-            </a:r>
-            <a:r>
-              <a:rPr lang="nl-NL" sz="3200" b="1" dirty="0" err="1"/>
+              <a:rPr lang="nl-NL" b="1" dirty="0"/>
+              <a:t> (right) re-</a:t>
+            </a:r>
+            <a:r>
+              <a:rPr lang="nl-NL" b="1" dirty="0" err="1"/>
               <a:t>binning</a:t>
             </a:r>
-            <a:endParaRPr lang="en-GB" sz="3200" b="1" dirty="0"/>
+            <a:endParaRPr lang="en-GB" b="1" dirty="0"/>
           </a:p>
         </p:txBody>
       </p:sp>
@@ -4081,11 +4090,196 @@
         </p:blipFill>
         <p:spPr>
           <a:xfrm>
-            <a:off x="596998" y="2136669"/>
-            <a:ext cx="5169322" cy="2584661"/>
+            <a:off x="5343250" y="2173992"/>
+            <a:ext cx="6848750" cy="3424375"/>
           </a:xfrm>
         </p:spPr>
       </p:pic>
+      <mc:AlternateContent xmlns:mc="http://schemas.openxmlformats.org/markup-compatibility/2006">
+        <mc:Choice xmlns:a14="http://schemas.microsoft.com/office/drawing/2010/main" Requires="a14">
+          <p:sp>
+            <p:nvSpPr>
+              <p:cNvPr id="3" name="TextBox 2">
+                <a:extLst>
+                  <a:ext uri="{FF2B5EF4-FFF2-40B4-BE49-F238E27FC236}">
+                    <a16:creationId xmlns:a16="http://schemas.microsoft.com/office/drawing/2014/main" id="{0FCB896E-1D70-F8CA-FE73-7193DFFBD279}"/>
+                  </a:ext>
+                </a:extLst>
+              </p:cNvPr>
+              <p:cNvSpPr txBox="1"/>
+              <p:nvPr/>
+            </p:nvSpPr>
+            <p:spPr>
+              <a:xfrm>
+                <a:off x="1026367" y="5850294"/>
+                <a:ext cx="6923315" cy="758669"/>
+              </a:xfrm>
+              <a:prstGeom prst="rect">
+                <a:avLst/>
+              </a:prstGeom>
+              <a:noFill/>
+            </p:spPr>
+            <p:txBody>
+              <a:bodyPr wrap="square" rtlCol="0">
+                <a:spAutoFit/>
+              </a:bodyPr>
+              <a:lstStyle/>
+              <a:p>
+                <a:r>
+                  <a:rPr lang="nl-NL" sz="2800" dirty="0"/>
+                  <a:t>Next step: </a:t>
+                </a:r>
+                <a:r>
+                  <a:rPr lang="nl-NL" sz="2800" dirty="0" err="1"/>
+                  <a:t>modelling</a:t>
+                </a:r>
+                <a:r>
+                  <a:rPr lang="nl-NL" sz="2800" dirty="0"/>
+                  <a:t> </a:t>
+                </a:r>
+                <a:r>
+                  <a:rPr lang="nl-NL" sz="2800" dirty="0" err="1"/>
+                  <a:t>the</a:t>
+                </a:r>
+                <a:r>
+                  <a:rPr lang="nl-NL" sz="2800" dirty="0"/>
+                  <a:t>  </a:t>
+                </a:r>
+                <a14:m>
+                  <m:oMath xmlns:m="http://schemas.openxmlformats.org/officeDocument/2006/math">
+                    <m:f>
+                      <m:fPr>
+                        <m:ctrlPr>
+                          <a:rPr lang="nl-NL" sz="2800" b="0" i="1" dirty="0" smtClean="0">
+                            <a:latin typeface="Cambria Math" panose="02040503050406030204" pitchFamily="18" charset="0"/>
+                          </a:rPr>
+                        </m:ctrlPr>
+                      </m:fPr>
+                      <m:num>
+                        <m:sSub>
+                          <m:sSubPr>
+                            <m:ctrlPr>
+                              <a:rPr lang="nl-NL" sz="2800" b="0" i="1" dirty="0" smtClean="0">
+                                <a:latin typeface="Cambria Math" panose="02040503050406030204" pitchFamily="18" charset="0"/>
+                              </a:rPr>
+                            </m:ctrlPr>
+                          </m:sSubPr>
+                          <m:e>
+                            <m:r>
+                              <a:rPr lang="nl-NL" sz="2800" i="1" dirty="0">
+                                <a:latin typeface="Cambria Math" panose="02040503050406030204" pitchFamily="18" charset="0"/>
+                              </a:rPr>
+                              <m:t>𝑃</m:t>
+                            </m:r>
+                          </m:e>
+                          <m:sub>
+                            <m:r>
+                              <a:rPr lang="nl-NL" sz="2800" b="0" i="1" dirty="0" smtClean="0">
+                                <a:latin typeface="Cambria Math" panose="02040503050406030204" pitchFamily="18" charset="0"/>
+                              </a:rPr>
+                              <m:t>𝑅𝑆𝐷</m:t>
+                            </m:r>
+                          </m:sub>
+                        </m:sSub>
+                      </m:num>
+                      <m:den>
+                        <m:sSub>
+                          <m:sSubPr>
+                            <m:ctrlPr>
+                              <a:rPr lang="nl-NL" sz="2800" b="0" i="1" dirty="0" smtClean="0">
+                                <a:latin typeface="Cambria Math" panose="02040503050406030204" pitchFamily="18" charset="0"/>
+                              </a:rPr>
+                            </m:ctrlPr>
+                          </m:sSubPr>
+                          <m:e>
+                            <m:r>
+                              <a:rPr lang="nl-NL" sz="2800" b="0" i="1" dirty="0" smtClean="0">
+                                <a:latin typeface="Cambria Math" panose="02040503050406030204" pitchFamily="18" charset="0"/>
+                              </a:rPr>
+                              <m:t>𝑃</m:t>
+                            </m:r>
+                          </m:e>
+                          <m:sub>
+                            <m:r>
+                              <a:rPr lang="nl-NL" sz="2800" b="0" i="1" dirty="0" smtClean="0">
+                                <a:latin typeface="Cambria Math" panose="02040503050406030204" pitchFamily="18" charset="0"/>
+                              </a:rPr>
+                              <m:t>𝑅𝑒𝑎𝑙</m:t>
+                            </m:r>
+                          </m:sub>
+                        </m:sSub>
+                      </m:den>
+                    </m:f>
+                    <m:r>
+                      <a:rPr lang="nl-NL" sz="2800" b="0" i="1" dirty="0" smtClean="0">
+                        <a:latin typeface="Cambria Math" panose="02040503050406030204" pitchFamily="18" charset="0"/>
+                      </a:rPr>
+                      <m:t> </m:t>
+                    </m:r>
+                  </m:oMath>
+                </a14:m>
+                <a:r>
+                  <a:rPr lang="nl-NL" sz="2800" dirty="0"/>
+                  <a:t> </a:t>
+                </a:r>
+                <a:r>
+                  <a:rPr lang="nl-NL" sz="2800" dirty="0" err="1"/>
+                  <a:t>grid</a:t>
+                </a:r>
+                <a:r>
+                  <a:rPr lang="nl-NL" sz="2800" dirty="0"/>
+                  <a:t>! But first…  </a:t>
+                </a:r>
+                <a:endParaRPr lang="en-GB" sz="2800" dirty="0"/>
+              </a:p>
+            </p:txBody>
+          </p:sp>
+        </mc:Choice>
+        <mc:Fallback>
+          <p:sp>
+            <p:nvSpPr>
+              <p:cNvPr id="3" name="TextBox 2">
+                <a:extLst>
+                  <a:ext uri="{FF2B5EF4-FFF2-40B4-BE49-F238E27FC236}">
+                    <a16:creationId xmlns:a16="http://schemas.microsoft.com/office/drawing/2014/main" id="{0FCB896E-1D70-F8CA-FE73-7193DFFBD279}"/>
+                  </a:ext>
+                </a:extLst>
+              </p:cNvPr>
+              <p:cNvSpPr txBox="1">
+                <a:spLocks noRot="1" noChangeAspect="1" noMove="1" noResize="1" noEditPoints="1" noAdjustHandles="1" noChangeArrowheads="1" noChangeShapeType="1" noTextEdit="1"/>
+              </p:cNvSpPr>
+              <p:nvPr/>
+            </p:nvSpPr>
+            <p:spPr>
+              <a:xfrm>
+                <a:off x="1026367" y="5850294"/>
+                <a:ext cx="6923315" cy="758669"/>
+              </a:xfrm>
+              <a:prstGeom prst="rect">
+                <a:avLst/>
+              </a:prstGeom>
+              <a:blipFill>
+                <a:blip r:embed="rId3"/>
+                <a:stretch>
+                  <a:fillRect l="-1761" r="-3433" b="-4032"/>
+                </a:stretch>
+              </a:blipFill>
+            </p:spPr>
+            <p:txBody>
+              <a:bodyPr/>
+              <a:lstStyle/>
+              <a:p>
+                <a:r>
+                  <a:rPr lang="en-GB">
+                    <a:noFill/>
+                  </a:rPr>
+                  <a:t> </a:t>
+                </a:r>
+              </a:p>
+            </p:txBody>
+          </p:sp>
+        </mc:Fallback>
+      </mc:AlternateContent>
     </p:spTree>
     <p:extLst>
       <p:ext uri="{BB962C8B-B14F-4D97-AF65-F5344CB8AC3E}">
@@ -4121,7 +4315,7 @@
           <p:cNvPr id="2" name="Title 1">
             <a:extLst>
               <a:ext uri="{FF2B5EF4-FFF2-40B4-BE49-F238E27FC236}">
-                <a16:creationId xmlns:a16="http://schemas.microsoft.com/office/drawing/2014/main" id="{469404E1-8AF8-3B3E-0822-3496E5FF6E13}"/>
+                <a16:creationId xmlns:a16="http://schemas.microsoft.com/office/drawing/2014/main" id="{E513C33B-9ECD-FEF0-8456-6A962C772F1C}"/>
               </a:ext>
             </a:extLst>
           </p:cNvPr>
@@ -4143,15 +4337,11 @@
             </a:r>
             <a:r>
               <a:rPr lang="nl-NL" b="1" dirty="0"/>
-              <a:t>: Redshift-Space </a:t>
+              <a:t>: </a:t>
             </a:r>
             <a:r>
               <a:rPr lang="nl-NL" b="1" dirty="0" err="1"/>
-              <a:t>Distortion</a:t>
-            </a:r>
-            <a:r>
-              <a:rPr lang="nl-NL" b="1" dirty="0"/>
-              <a:t> model</a:t>
+              <a:t>Weights</a:t>
             </a:r>
             <a:endParaRPr lang="en-GB" b="1" dirty="0"/>
           </a:p>
@@ -4159,6 +4349,346 @@
       </p:sp>
       <mc:AlternateContent xmlns:mc="http://schemas.openxmlformats.org/markup-compatibility/2006">
         <mc:Choice xmlns:a14="http://schemas.microsoft.com/office/drawing/2010/main" Requires="a14">
+          <p:sp>
+            <p:nvSpPr>
+              <p:cNvPr id="3" name="Content Placeholder 2">
+                <a:extLst>
+                  <a:ext uri="{FF2B5EF4-FFF2-40B4-BE49-F238E27FC236}">
+                    <a16:creationId xmlns:a16="http://schemas.microsoft.com/office/drawing/2014/main" id="{3B308AB4-9266-C431-C5B3-8A4CC94CD665}"/>
+                  </a:ext>
+                </a:extLst>
+              </p:cNvPr>
+              <p:cNvSpPr>
+                <a:spLocks noGrp="1"/>
+              </p:cNvSpPr>
+              <p:nvPr>
+                <p:ph idx="1"/>
+              </p:nvPr>
+            </p:nvSpPr>
+            <p:spPr>
+              <a:xfrm>
+                <a:off x="838200" y="1825625"/>
+                <a:ext cx="5637245" cy="4556514"/>
+              </a:xfrm>
+            </p:spPr>
+            <p:txBody>
+              <a:bodyPr>
+                <a:normAutofit fontScale="92500" lnSpcReduction="10000"/>
+              </a:bodyPr>
+              <a:lstStyle/>
+              <a:p>
+                <a:r>
+                  <a:rPr lang="nl-NL" dirty="0"/>
+                  <a:t>Noise </a:t>
+                </a:r>
+                <a:r>
+                  <a:rPr lang="nl-NL" dirty="0" err="1"/>
+                  <a:t>decreases</a:t>
+                </a:r>
+                <a:r>
+                  <a:rPr lang="nl-NL" dirty="0"/>
+                  <a:t> </a:t>
+                </a:r>
+                <a:r>
+                  <a:rPr lang="nl-NL" dirty="0" err="1"/>
+                  <a:t>with</a:t>
+                </a:r>
+                <a:r>
+                  <a:rPr lang="nl-NL" dirty="0"/>
+                  <a:t> </a:t>
+                </a:r>
+                <a14:m>
+                  <m:oMath xmlns:m="http://schemas.openxmlformats.org/officeDocument/2006/math">
+                    <m:sSub>
+                      <m:sSubPr>
+                        <m:ctrlPr>
+                          <a:rPr lang="nl-NL" i="1" smtClean="0">
+                            <a:latin typeface="Cambria Math" panose="02040503050406030204" pitchFamily="18" charset="0"/>
+                          </a:rPr>
+                        </m:ctrlPr>
+                      </m:sSubPr>
+                      <m:e>
+                        <m:r>
+                          <a:rPr lang="nl-NL" i="1">
+                            <a:latin typeface="Cambria Math" panose="02040503050406030204" pitchFamily="18" charset="0"/>
+                          </a:rPr>
+                          <m:t>𝑘</m:t>
+                        </m:r>
+                      </m:e>
+                      <m:sub>
+                        <m:r>
+                          <m:rPr>
+                            <m:nor/>
+                          </m:rPr>
+                          <a:rPr lang="en-GB" b="1"/>
+                          <m:t>⊥</m:t>
+                        </m:r>
+                      </m:sub>
+                    </m:sSub>
+                  </m:oMath>
+                </a14:m>
+                <a:r>
+                  <a:rPr lang="nl-NL" dirty="0"/>
+                  <a:t> </a:t>
+                </a:r>
+                <a:r>
+                  <a:rPr lang="nl-NL" dirty="0" err="1"/>
+                  <a:t>due</a:t>
+                </a:r>
+                <a:r>
+                  <a:rPr lang="nl-NL" dirty="0"/>
+                  <a:t> more modes </a:t>
+                </a:r>
+                <a:r>
+                  <a:rPr lang="nl-NL" dirty="0" err="1"/>
+                  <a:t>contributing</a:t>
+                </a:r>
+                <a:r>
+                  <a:rPr lang="nl-NL" dirty="0"/>
+                  <a:t> </a:t>
+                </a:r>
+                <a:r>
+                  <a:rPr lang="nl-NL" dirty="0" err="1"/>
+                  <a:t>to</a:t>
+                </a:r>
+                <a:r>
+                  <a:rPr lang="nl-NL" dirty="0"/>
+                  <a:t> </a:t>
+                </a:r>
+                <a:r>
+                  <a:rPr lang="nl-NL" dirty="0" err="1"/>
+                  <a:t>signal</a:t>
+                </a:r>
+                <a:endParaRPr lang="nl-NL" dirty="0"/>
+              </a:p>
+              <a:p>
+                <a:r>
+                  <a:rPr lang="nl-NL" dirty="0" err="1"/>
+                  <a:t>Noise</a:t>
+                </a:r>
+                <a:r>
+                  <a:rPr lang="nl-NL" dirty="0"/>
+                  <a:t> </a:t>
+                </a:r>
+                <a:r>
+                  <a:rPr lang="nl-NL" dirty="0" err="1"/>
+                  <a:t>increases</a:t>
+                </a:r>
+                <a:r>
+                  <a:rPr lang="nl-NL" dirty="0"/>
+                  <a:t> </a:t>
+                </a:r>
+                <a:r>
+                  <a:rPr lang="nl-NL" dirty="0" err="1"/>
+                  <a:t>with</a:t>
+                </a:r>
+                <a:r>
+                  <a:rPr lang="nl-NL" dirty="0"/>
+                  <a:t> </a:t>
+                </a:r>
+                <a14:m>
+                  <m:oMath xmlns:m="http://schemas.openxmlformats.org/officeDocument/2006/math">
+                    <m:sSub>
+                      <m:sSubPr>
+                        <m:ctrlPr>
+                          <a:rPr lang="nl-NL" i="1">
+                            <a:latin typeface="Cambria Math" panose="02040503050406030204" pitchFamily="18" charset="0"/>
+                          </a:rPr>
+                        </m:ctrlPr>
+                      </m:sSubPr>
+                      <m:e>
+                        <m:r>
+                          <a:rPr lang="nl-NL" i="1">
+                            <a:latin typeface="Cambria Math" panose="02040503050406030204" pitchFamily="18" charset="0"/>
+                          </a:rPr>
+                          <m:t>𝑘</m:t>
+                        </m:r>
+                      </m:e>
+                      <m:sub>
+                        <m:r>
+                          <a:rPr lang="nl-NL" i="1">
+                            <a:latin typeface="Cambria Math" panose="02040503050406030204" pitchFamily="18" charset="0"/>
+                            <a:ea typeface="Cambria Math" panose="02040503050406030204" pitchFamily="18" charset="0"/>
+                          </a:rPr>
+                          <m:t>=</m:t>
+                        </m:r>
+                      </m:sub>
+                    </m:sSub>
+                  </m:oMath>
+                </a14:m>
+                <a:r>
+                  <a:rPr lang="en-GB" dirty="0"/>
+                  <a:t> because we measure smaller scales</a:t>
+                </a:r>
+              </a:p>
+              <a:p>
+                <a:pPr lvl="1"/>
+                <a:r>
+                  <a:rPr lang="en-GB" dirty="0"/>
+                  <a:t>More fluctuations</a:t>
+                </a:r>
+              </a:p>
+              <a:p>
+                <a:pPr lvl="1"/>
+                <a:r>
+                  <a:rPr lang="en-GB" dirty="0"/>
+                  <a:t>Real and RSD signal less correlated</a:t>
+                </a:r>
+              </a:p>
+              <a:p>
+                <a:r>
+                  <a:rPr lang="en-GB" dirty="0"/>
+                  <a:t>Approach: weights for the model</a:t>
+                </a:r>
+              </a:p>
+              <a:p>
+                <a:pPr lvl="1"/>
+                <a:r>
+                  <a:rPr lang="en-GB" dirty="0"/>
+                  <a:t>Compute variance in 3x3 grid surrounding each pixel</a:t>
+                </a:r>
+              </a:p>
+              <a:p>
+                <a:pPr lvl="1"/>
+                <a:r>
+                  <a:rPr lang="en-GB" dirty="0"/>
+                  <a:t>Smooth the variances out in 5x5 region</a:t>
+                </a:r>
+              </a:p>
+              <a:p>
+                <a:pPr lvl="1"/>
+                <a:r>
+                  <a:rPr lang="en-GB" dirty="0"/>
+                  <a:t>Take the inverse for the weights! </a:t>
+                </a:r>
+              </a:p>
+              <a:p>
+                <a:pPr lvl="1"/>
+                <a:r>
+                  <a:rPr lang="en-GB" dirty="0"/>
+                  <a:t>Choice: use RSD grid or divided grid </a:t>
+                </a:r>
+              </a:p>
+            </p:txBody>
+          </p:sp>
+        </mc:Choice>
+        <mc:Fallback>
+          <p:sp>
+            <p:nvSpPr>
+              <p:cNvPr id="3" name="Content Placeholder 2">
+                <a:extLst>
+                  <a:ext uri="{FF2B5EF4-FFF2-40B4-BE49-F238E27FC236}">
+                    <a16:creationId xmlns:a16="http://schemas.microsoft.com/office/drawing/2014/main" id="{3B308AB4-9266-C431-C5B3-8A4CC94CD665}"/>
+                  </a:ext>
+                </a:extLst>
+              </p:cNvPr>
+              <p:cNvSpPr>
+                <a:spLocks noGrp="1" noRot="1" noChangeAspect="1" noMove="1" noResize="1" noEditPoints="1" noAdjustHandles="1" noChangeArrowheads="1" noChangeShapeType="1" noTextEdit="1"/>
+              </p:cNvSpPr>
+              <p:nvPr>
+                <p:ph idx="1"/>
+              </p:nvPr>
+            </p:nvSpPr>
+            <p:spPr>
+              <a:xfrm>
+                <a:off x="838200" y="1825625"/>
+                <a:ext cx="5637245" cy="4556514"/>
+              </a:xfrm>
+              <a:blipFill>
+                <a:blip r:embed="rId2"/>
+                <a:stretch>
+                  <a:fillRect l="-1732" t="-2674" r="-1948"/>
+                </a:stretch>
+              </a:blipFill>
+            </p:spPr>
+            <p:txBody>
+              <a:bodyPr/>
+              <a:lstStyle/>
+              <a:p>
+                <a:r>
+                  <a:rPr lang="en-GB">
+                    <a:noFill/>
+                  </a:rPr>
+                  <a:t> </a:t>
+                </a:r>
+              </a:p>
+            </p:txBody>
+          </p:sp>
+        </mc:Fallback>
+      </mc:AlternateContent>
+    </p:spTree>
+    <p:extLst>
+      <p:ext uri="{BB962C8B-B14F-4D97-AF65-F5344CB8AC3E}">
+        <p14:creationId xmlns:p14="http://schemas.microsoft.com/office/powerpoint/2010/main" val="1601907787"/>
+      </p:ext>
+    </p:extLst>
+  </p:cSld>
+  <p:clrMapOvr>
+    <a:masterClrMapping/>
+  </p:clrMapOvr>
+</p:sld>
+</file>
+
+<file path=ppt/slides/slide12.xml><?xml version="1.0" encoding="utf-8"?>
+<p:sld xmlns:a="http://schemas.openxmlformats.org/drawingml/2006/main" xmlns:r="http://schemas.openxmlformats.org/officeDocument/2006/relationships" xmlns:p="http://schemas.openxmlformats.org/presentationml/2006/main">
+  <p:cSld>
+    <p:spTree>
+      <p:nvGrpSpPr>
+        <p:cNvPr id="1" name=""/>
+        <p:cNvGrpSpPr/>
+        <p:nvPr/>
+      </p:nvGrpSpPr>
+      <p:grpSpPr>
+        <a:xfrm>
+          <a:off x="0" y="0"/>
+          <a:ext cx="0" cy="0"/>
+          <a:chOff x="0" y="0"/>
+          <a:chExt cx="0" cy="0"/>
+        </a:xfrm>
+      </p:grpSpPr>
+      <p:sp>
+        <p:nvSpPr>
+          <p:cNvPr id="2" name="Title 1">
+            <a:extLst>
+              <a:ext uri="{FF2B5EF4-FFF2-40B4-BE49-F238E27FC236}">
+                <a16:creationId xmlns:a16="http://schemas.microsoft.com/office/drawing/2014/main" id="{469404E1-8AF8-3B3E-0822-3496E5FF6E13}"/>
+              </a:ext>
+            </a:extLst>
+          </p:cNvPr>
+          <p:cNvSpPr>
+            <a:spLocks noGrp="1"/>
+          </p:cNvSpPr>
+          <p:nvPr>
+            <p:ph type="title"/>
+          </p:nvPr>
+        </p:nvSpPr>
+        <p:spPr/>
+        <p:txBody>
+          <a:bodyPr/>
+          <a:lstStyle/>
+          <a:p>
+            <a:r>
+              <a:rPr lang="nl-NL" b="1" dirty="0" err="1"/>
+              <a:t>Methods</a:t>
+            </a:r>
+            <a:r>
+              <a:rPr lang="nl-NL" b="1" dirty="0"/>
+              <a:t>: Redshift-Space </a:t>
+            </a:r>
+            <a:r>
+              <a:rPr lang="nl-NL" b="1" dirty="0" err="1"/>
+              <a:t>Distortion</a:t>
+            </a:r>
+            <a:r>
+              <a:rPr lang="nl-NL" b="1" dirty="0"/>
+              <a:t> model</a:t>
+            </a:r>
+            <a:endParaRPr lang="en-GB" b="1" dirty="0"/>
+          </a:p>
+        </p:txBody>
+      </p:sp>
+      <mc:AlternateContent xmlns:mc="http://schemas.openxmlformats.org/markup-compatibility/2006" xmlns:a14="http://schemas.microsoft.com/office/drawing/2010/main">
+        <mc:Choice Requires="a14">
           <p:sp>
             <p:nvSpPr>
               <p:cNvPr id="3" name="Content Placeholder 2">
@@ -4719,7 +5249,7 @@
             </p:txBody>
           </p:sp>
         </mc:Choice>
-        <mc:Fallback>
+        <mc:Fallback xmlns="">
           <p:sp>
             <p:nvSpPr>
               <p:cNvPr id="3" name="Content Placeholder 2">
@@ -4776,147 +5306,6 @@
 </p:sld>
 </file>
 
-<file path=ppt/slides/slide12.xml><?xml version="1.0" encoding="utf-8"?>
-<p:sld xmlns:a="http://schemas.openxmlformats.org/drawingml/2006/main" xmlns:r="http://schemas.openxmlformats.org/officeDocument/2006/relationships" xmlns:p="http://schemas.openxmlformats.org/presentationml/2006/main">
-  <p:cSld>
-    <p:spTree>
-      <p:nvGrpSpPr>
-        <p:cNvPr id="1" name=""/>
-        <p:cNvGrpSpPr/>
-        <p:nvPr/>
-      </p:nvGrpSpPr>
-      <p:grpSpPr>
-        <a:xfrm>
-          <a:off x="0" y="0"/>
-          <a:ext cx="0" cy="0"/>
-          <a:chOff x="0" y="0"/>
-          <a:chExt cx="0" cy="0"/>
-        </a:xfrm>
-      </p:grpSpPr>
-      <p:sp>
-        <p:nvSpPr>
-          <p:cNvPr id="2" name="Title 1">
-            <a:extLst>
-              <a:ext uri="{FF2B5EF4-FFF2-40B4-BE49-F238E27FC236}">
-                <a16:creationId xmlns:a16="http://schemas.microsoft.com/office/drawing/2014/main" id="{9D9E7739-F862-FE3B-4215-9F6CD9D51B4D}"/>
-              </a:ext>
-            </a:extLst>
-          </p:cNvPr>
-          <p:cNvSpPr>
-            <a:spLocks noGrp="1"/>
-          </p:cNvSpPr>
-          <p:nvPr>
-            <p:ph type="title"/>
-          </p:nvPr>
-        </p:nvSpPr>
-        <p:spPr/>
-        <p:txBody>
-          <a:bodyPr/>
-          <a:lstStyle/>
-          <a:p>
-            <a:r>
-              <a:rPr lang="nl-NL" b="1" dirty="0" err="1"/>
-              <a:t>Methods</a:t>
-            </a:r>
-            <a:r>
-              <a:rPr lang="nl-NL" b="1" dirty="0"/>
-              <a:t>: different </a:t>
-            </a:r>
-            <a:r>
-              <a:rPr lang="nl-NL" b="1" dirty="0" err="1"/>
-              <a:t>simulations</a:t>
-            </a:r>
-            <a:endParaRPr lang="en-GB" b="1" dirty="0"/>
-          </a:p>
-        </p:txBody>
-      </p:sp>
-      <p:sp>
-        <p:nvSpPr>
-          <p:cNvPr id="3" name="Content Placeholder 2">
-            <a:extLst>
-              <a:ext uri="{FF2B5EF4-FFF2-40B4-BE49-F238E27FC236}">
-                <a16:creationId xmlns:a16="http://schemas.microsoft.com/office/drawing/2014/main" id="{915AC7F3-F027-462D-CCBA-8D21F19B8903}"/>
-              </a:ext>
-            </a:extLst>
-          </p:cNvPr>
-          <p:cNvSpPr>
-            <a:spLocks noGrp="1"/>
-          </p:cNvSpPr>
-          <p:nvPr>
-            <p:ph idx="1"/>
-          </p:nvPr>
-        </p:nvSpPr>
-        <p:spPr/>
-        <p:txBody>
-          <a:bodyPr/>
-          <a:lstStyle/>
-          <a:p>
-            <a:r>
-              <a:rPr lang="nl-NL" dirty="0" err="1"/>
-              <a:t>Logaritmic</a:t>
-            </a:r>
-            <a:r>
-              <a:rPr lang="nl-NL" dirty="0"/>
-              <a:t> </a:t>
-            </a:r>
-            <a:r>
-              <a:rPr lang="nl-NL" dirty="0" err="1"/>
-              <a:t>mass</a:t>
-            </a:r>
-            <a:r>
-              <a:rPr lang="nl-NL" dirty="0"/>
-              <a:t> bins</a:t>
-            </a:r>
-          </a:p>
-          <a:p>
-            <a:r>
-              <a:rPr lang="nl-NL" dirty="0" err="1"/>
-              <a:t>Higher</a:t>
-            </a:r>
-            <a:r>
-              <a:rPr lang="nl-NL" dirty="0"/>
-              <a:t> </a:t>
-            </a:r>
-            <a:r>
-              <a:rPr lang="nl-NL" dirty="0" err="1"/>
-              <a:t>redshifts</a:t>
-            </a:r>
-            <a:endParaRPr lang="nl-NL" dirty="0"/>
-          </a:p>
-          <a:p>
-            <a:r>
-              <a:rPr lang="nl-NL" dirty="0" err="1"/>
-              <a:t>Vary</a:t>
-            </a:r>
-            <a:r>
-              <a:rPr lang="nl-NL" dirty="0"/>
-              <a:t> AGN feedback </a:t>
-            </a:r>
-            <a:r>
-              <a:rPr lang="nl-NL" dirty="0" err="1"/>
-              <a:t>strength</a:t>
-            </a:r>
-            <a:r>
-              <a:rPr lang="nl-NL" dirty="0"/>
-              <a:t> </a:t>
-            </a:r>
-            <a:endParaRPr lang="en-GB" dirty="0"/>
-          </a:p>
-        </p:txBody>
-      </p:sp>
-    </p:spTree>
-    <p:extLst>
-      <p:ext uri="{BB962C8B-B14F-4D97-AF65-F5344CB8AC3E}">
-        <p14:creationId xmlns:p14="http://schemas.microsoft.com/office/powerpoint/2010/main" val="2263237579"/>
-      </p:ext>
-    </p:extLst>
-  </p:cSld>
-  <p:clrMapOvr>
-    <a:masterClrMapping/>
-  </p:clrMapOvr>
-</p:sld>
-</file>
-
 <file path=ppt/slides/slide13.xml><?xml version="1.0" encoding="utf-8"?>
 <p:sld xmlns:a="http://schemas.openxmlformats.org/drawingml/2006/main" xmlns:r="http://schemas.openxmlformats.org/officeDocument/2006/relationships" xmlns:p="http://schemas.openxmlformats.org/presentationml/2006/main">
   <p:cSld>
@@ -4939,7 +5328,7 @@
           <p:cNvPr id="2" name="Title 1">
             <a:extLst>
               <a:ext uri="{FF2B5EF4-FFF2-40B4-BE49-F238E27FC236}">
-                <a16:creationId xmlns:a16="http://schemas.microsoft.com/office/drawing/2014/main" id="{2E107E6D-6033-2822-0A08-FA9286DE22EC}"/>
+                <a16:creationId xmlns:a16="http://schemas.microsoft.com/office/drawing/2014/main" id="{9D9E7739-F862-FE3B-4215-9F6CD9D51B4D}"/>
               </a:ext>
             </a:extLst>
           </p:cNvPr>
@@ -4957,19 +5346,15 @@
           <a:p>
             <a:r>
               <a:rPr lang="nl-NL" b="1" dirty="0" err="1"/>
-              <a:t>Results</a:t>
+              <a:t>Methods</a:t>
             </a:r>
             <a:r>
               <a:rPr lang="nl-NL" b="1" dirty="0"/>
-              <a:t>: Full </a:t>
+              <a:t>: different </a:t>
             </a:r>
             <a:r>
               <a:rPr lang="nl-NL" b="1" dirty="0" err="1"/>
-              <a:t>grids</a:t>
-            </a:r>
-            <a:r>
-              <a:rPr lang="nl-NL" b="1" dirty="0"/>
-              <a:t> </a:t>
+              <a:t>simulations</a:t>
             </a:r>
             <a:endParaRPr lang="en-GB" b="1" dirty="0"/>
           </a:p>
@@ -4980,7 +5365,7 @@
           <p:cNvPr id="3" name="Content Placeholder 2">
             <a:extLst>
               <a:ext uri="{FF2B5EF4-FFF2-40B4-BE49-F238E27FC236}">
-                <a16:creationId xmlns:a16="http://schemas.microsoft.com/office/drawing/2014/main" id="{7CF290DC-76B9-C560-D4A5-AD5AEA652CD2}"/>
+                <a16:creationId xmlns:a16="http://schemas.microsoft.com/office/drawing/2014/main" id="{915AC7F3-F027-462D-CCBA-8D21F19B8903}"/>
               </a:ext>
             </a:extLst>
           </p:cNvPr>
@@ -4997,8 +5382,53 @@
           <a:lstStyle/>
           <a:p>
             <a:r>
+              <a:rPr lang="nl-NL" dirty="0" err="1"/>
+              <a:t>Logaritmic</a:t>
+            </a:r>
+            <a:r>
               <a:rPr lang="nl-NL" dirty="0"/>
-              <a:t>The full</a:t>
+              <a:t> </a:t>
+            </a:r>
+            <a:r>
+              <a:rPr lang="nl-NL" dirty="0" err="1"/>
+              <a:t>mass</a:t>
+            </a:r>
+            <a:r>
+              <a:rPr lang="nl-NL" dirty="0"/>
+              <a:t> bins</a:t>
+            </a:r>
+          </a:p>
+          <a:p>
+            <a:r>
+              <a:rPr lang="nl-NL" dirty="0" err="1"/>
+              <a:t>Higher</a:t>
+            </a:r>
+            <a:r>
+              <a:rPr lang="nl-NL" dirty="0"/>
+              <a:t> </a:t>
+            </a:r>
+            <a:r>
+              <a:rPr lang="nl-NL" dirty="0" err="1"/>
+              <a:t>redshifts</a:t>
+            </a:r>
+            <a:endParaRPr lang="nl-NL" dirty="0"/>
+          </a:p>
+          <a:p>
+            <a:r>
+              <a:rPr lang="nl-NL" dirty="0" err="1"/>
+              <a:t>Vary</a:t>
+            </a:r>
+            <a:r>
+              <a:rPr lang="nl-NL" dirty="0"/>
+              <a:t> AGN feedback </a:t>
+            </a:r>
+            <a:r>
+              <a:rPr lang="nl-NL" dirty="0" err="1"/>
+              <a:t>strength</a:t>
+            </a:r>
+            <a:r>
+              <a:rPr lang="nl-NL" dirty="0"/>
+              <a:t> </a:t>
             </a:r>
             <a:endParaRPr lang="en-GB" dirty="0"/>
           </a:p>
@@ -5007,7 +5437,7 @@
     </p:spTree>
     <p:extLst>
       <p:ext uri="{BB962C8B-B14F-4D97-AF65-F5344CB8AC3E}">
-        <p14:creationId xmlns:p14="http://schemas.microsoft.com/office/powerpoint/2010/main" val="2721832148"/>
+        <p14:creationId xmlns:p14="http://schemas.microsoft.com/office/powerpoint/2010/main" val="2263237579"/>
       </p:ext>
     </p:extLst>
   </p:cSld>
@@ -5039,7 +5469,7 @@
           <p:cNvPr id="2" name="Title 1">
             <a:extLst>
               <a:ext uri="{FF2B5EF4-FFF2-40B4-BE49-F238E27FC236}">
-                <a16:creationId xmlns:a16="http://schemas.microsoft.com/office/drawing/2014/main" id="{8D2A61DC-3E72-4044-B83A-254768B5C036}"/>
+                <a16:creationId xmlns:a16="http://schemas.microsoft.com/office/drawing/2014/main" id="{2E107E6D-6033-2822-0A08-FA9286DE22EC}"/>
               </a:ext>
             </a:extLst>
           </p:cNvPr>
@@ -5056,42 +5486,316 @@
           <a:lstStyle/>
           <a:p>
             <a:r>
-              <a:rPr lang="nl-NL" dirty="0" err="1"/>
+              <a:rPr lang="nl-NL" b="1" dirty="0" err="1"/>
               <a:t>Results</a:t>
             </a:r>
-            <a:endParaRPr lang="en-GB" dirty="0"/>
+            <a:r>
+              <a:rPr lang="nl-NL" b="1" dirty="0"/>
+              <a:t>: </a:t>
+            </a:r>
+            <a:r>
+              <a:rPr lang="nl-NL" b="1" dirty="0" err="1"/>
+              <a:t>Weight-grids</a:t>
+            </a:r>
+            <a:r>
+              <a:rPr lang="nl-NL" b="1" dirty="0"/>
+              <a:t> </a:t>
+            </a:r>
+            <a:endParaRPr lang="en-GB" b="1" dirty="0"/>
           </a:p>
         </p:txBody>
       </p:sp>
-      <p:sp>
-        <p:nvSpPr>
-          <p:cNvPr id="3" name="Content Placeholder 2">
+      <mc:AlternateContent xmlns:mc="http://schemas.openxmlformats.org/markup-compatibility/2006">
+        <mc:Choice xmlns:a14="http://schemas.microsoft.com/office/drawing/2010/main" Requires="a14">
+          <p:sp>
+            <p:nvSpPr>
+              <p:cNvPr id="3" name="Content Placeholder 2">
+                <a:extLst>
+                  <a:ext uri="{FF2B5EF4-FFF2-40B4-BE49-F238E27FC236}">
+                    <a16:creationId xmlns:a16="http://schemas.microsoft.com/office/drawing/2014/main" id="{7CF290DC-76B9-C560-D4A5-AD5AEA652CD2}"/>
+                  </a:ext>
+                </a:extLst>
+              </p:cNvPr>
+              <p:cNvSpPr>
+                <a:spLocks noGrp="1"/>
+              </p:cNvSpPr>
+              <p:nvPr>
+                <p:ph idx="1"/>
+              </p:nvPr>
+            </p:nvSpPr>
+            <p:spPr>
+              <a:xfrm>
+                <a:off x="838200" y="1825625"/>
+                <a:ext cx="10515600" cy="1906620"/>
+              </a:xfrm>
+            </p:spPr>
+            <p:txBody>
+              <a:bodyPr/>
+              <a:lstStyle/>
+              <a:p>
+                <a:r>
+                  <a:rPr lang="nl-NL" dirty="0"/>
+                  <a:t>Using </a:t>
+                </a:r>
+                <a:r>
+                  <a:rPr lang="nl-NL" dirty="0" err="1"/>
+                  <a:t>the</a:t>
+                </a:r>
+                <a:r>
+                  <a:rPr lang="nl-NL" dirty="0"/>
+                  <a:t> </a:t>
+                </a:r>
+                <a:r>
+                  <a:rPr lang="nl-NL" dirty="0" err="1"/>
+                  <a:t>entire</a:t>
+                </a:r>
+                <a:r>
+                  <a:rPr lang="nl-NL" dirty="0"/>
+                  <a:t> </a:t>
+                </a:r>
+                <a:r>
+                  <a:rPr lang="nl-NL" dirty="0" err="1"/>
+                  <a:t>catalogue</a:t>
+                </a:r>
+                <a:r>
+                  <a:rPr lang="nl-NL" dirty="0"/>
+                  <a:t>, we </a:t>
+                </a:r>
+                <a:r>
+                  <a:rPr lang="nl-NL" dirty="0" err="1"/>
+                  <a:t>obtain</a:t>
+                </a:r>
+                <a:r>
+                  <a:rPr lang="nl-NL" dirty="0"/>
+                  <a:t> </a:t>
+                </a:r>
+                <a:r>
+                  <a:rPr lang="nl-NL" dirty="0" err="1"/>
+                  <a:t>the</a:t>
+                </a:r>
+                <a:r>
+                  <a:rPr lang="nl-NL" dirty="0"/>
+                  <a:t> </a:t>
+                </a:r>
+                <a:r>
+                  <a:rPr lang="nl-NL" dirty="0" err="1"/>
+                  <a:t>following</a:t>
+                </a:r>
+                <a:r>
+                  <a:rPr lang="nl-NL" dirty="0"/>
+                  <a:t> </a:t>
+                </a:r>
+                <a:r>
+                  <a:rPr lang="nl-NL" dirty="0" err="1"/>
+                  <a:t>weight-profiles</a:t>
+                </a:r>
+                <a:r>
+                  <a:rPr lang="nl-NL" dirty="0"/>
+                  <a:t> </a:t>
+                </a:r>
+              </a:p>
+              <a:p>
+                <a:r>
+                  <a:rPr lang="nl-NL" dirty="0" err="1"/>
+                  <a:t>Divided</a:t>
+                </a:r>
+                <a:r>
+                  <a:rPr lang="nl-NL" dirty="0"/>
+                  <a:t> spectrum </a:t>
+                </a:r>
+                <a:r>
+                  <a:rPr lang="nl-NL" dirty="0" err="1"/>
+                  <a:t>follows</a:t>
+                </a:r>
+                <a:r>
+                  <a:rPr lang="nl-NL" dirty="0"/>
+                  <a:t> a </a:t>
+                </a:r>
+                <a:r>
+                  <a:rPr lang="nl-NL" dirty="0" err="1"/>
+                  <a:t>steep</a:t>
+                </a:r>
+                <a:r>
+                  <a:rPr lang="nl-NL" dirty="0"/>
+                  <a:t> drop-off </a:t>
+                </a:r>
+                <a:r>
+                  <a:rPr lang="nl-NL" dirty="0" err="1"/>
+                  <a:t>for</a:t>
+                </a:r>
+                <a:r>
+                  <a:rPr lang="nl-NL" dirty="0"/>
+                  <a:t> </a:t>
+                </a:r>
+                <a:r>
+                  <a:rPr lang="nl-NL" dirty="0" err="1"/>
+                  <a:t>higher</a:t>
+                </a:r>
+                <a:r>
+                  <a:rPr lang="nl-NL" dirty="0"/>
+                  <a:t> </a:t>
+                </a:r>
+                <a14:m>
+                  <m:oMath xmlns:m="http://schemas.openxmlformats.org/officeDocument/2006/math">
+                    <m:sSub>
+                      <m:sSubPr>
+                        <m:ctrlPr>
+                          <a:rPr lang="nl-NL" i="1" smtClean="0">
+                            <a:latin typeface="Cambria Math" panose="02040503050406030204" pitchFamily="18" charset="0"/>
+                          </a:rPr>
+                        </m:ctrlPr>
+                      </m:sSubPr>
+                      <m:e>
+                        <m:r>
+                          <a:rPr lang="nl-NL" i="1">
+                            <a:latin typeface="Cambria Math" panose="02040503050406030204" pitchFamily="18" charset="0"/>
+                          </a:rPr>
+                          <m:t>𝑘</m:t>
+                        </m:r>
+                      </m:e>
+                      <m:sub>
+                        <m:r>
+                          <a:rPr lang="nl-NL" i="1">
+                            <a:latin typeface="Cambria Math" panose="02040503050406030204" pitchFamily="18" charset="0"/>
+                            <a:ea typeface="Cambria Math" panose="02040503050406030204" pitchFamily="18" charset="0"/>
+                          </a:rPr>
+                          <m:t>=</m:t>
+                        </m:r>
+                      </m:sub>
+                    </m:sSub>
+                  </m:oMath>
+                </a14:m>
+                <a:endParaRPr lang="en-GB" dirty="0"/>
+              </a:p>
+              <a:p>
+                <a:r>
+                  <a:rPr lang="en-GB" dirty="0"/>
+                  <a:t>RSD spectrum assigns more ‘linear’ drop-off with total k </a:t>
+                </a:r>
+              </a:p>
+            </p:txBody>
+          </p:sp>
+        </mc:Choice>
+        <mc:Fallback>
+          <p:sp>
+            <p:nvSpPr>
+              <p:cNvPr id="3" name="Content Placeholder 2">
+                <a:extLst>
+                  <a:ext uri="{FF2B5EF4-FFF2-40B4-BE49-F238E27FC236}">
+                    <a16:creationId xmlns:a16="http://schemas.microsoft.com/office/drawing/2014/main" id="{7CF290DC-76B9-C560-D4A5-AD5AEA652CD2}"/>
+                  </a:ext>
+                </a:extLst>
+              </p:cNvPr>
+              <p:cNvSpPr>
+                <a:spLocks noGrp="1" noRot="1" noChangeAspect="1" noMove="1" noResize="1" noEditPoints="1" noAdjustHandles="1" noChangeArrowheads="1" noChangeShapeType="1" noTextEdit="1"/>
+              </p:cNvSpPr>
+              <p:nvPr>
+                <p:ph idx="1"/>
+              </p:nvPr>
+            </p:nvSpPr>
+            <p:spPr>
+              <a:xfrm>
+                <a:off x="838200" y="1825625"/>
+                <a:ext cx="10515600" cy="1906620"/>
+              </a:xfrm>
+              <a:blipFill>
+                <a:blip r:embed="rId2"/>
+                <a:stretch>
+                  <a:fillRect l="-1043" t="-5112"/>
+                </a:stretch>
+              </a:blipFill>
+            </p:spPr>
+            <p:txBody>
+              <a:bodyPr/>
+              <a:lstStyle/>
+              <a:p>
+                <a:r>
+                  <a:rPr lang="en-GB">
+                    <a:noFill/>
+                  </a:rPr>
+                  <a:t> </a:t>
+                </a:r>
+              </a:p>
+            </p:txBody>
+          </p:sp>
+        </mc:Fallback>
+      </mc:AlternateContent>
+      <p:pic>
+        <p:nvPicPr>
+          <p:cNvPr id="4" name="Picture 3">
             <a:extLst>
               <a:ext uri="{FF2B5EF4-FFF2-40B4-BE49-F238E27FC236}">
-                <a16:creationId xmlns:a16="http://schemas.microsoft.com/office/drawing/2014/main" id="{FB8345D5-837E-CC21-B558-F0CC71C9C426}"/>
+                <a16:creationId xmlns:a16="http://schemas.microsoft.com/office/drawing/2014/main" id="{55478AE9-9759-07C4-111B-FBA252141172}"/>
               </a:ext>
             </a:extLst>
           </p:cNvPr>
-          <p:cNvSpPr>
-            <a:spLocks noGrp="1"/>
-          </p:cNvSpPr>
-          <p:nvPr>
-            <p:ph idx="1"/>
-          </p:nvPr>
-        </p:nvSpPr>
-        <p:spPr/>
-        <p:txBody>
-          <a:bodyPr/>
-          <a:lstStyle/>
-          <a:p>
-            <a:endParaRPr lang="en-GB"/>
-          </a:p>
-        </p:txBody>
-      </p:sp>
+          <p:cNvPicPr>
+            <a:picLocks noChangeAspect="1"/>
+          </p:cNvPicPr>
+          <p:nvPr/>
+        </p:nvPicPr>
+        <p:blipFill>
+          <a:blip r:embed="rId3">
+            <a:extLst>
+              <a:ext uri="{28A0092B-C50C-407E-A947-70E740481C1C}">
+                <a14:useLocalDpi xmlns:a14="http://schemas.microsoft.com/office/drawing/2010/main" val="0"/>
+              </a:ext>
+            </a:extLst>
+          </a:blip>
+          <a:stretch>
+            <a:fillRect/>
+          </a:stretch>
+        </p:blipFill>
+        <p:spPr>
+          <a:xfrm>
+            <a:off x="482859" y="3429000"/>
+            <a:ext cx="6085892" cy="3048000"/>
+          </a:xfrm>
+          <a:prstGeom prst="rect">
+            <a:avLst/>
+          </a:prstGeom>
+        </p:spPr>
+      </p:pic>
+      <p:pic>
+        <p:nvPicPr>
+          <p:cNvPr id="5" name="Picture 4">
+            <a:extLst>
+              <a:ext uri="{FF2B5EF4-FFF2-40B4-BE49-F238E27FC236}">
+                <a16:creationId xmlns:a16="http://schemas.microsoft.com/office/drawing/2014/main" id="{7EED9A1F-D3D3-3417-65D5-A9CEEEE9490D}"/>
+              </a:ext>
+            </a:extLst>
+          </p:cNvPr>
+          <p:cNvPicPr>
+            <a:picLocks noChangeAspect="1"/>
+          </p:cNvPicPr>
+          <p:nvPr/>
+        </p:nvPicPr>
+        <p:blipFill>
+          <a:blip r:embed="rId4">
+            <a:extLst>
+              <a:ext uri="{28A0092B-C50C-407E-A947-70E740481C1C}">
+                <a14:useLocalDpi xmlns:a14="http://schemas.microsoft.com/office/drawing/2010/main" val="0"/>
+              </a:ext>
+            </a:extLst>
+          </a:blip>
+          <a:stretch>
+            <a:fillRect/>
+          </a:stretch>
+        </p:blipFill>
+        <p:spPr>
+          <a:xfrm>
+            <a:off x="6096000" y="3352947"/>
+            <a:ext cx="5984032" cy="3200106"/>
+          </a:xfrm>
+          <a:prstGeom prst="rect">
+            <a:avLst/>
+          </a:prstGeom>
+        </p:spPr>
+      </p:pic>
     </p:spTree>
     <p:extLst>
       <p:ext uri="{BB962C8B-B14F-4D97-AF65-F5344CB8AC3E}">
-        <p14:creationId xmlns:p14="http://schemas.microsoft.com/office/powerpoint/2010/main" val="2426186377"/>
+        <p14:creationId xmlns:p14="http://schemas.microsoft.com/office/powerpoint/2010/main" val="2721832148"/>
       </p:ext>
     </p:extLst>
   </p:cSld>
@@ -5123,6 +5827,90 @@
           <p:cNvPr id="2" name="Title 1">
             <a:extLst>
               <a:ext uri="{FF2B5EF4-FFF2-40B4-BE49-F238E27FC236}">
+                <a16:creationId xmlns:a16="http://schemas.microsoft.com/office/drawing/2014/main" id="{8D2A61DC-3E72-4044-B83A-254768B5C036}"/>
+              </a:ext>
+            </a:extLst>
+          </p:cNvPr>
+          <p:cNvSpPr>
+            <a:spLocks noGrp="1"/>
+          </p:cNvSpPr>
+          <p:nvPr>
+            <p:ph type="title"/>
+          </p:nvPr>
+        </p:nvSpPr>
+        <p:spPr/>
+        <p:txBody>
+          <a:bodyPr/>
+          <a:lstStyle/>
+          <a:p>
+            <a:r>
+              <a:rPr lang="nl-NL" dirty="0" err="1"/>
+              <a:t>Results</a:t>
+            </a:r>
+            <a:endParaRPr lang="en-GB" dirty="0"/>
+          </a:p>
+        </p:txBody>
+      </p:sp>
+      <p:sp>
+        <p:nvSpPr>
+          <p:cNvPr id="3" name="Content Placeholder 2">
+            <a:extLst>
+              <a:ext uri="{FF2B5EF4-FFF2-40B4-BE49-F238E27FC236}">
+                <a16:creationId xmlns:a16="http://schemas.microsoft.com/office/drawing/2014/main" id="{FB8345D5-837E-CC21-B558-F0CC71C9C426}"/>
+              </a:ext>
+            </a:extLst>
+          </p:cNvPr>
+          <p:cNvSpPr>
+            <a:spLocks noGrp="1"/>
+          </p:cNvSpPr>
+          <p:nvPr>
+            <p:ph idx="1"/>
+          </p:nvPr>
+        </p:nvSpPr>
+        <p:spPr/>
+        <p:txBody>
+          <a:bodyPr/>
+          <a:lstStyle/>
+          <a:p>
+            <a:endParaRPr lang="en-GB"/>
+          </a:p>
+        </p:txBody>
+      </p:sp>
+    </p:spTree>
+    <p:extLst>
+      <p:ext uri="{BB962C8B-B14F-4D97-AF65-F5344CB8AC3E}">
+        <p14:creationId xmlns:p14="http://schemas.microsoft.com/office/powerpoint/2010/main" val="2426186377"/>
+      </p:ext>
+    </p:extLst>
+  </p:cSld>
+  <p:clrMapOvr>
+    <a:masterClrMapping/>
+  </p:clrMapOvr>
+</p:sld>
+</file>
+
+<file path=ppt/slides/slide16.xml><?xml version="1.0" encoding="utf-8"?>
+<p:sld xmlns:a="http://schemas.openxmlformats.org/drawingml/2006/main" xmlns:r="http://schemas.openxmlformats.org/officeDocument/2006/relationships" xmlns:p="http://schemas.openxmlformats.org/presentationml/2006/main">
+  <p:cSld>
+    <p:spTree>
+      <p:nvGrpSpPr>
+        <p:cNvPr id="1" name=""/>
+        <p:cNvGrpSpPr/>
+        <p:nvPr/>
+      </p:nvGrpSpPr>
+      <p:grpSpPr>
+        <a:xfrm>
+          <a:off x="0" y="0"/>
+          <a:ext cx="0" cy="0"/>
+          <a:chOff x="0" y="0"/>
+          <a:chExt cx="0" cy="0"/>
+        </a:xfrm>
+      </p:grpSpPr>
+      <p:sp>
+        <p:nvSpPr>
+          <p:cNvPr id="2" name="Title 1">
+            <a:extLst>
+              <a:ext uri="{FF2B5EF4-FFF2-40B4-BE49-F238E27FC236}">
                 <a16:creationId xmlns:a16="http://schemas.microsoft.com/office/drawing/2014/main" id="{B297486E-F6E7-220E-9CDC-CE4F4EEDF637}"/>
               </a:ext>
             </a:extLst>
@@ -5189,7 +5977,7 @@
 </p:sld>
 </file>
 
-<file path=ppt/slides/slide16.xml><?xml version="1.0" encoding="utf-8"?>
+<file path=ppt/slides/slide17.xml><?xml version="1.0" encoding="utf-8"?>
 <p:sld xmlns:a="http://schemas.openxmlformats.org/drawingml/2006/main" xmlns:r="http://schemas.openxmlformats.org/officeDocument/2006/relationships" xmlns:p="http://schemas.openxmlformats.org/presentationml/2006/main">
   <p:cSld>
     <p:spTree>
@@ -5943,8 +6731,8 @@
           </a:p>
         </p:txBody>
       </p:sp>
-      <mc:AlternateContent xmlns:mc="http://schemas.openxmlformats.org/markup-compatibility/2006">
-        <mc:Choice xmlns:a14="http://schemas.microsoft.com/office/drawing/2010/main" Requires="a14">
+      <mc:AlternateContent xmlns:mc="http://schemas.openxmlformats.org/markup-compatibility/2006" xmlns:a14="http://schemas.microsoft.com/office/drawing/2010/main">
+        <mc:Choice Requires="a14">
           <p:sp>
             <p:nvSpPr>
               <p:cNvPr id="3" name="Content Placeholder 2">
@@ -6066,7 +6854,7 @@
                     <m:d>
                       <m:dPr>
                         <m:ctrlPr>
-                          <a:rPr lang="nl-NL" b="0" i="0" smtClean="0">
+                          <a:rPr lang="nl-NL" b="0" i="1" smtClean="0">
                             <a:latin typeface="Cambria Math" panose="02040503050406030204" pitchFamily="18" charset="0"/>
                           </a:rPr>
                         </m:ctrlPr>
@@ -6148,7 +6936,7 @@
             </p:txBody>
           </p:sp>
         </mc:Choice>
-        <mc:Fallback>
+        <mc:Fallback xmlns="">
           <p:sp>
             <p:nvSpPr>
               <p:cNvPr id="3" name="Content Placeholder 2">
@@ -6682,6 +7470,188 @@
                 <a:endParaRPr lang="nl-NL" dirty="0"/>
               </a:p>
               <a:p>
+                <a:pPr lvl="1"/>
+                <a:r>
+                  <a:rPr lang="nl-NL" dirty="0" err="1"/>
+                  <a:t>Peculiar</a:t>
+                </a:r>
+                <a:r>
+                  <a:rPr lang="nl-NL" dirty="0"/>
+                  <a:t> </a:t>
+                </a:r>
+                <a:r>
+                  <a:rPr lang="nl-NL" dirty="0" err="1"/>
+                  <a:t>velocity</a:t>
+                </a:r>
+                <a:r>
+                  <a:rPr lang="nl-NL" dirty="0"/>
+                  <a:t>: </a:t>
+                </a:r>
+                <a14:m>
+                  <m:oMath xmlns:m="http://schemas.openxmlformats.org/officeDocument/2006/math">
+                    <m:sSub>
+                      <m:sSubPr>
+                        <m:ctrlPr>
+                          <a:rPr lang="nl-NL" i="1" smtClean="0">
+                            <a:latin typeface="Cambria Math" panose="02040503050406030204" pitchFamily="18" charset="0"/>
+                          </a:rPr>
+                        </m:ctrlPr>
+                      </m:sSubPr>
+                      <m:e>
+                        <m:r>
+                          <a:rPr lang="nl-NL" b="0" i="1" smtClean="0">
+                            <a:latin typeface="Cambria Math" panose="02040503050406030204" pitchFamily="18" charset="0"/>
+                          </a:rPr>
+                          <m:t>𝑣</m:t>
+                        </m:r>
+                      </m:e>
+                      <m:sub>
+                        <m:r>
+                          <a:rPr lang="nl-NL" b="0" i="1" smtClean="0">
+                            <a:latin typeface="Cambria Math" panose="02040503050406030204" pitchFamily="18" charset="0"/>
+                          </a:rPr>
+                          <m:t>𝑝𝑒𝑐</m:t>
+                        </m:r>
+                      </m:sub>
+                    </m:sSub>
+                    <m:r>
+                      <a:rPr lang="nl-NL" b="0" i="1" smtClean="0">
+                        <a:latin typeface="Cambria Math" panose="02040503050406030204" pitchFamily="18" charset="0"/>
+                      </a:rPr>
+                      <m:t>=</m:t>
+                    </m:r>
+                    <m:sSub>
+                      <m:sSubPr>
+                        <m:ctrlPr>
+                          <a:rPr lang="nl-NL" b="0" i="1" smtClean="0">
+                            <a:latin typeface="Cambria Math" panose="02040503050406030204" pitchFamily="18" charset="0"/>
+                          </a:rPr>
+                        </m:ctrlPr>
+                      </m:sSubPr>
+                      <m:e>
+                        <m:r>
+                          <a:rPr lang="nl-NL" b="0" i="1" smtClean="0">
+                            <a:latin typeface="Cambria Math" panose="02040503050406030204" pitchFamily="18" charset="0"/>
+                          </a:rPr>
+                          <m:t>𝑣</m:t>
+                        </m:r>
+                      </m:e>
+                      <m:sub>
+                        <m:r>
+                          <a:rPr lang="nl-NL" b="0" i="1" smtClean="0">
+                            <a:latin typeface="Cambria Math" panose="02040503050406030204" pitchFamily="18" charset="0"/>
+                          </a:rPr>
+                          <m:t>𝑝</m:t>
+                        </m:r>
+                      </m:sub>
+                    </m:sSub>
+                    <m:r>
+                      <a:rPr lang="nl-NL" b="0" i="1" smtClean="0">
+                        <a:latin typeface="Cambria Math" panose="02040503050406030204" pitchFamily="18" charset="0"/>
+                      </a:rPr>
+                      <m:t>−</m:t>
+                    </m:r>
+                    <m:sSub>
+                      <m:sSubPr>
+                        <m:ctrlPr>
+                          <a:rPr lang="nl-NL" b="0" i="1" smtClean="0">
+                            <a:latin typeface="Cambria Math" panose="02040503050406030204" pitchFamily="18" charset="0"/>
+                          </a:rPr>
+                        </m:ctrlPr>
+                      </m:sSubPr>
+                      <m:e>
+                        <m:r>
+                          <a:rPr lang="nl-NL" b="0" i="1" smtClean="0">
+                            <a:latin typeface="Cambria Math" panose="02040503050406030204" pitchFamily="18" charset="0"/>
+                          </a:rPr>
+                          <m:t>𝑣</m:t>
+                        </m:r>
+                      </m:e>
+                      <m:sub>
+                        <m:r>
+                          <a:rPr lang="nl-NL" b="0" i="1" smtClean="0">
+                            <a:latin typeface="Cambria Math" panose="02040503050406030204" pitchFamily="18" charset="0"/>
+                          </a:rPr>
+                          <m:t>𝐻</m:t>
+                        </m:r>
+                      </m:sub>
+                    </m:sSub>
+                  </m:oMath>
+                </a14:m>
+                <a:endParaRPr lang="nl-NL" dirty="0"/>
+              </a:p>
+              <a:p>
+                <a:pPr lvl="2"/>
+                <a:r>
+                  <a:rPr lang="nl-NL" dirty="0" err="1"/>
+                  <a:t>Movement</a:t>
+                </a:r>
+                <a:r>
+                  <a:rPr lang="nl-NL" dirty="0"/>
+                  <a:t> of </a:t>
+                </a:r>
+                <a:r>
+                  <a:rPr lang="nl-NL" dirty="0" err="1"/>
+                  <a:t>galaxies</a:t>
+                </a:r>
+                <a:r>
+                  <a:rPr lang="nl-NL" dirty="0"/>
+                  <a:t> apart from </a:t>
+                </a:r>
+                <a:r>
+                  <a:rPr lang="nl-NL" dirty="0" err="1"/>
+                  <a:t>movement</a:t>
+                </a:r>
+                <a:r>
+                  <a:rPr lang="nl-NL" dirty="0"/>
+                  <a:t> </a:t>
+                </a:r>
+                <a:r>
+                  <a:rPr lang="nl-NL" dirty="0" err="1"/>
+                  <a:t>due</a:t>
+                </a:r>
+                <a:r>
+                  <a:rPr lang="nl-NL" dirty="0"/>
+                  <a:t> </a:t>
+                </a:r>
+                <a:r>
+                  <a:rPr lang="nl-NL" dirty="0" err="1"/>
+                  <a:t>to</a:t>
+                </a:r>
+                <a:r>
+                  <a:rPr lang="nl-NL" dirty="0"/>
+                  <a:t> </a:t>
+                </a:r>
+                <a:r>
+                  <a:rPr lang="nl-NL" dirty="0" err="1"/>
+                  <a:t>expansion</a:t>
+                </a:r>
+                <a:r>
+                  <a:rPr lang="nl-NL" dirty="0"/>
+                  <a:t> of </a:t>
+                </a:r>
+                <a:r>
+                  <a:rPr lang="nl-NL" dirty="0" err="1"/>
+                  <a:t>spacetime</a:t>
+                </a:r>
+                <a:r>
+                  <a:rPr lang="nl-NL" dirty="0"/>
+                  <a:t> </a:t>
+                </a:r>
+              </a:p>
+              <a:p>
+                <a:pPr marL="457200" lvl="1" indent="0">
+                  <a:buNone/>
+                </a:pPr>
+                <a:endParaRPr lang="nl-NL" dirty="0"/>
+              </a:p>
+              <a:p>
+                <a:pPr marL="0" indent="0">
+                  <a:buNone/>
+                </a:pPr>
+                <a:endParaRPr lang="nl-NL" dirty="0"/>
+              </a:p>
+              <a:p>
                 <a:endParaRPr lang="en-GB" dirty="0"/>
               </a:p>
             </p:txBody>
@@ -6712,7 +7682,7 @@
               <a:blipFill>
                 <a:blip r:embed="rId2"/>
                 <a:stretch>
-                  <a:fillRect l="-1563" t="-2241"/>
+                  <a:fillRect l="-1563" t="-2241" b="-560"/>
                 </a:stretch>
               </a:blipFill>
             </p:spPr>
@@ -6930,8 +7900,8 @@
           </a:p>
         </p:txBody>
       </p:sp>
-      <mc:AlternateContent xmlns:mc="http://schemas.openxmlformats.org/markup-compatibility/2006">
-        <mc:Choice xmlns:a14="http://schemas.microsoft.com/office/drawing/2010/main" Requires="a14">
+      <mc:AlternateContent xmlns:mc="http://schemas.openxmlformats.org/markup-compatibility/2006" xmlns:a14="http://schemas.microsoft.com/office/drawing/2010/main">
+        <mc:Choice Requires="a14">
           <p:sp>
             <p:nvSpPr>
               <p:cNvPr id="3" name="Content Placeholder 2">
@@ -7299,7 +8269,7 @@
             </p:txBody>
           </p:sp>
         </mc:Choice>
-        <mc:Fallback>
+        <mc:Fallback xmlns="">
           <p:sp>
             <p:nvSpPr>
               <p:cNvPr id="3" name="Content Placeholder 2">
@@ -7454,8 +8424,8 @@
           </a:p>
         </p:txBody>
       </p:sp>
-      <mc:AlternateContent xmlns:mc="http://schemas.openxmlformats.org/markup-compatibility/2006">
-        <mc:Choice xmlns:a14="http://schemas.microsoft.com/office/drawing/2010/main" Requires="a14">
+      <mc:AlternateContent xmlns:mc="http://schemas.openxmlformats.org/markup-compatibility/2006" xmlns:a14="http://schemas.microsoft.com/office/drawing/2010/main">
+        <mc:Choice Requires="a14">
           <p:sp>
             <p:nvSpPr>
               <p:cNvPr id="3" name="Content Placeholder 2">
@@ -7909,7 +8879,7 @@
             </p:txBody>
           </p:sp>
         </mc:Choice>
-        <mc:Fallback>
+        <mc:Fallback xmlns="">
           <p:sp>
             <p:nvSpPr>
               <p:cNvPr id="3" name="Content Placeholder 2">
@@ -8065,8 +9035,8 @@
           </a:p>
         </p:txBody>
       </p:sp>
-      <mc:AlternateContent xmlns:mc="http://schemas.openxmlformats.org/markup-compatibility/2006">
-        <mc:Choice xmlns:a14="http://schemas.microsoft.com/office/drawing/2010/main" Requires="a14">
+      <mc:AlternateContent xmlns:mc="http://schemas.openxmlformats.org/markup-compatibility/2006" xmlns:a14="http://schemas.microsoft.com/office/drawing/2010/main">
+        <mc:Choice Requires="a14">
           <p:sp>
             <p:nvSpPr>
               <p:cNvPr id="3" name="Content Placeholder 2">
@@ -8634,7 +9604,7 @@
             </p:txBody>
           </p:sp>
         </mc:Choice>
-        <mc:Fallback>
+        <mc:Fallback xmlns="">
           <p:sp>
             <p:nvSpPr>
               <p:cNvPr id="3" name="Content Placeholder 2">
